--- a/doc/GOLANG-Q-A.pptx
+++ b/doc/GOLANG-Q-A.pptx
@@ -5,7 +5,7 @@
     <p:sldMasterId id="2147483696" r:id="rId4"/>
   </p:sldMasterIdLst>
   <p:notesMasterIdLst>
-    <p:notesMasterId r:id="rId36"/>
+    <p:notesMasterId r:id="rId43"/>
   </p:notesMasterIdLst>
   <p:sldIdLst>
     <p:sldId id="306" r:id="rId5"/>
@@ -27,18 +27,25 @@
     <p:sldId id="328" r:id="rId21"/>
     <p:sldId id="329" r:id="rId22"/>
     <p:sldId id="349" r:id="rId23"/>
-    <p:sldId id="330" r:id="rId24"/>
-    <p:sldId id="331" r:id="rId25"/>
-    <p:sldId id="324" r:id="rId26"/>
-    <p:sldId id="339" r:id="rId27"/>
-    <p:sldId id="323" r:id="rId28"/>
-    <p:sldId id="338" r:id="rId29"/>
-    <p:sldId id="335" r:id="rId30"/>
-    <p:sldId id="336" r:id="rId31"/>
-    <p:sldId id="337" r:id="rId32"/>
-    <p:sldId id="326" r:id="rId33"/>
-    <p:sldId id="345" r:id="rId34"/>
-    <p:sldId id="312" r:id="rId35"/>
+    <p:sldId id="354" r:id="rId24"/>
+    <p:sldId id="355" r:id="rId25"/>
+    <p:sldId id="330" r:id="rId26"/>
+    <p:sldId id="331" r:id="rId27"/>
+    <p:sldId id="324" r:id="rId28"/>
+    <p:sldId id="356" r:id="rId29"/>
+    <p:sldId id="339" r:id="rId30"/>
+    <p:sldId id="323" r:id="rId31"/>
+    <p:sldId id="338" r:id="rId32"/>
+    <p:sldId id="335" r:id="rId33"/>
+    <p:sldId id="336" r:id="rId34"/>
+    <p:sldId id="350" r:id="rId35"/>
+    <p:sldId id="337" r:id="rId36"/>
+    <p:sldId id="351" r:id="rId37"/>
+    <p:sldId id="352" r:id="rId38"/>
+    <p:sldId id="326" r:id="rId39"/>
+    <p:sldId id="345" r:id="rId40"/>
+    <p:sldId id="353" r:id="rId41"/>
+    <p:sldId id="312" r:id="rId42"/>
   </p:sldIdLst>
   <p:sldSz cx="12192000" cy="6858000"/>
   <p:notesSz cx="6858000" cy="9144000"/>
@@ -170,7 +177,7 @@
 <file path=ppt/revisionInfo.xml><?xml version="1.0" encoding="utf-8"?>
 <p1510:revInfo xmlns:a="http://schemas.openxmlformats.org/drawingml/2006/main" xmlns:r="http://schemas.openxmlformats.org/officeDocument/2006/relationships" xmlns:p1510="http://schemas.microsoft.com/office/powerpoint/2015/10/main">
   <p1510:revLst>
-    <p1510:client id="{BA75E305-BCCA-46B8-BDA7-E0B075DE28D0}" v="22" dt="2023-11-20T12:07:25.384"/>
+    <p1510:client id="{BA75E305-BCCA-46B8-BDA7-E0B075DE28D0}" v="26" dt="2023-11-21T13:27:21.254"/>
   </p1510:revLst>
 </p1510:revInfo>
 </file>
@@ -180,12 +187,12 @@
   <pc:docChgLst>
     <pc:chgData name="Bondarczuk, Norbert (CW)" userId="828710be-d584-49cf-b413-d10447949189" providerId="ADAL" clId="{BA75E305-BCCA-46B8-BDA7-E0B075DE28D0}"/>
     <pc:docChg chg="custSel addSld delSld modSld sldOrd">
-      <pc:chgData name="Bondarczuk, Norbert (CW)" userId="828710be-d584-49cf-b413-d10447949189" providerId="ADAL" clId="{BA75E305-BCCA-46B8-BDA7-E0B075DE28D0}" dt="2023-11-20T14:46:14.382" v="12392" actId="20577"/>
+      <pc:chgData name="Bondarczuk, Norbert (CW)" userId="828710be-d584-49cf-b413-d10447949189" providerId="ADAL" clId="{BA75E305-BCCA-46B8-BDA7-E0B075DE28D0}" dt="2023-11-21T14:13:28.545" v="15072" actId="20577"/>
       <pc:docMkLst>
         <pc:docMk/>
       </pc:docMkLst>
       <pc:sldChg chg="addSp delSp modSp mod">
-        <pc:chgData name="Bondarczuk, Norbert (CW)" userId="828710be-d584-49cf-b413-d10447949189" providerId="ADAL" clId="{BA75E305-BCCA-46B8-BDA7-E0B075DE28D0}" dt="2023-11-20T12:13:00.995" v="11088" actId="27636"/>
+        <pc:chgData name="Bondarczuk, Norbert (CW)" userId="828710be-d584-49cf-b413-d10447949189" providerId="ADAL" clId="{BA75E305-BCCA-46B8-BDA7-E0B075DE28D0}" dt="2023-11-21T13:29:26.851" v="13059" actId="20577"/>
         <pc:sldMkLst>
           <pc:docMk/>
           <pc:sldMk cId="3124766000" sldId="304"/>
@@ -199,7 +206,7 @@
           </ac:spMkLst>
         </pc:spChg>
         <pc:spChg chg="add del mod">
-          <ac:chgData name="Bondarczuk, Norbert (CW)" userId="828710be-d584-49cf-b413-d10447949189" providerId="ADAL" clId="{BA75E305-BCCA-46B8-BDA7-E0B075DE28D0}" dt="2023-11-20T12:13:00.995" v="11088" actId="27636"/>
+          <ac:chgData name="Bondarczuk, Norbert (CW)" userId="828710be-d584-49cf-b413-d10447949189" providerId="ADAL" clId="{BA75E305-BCCA-46B8-BDA7-E0B075DE28D0}" dt="2023-11-21T13:29:26.851" v="13059" actId="20577"/>
           <ac:spMkLst>
             <pc:docMk/>
             <pc:sldMk cId="3124766000" sldId="304"/>
@@ -224,13 +231,13 @@
         </pc:picChg>
       </pc:sldChg>
       <pc:sldChg chg="modSp mod">
-        <pc:chgData name="Bondarczuk, Norbert (CW)" userId="828710be-d584-49cf-b413-d10447949189" providerId="ADAL" clId="{BA75E305-BCCA-46B8-BDA7-E0B075DE28D0}" dt="2023-11-20T14:19:15.975" v="12223" actId="20577"/>
+        <pc:chgData name="Bondarczuk, Norbert (CW)" userId="828710be-d584-49cf-b413-d10447949189" providerId="ADAL" clId="{BA75E305-BCCA-46B8-BDA7-E0B075DE28D0}" dt="2023-11-21T13:30:44.029" v="13090" actId="20577"/>
         <pc:sldMkLst>
           <pc:docMk/>
           <pc:sldMk cId="114769864" sldId="306"/>
         </pc:sldMkLst>
         <pc:spChg chg="mod">
-          <ac:chgData name="Bondarczuk, Norbert (CW)" userId="828710be-d584-49cf-b413-d10447949189" providerId="ADAL" clId="{BA75E305-BCCA-46B8-BDA7-E0B075DE28D0}" dt="2023-11-20T14:19:15.975" v="12223" actId="20577"/>
+          <ac:chgData name="Bondarczuk, Norbert (CW)" userId="828710be-d584-49cf-b413-d10447949189" providerId="ADAL" clId="{BA75E305-BCCA-46B8-BDA7-E0B075DE28D0}" dt="2023-11-21T13:30:44.029" v="13090" actId="20577"/>
           <ac:spMkLst>
             <pc:docMk/>
             <pc:sldMk cId="114769864" sldId="306"/>
@@ -239,13 +246,13 @@
         </pc:spChg>
       </pc:sldChg>
       <pc:sldChg chg="modSp mod">
-        <pc:chgData name="Bondarczuk, Norbert (CW)" userId="828710be-d584-49cf-b413-d10447949189" providerId="ADAL" clId="{BA75E305-BCCA-46B8-BDA7-E0B075DE28D0}" dt="2023-11-20T14:15:48.749" v="12150" actId="20577"/>
+        <pc:chgData name="Bondarczuk, Norbert (CW)" userId="828710be-d584-49cf-b413-d10447949189" providerId="ADAL" clId="{BA75E305-BCCA-46B8-BDA7-E0B075DE28D0}" dt="2023-11-21T13:24:46.592" v="12932" actId="20577"/>
         <pc:sldMkLst>
           <pc:docMk/>
           <pc:sldMk cId="1613598062" sldId="307"/>
         </pc:sldMkLst>
         <pc:spChg chg="mod">
-          <ac:chgData name="Bondarczuk, Norbert (CW)" userId="828710be-d584-49cf-b413-d10447949189" providerId="ADAL" clId="{BA75E305-BCCA-46B8-BDA7-E0B075DE28D0}" dt="2023-11-20T14:15:48.749" v="12150" actId="20577"/>
+          <ac:chgData name="Bondarczuk, Norbert (CW)" userId="828710be-d584-49cf-b413-d10447949189" providerId="ADAL" clId="{BA75E305-BCCA-46B8-BDA7-E0B075DE28D0}" dt="2023-11-21T13:24:46.592" v="12932" actId="20577"/>
           <ac:spMkLst>
             <pc:docMk/>
             <pc:sldMk cId="1613598062" sldId="307"/>
@@ -254,13 +261,13 @@
         </pc:spChg>
       </pc:sldChg>
       <pc:sldChg chg="modSp mod">
-        <pc:chgData name="Bondarczuk, Norbert (CW)" userId="828710be-d584-49cf-b413-d10447949189" providerId="ADAL" clId="{BA75E305-BCCA-46B8-BDA7-E0B075DE28D0}" dt="2023-11-20T13:45:19.628" v="11883" actId="20577"/>
+        <pc:chgData name="Bondarczuk, Norbert (CW)" userId="828710be-d584-49cf-b413-d10447949189" providerId="ADAL" clId="{BA75E305-BCCA-46B8-BDA7-E0B075DE28D0}" dt="2023-11-21T13:26:17.770" v="12940" actId="20577"/>
         <pc:sldMkLst>
           <pc:docMk/>
           <pc:sldMk cId="2227882511" sldId="309"/>
         </pc:sldMkLst>
         <pc:spChg chg="mod">
-          <ac:chgData name="Bondarczuk, Norbert (CW)" userId="828710be-d584-49cf-b413-d10447949189" providerId="ADAL" clId="{BA75E305-BCCA-46B8-BDA7-E0B075DE28D0}" dt="2023-11-20T13:45:19.628" v="11883" actId="20577"/>
+          <ac:chgData name="Bondarczuk, Norbert (CW)" userId="828710be-d584-49cf-b413-d10447949189" providerId="ADAL" clId="{BA75E305-BCCA-46B8-BDA7-E0B075DE28D0}" dt="2023-11-21T13:26:17.770" v="12940" actId="20577"/>
           <ac:spMkLst>
             <pc:docMk/>
             <pc:sldMk cId="2227882511" sldId="309"/>
@@ -269,13 +276,13 @@
         </pc:spChg>
       </pc:sldChg>
       <pc:sldChg chg="modSp mod">
-        <pc:chgData name="Bondarczuk, Norbert (CW)" userId="828710be-d584-49cf-b413-d10447949189" providerId="ADAL" clId="{BA75E305-BCCA-46B8-BDA7-E0B075DE28D0}" dt="2023-11-20T14:18:40.951" v="12204" actId="20577"/>
+        <pc:chgData name="Bondarczuk, Norbert (CW)" userId="828710be-d584-49cf-b413-d10447949189" providerId="ADAL" clId="{BA75E305-BCCA-46B8-BDA7-E0B075DE28D0}" dt="2023-11-21T13:30:19.724" v="13070" actId="20577"/>
         <pc:sldMkLst>
           <pc:docMk/>
           <pc:sldMk cId="927313156" sldId="312"/>
         </pc:sldMkLst>
         <pc:spChg chg="mod">
-          <ac:chgData name="Bondarczuk, Norbert (CW)" userId="828710be-d584-49cf-b413-d10447949189" providerId="ADAL" clId="{BA75E305-BCCA-46B8-BDA7-E0B075DE28D0}" dt="2023-11-20T14:18:40.951" v="12204" actId="20577"/>
+          <ac:chgData name="Bondarczuk, Norbert (CW)" userId="828710be-d584-49cf-b413-d10447949189" providerId="ADAL" clId="{BA75E305-BCCA-46B8-BDA7-E0B075DE28D0}" dt="2023-11-21T13:30:19.724" v="13070" actId="20577"/>
           <ac:spMkLst>
             <pc:docMk/>
             <pc:sldMk cId="927313156" sldId="312"/>
@@ -367,13 +374,13 @@
         </pc:spChg>
       </pc:sldChg>
       <pc:sldChg chg="modSp mod ord">
-        <pc:chgData name="Bondarczuk, Norbert (CW)" userId="828710be-d584-49cf-b413-d10447949189" providerId="ADAL" clId="{BA75E305-BCCA-46B8-BDA7-E0B075DE28D0}" dt="2023-11-20T13:49:25.851" v="12128" actId="20577"/>
+        <pc:chgData name="Bondarczuk, Norbert (CW)" userId="828710be-d584-49cf-b413-d10447949189" providerId="ADAL" clId="{BA75E305-BCCA-46B8-BDA7-E0B075DE28D0}" dt="2023-11-21T13:25:45.874" v="12935" actId="20577"/>
         <pc:sldMkLst>
           <pc:docMk/>
           <pc:sldMk cId="3903743599" sldId="318"/>
         </pc:sldMkLst>
         <pc:spChg chg="mod">
-          <ac:chgData name="Bondarczuk, Norbert (CW)" userId="828710be-d584-49cf-b413-d10447949189" providerId="ADAL" clId="{BA75E305-BCCA-46B8-BDA7-E0B075DE28D0}" dt="2023-11-16T16:26:23.059" v="2202" actId="20577"/>
+          <ac:chgData name="Bondarczuk, Norbert (CW)" userId="828710be-d584-49cf-b413-d10447949189" providerId="ADAL" clId="{BA75E305-BCCA-46B8-BDA7-E0B075DE28D0}" dt="2023-11-21T13:25:45.874" v="12935" actId="20577"/>
           <ac:spMkLst>
             <pc:docMk/>
             <pc:sldMk cId="3903743599" sldId="318"/>
@@ -420,13 +427,13 @@
         </pc:spChg>
       </pc:sldChg>
       <pc:sldChg chg="modSp mod">
-        <pc:chgData name="Bondarczuk, Norbert (CW)" userId="828710be-d584-49cf-b413-d10447949189" providerId="ADAL" clId="{BA75E305-BCCA-46B8-BDA7-E0B075DE28D0}" dt="2023-11-20T12:48:35.025" v="11864" actId="20577"/>
+        <pc:chgData name="Bondarczuk, Norbert (CW)" userId="828710be-d584-49cf-b413-d10447949189" providerId="ADAL" clId="{BA75E305-BCCA-46B8-BDA7-E0B075DE28D0}" dt="2023-11-21T14:03:54.671" v="14289" actId="20577"/>
         <pc:sldMkLst>
           <pc:docMk/>
           <pc:sldMk cId="2763174414" sldId="321"/>
         </pc:sldMkLst>
         <pc:spChg chg="mod">
-          <ac:chgData name="Bondarczuk, Norbert (CW)" userId="828710be-d584-49cf-b413-d10447949189" providerId="ADAL" clId="{BA75E305-BCCA-46B8-BDA7-E0B075DE28D0}" dt="2023-11-20T12:48:35.025" v="11864" actId="20577"/>
+          <ac:chgData name="Bondarczuk, Norbert (CW)" userId="828710be-d584-49cf-b413-d10447949189" providerId="ADAL" clId="{BA75E305-BCCA-46B8-BDA7-E0B075DE28D0}" dt="2023-11-21T14:03:54.671" v="14289" actId="20577"/>
           <ac:spMkLst>
             <pc:docMk/>
             <pc:sldMk cId="2763174414" sldId="321"/>
@@ -457,13 +464,13 @@
         </pc:spChg>
       </pc:sldChg>
       <pc:sldChg chg="modSp mod ord">
-        <pc:chgData name="Bondarczuk, Norbert (CW)" userId="828710be-d584-49cf-b413-d10447949189" providerId="ADAL" clId="{BA75E305-BCCA-46B8-BDA7-E0B075DE28D0}" dt="2023-11-20T14:16:43.455" v="12165"/>
+        <pc:chgData name="Bondarczuk, Norbert (CW)" userId="828710be-d584-49cf-b413-d10447949189" providerId="ADAL" clId="{BA75E305-BCCA-46B8-BDA7-E0B075DE28D0}" dt="2023-11-21T14:05:53.154" v="14378" actId="20577"/>
         <pc:sldMkLst>
           <pc:docMk/>
           <pc:sldMk cId="2533359908" sldId="324"/>
         </pc:sldMkLst>
         <pc:spChg chg="mod">
-          <ac:chgData name="Bondarczuk, Norbert (CW)" userId="828710be-d584-49cf-b413-d10447949189" providerId="ADAL" clId="{BA75E305-BCCA-46B8-BDA7-E0B075DE28D0}" dt="2023-11-20T13:50:43.839" v="12133" actId="6549"/>
+          <ac:chgData name="Bondarczuk, Norbert (CW)" userId="828710be-d584-49cf-b413-d10447949189" providerId="ADAL" clId="{BA75E305-BCCA-46B8-BDA7-E0B075DE28D0}" dt="2023-11-21T14:05:53.154" v="14378" actId="20577"/>
           <ac:spMkLst>
             <pc:docMk/>
             <pc:sldMk cId="2533359908" sldId="324"/>
@@ -477,6 +484,21 @@
           <pc:docMk/>
           <pc:sldMk cId="4164074336" sldId="325"/>
         </pc:sldMkLst>
+      </pc:sldChg>
+      <pc:sldChg chg="modSp mod">
+        <pc:chgData name="Bondarczuk, Norbert (CW)" userId="828710be-d584-49cf-b413-d10447949189" providerId="ADAL" clId="{BA75E305-BCCA-46B8-BDA7-E0B075DE28D0}" dt="2023-11-21T14:03:06.298" v="14278" actId="20577"/>
+        <pc:sldMkLst>
+          <pc:docMk/>
+          <pc:sldMk cId="2748183101" sldId="326"/>
+        </pc:sldMkLst>
+        <pc:spChg chg="mod">
+          <ac:chgData name="Bondarczuk, Norbert (CW)" userId="828710be-d584-49cf-b413-d10447949189" providerId="ADAL" clId="{BA75E305-BCCA-46B8-BDA7-E0B075DE28D0}" dt="2023-11-21T14:03:06.298" v="14278" actId="20577"/>
+          <ac:spMkLst>
+            <pc:docMk/>
+            <pc:sldMk cId="2748183101" sldId="326"/>
+            <ac:spMk id="3" creationId="{05408798-0DB3-46BF-880E-7BB904D700F6}"/>
+          </ac:spMkLst>
+        </pc:spChg>
       </pc:sldChg>
       <pc:sldChg chg="modSp mod">
         <pc:chgData name="Bondarczuk, Norbert (CW)" userId="828710be-d584-49cf-b413-d10447949189" providerId="ADAL" clId="{BA75E305-BCCA-46B8-BDA7-E0B075DE28D0}" dt="2023-11-20T10:26:00.401" v="9421" actId="20577"/>
@@ -509,13 +531,13 @@
         </pc:spChg>
       </pc:sldChg>
       <pc:sldChg chg="modSp mod">
-        <pc:chgData name="Bondarczuk, Norbert (CW)" userId="828710be-d584-49cf-b413-d10447949189" providerId="ADAL" clId="{BA75E305-BCCA-46B8-BDA7-E0B075DE28D0}" dt="2023-11-20T11:29:53.661" v="10880" actId="313"/>
+        <pc:chgData name="Bondarczuk, Norbert (CW)" userId="828710be-d584-49cf-b413-d10447949189" providerId="ADAL" clId="{BA75E305-BCCA-46B8-BDA7-E0B075DE28D0}" dt="2023-11-21T13:48:30.339" v="13659" actId="20577"/>
         <pc:sldMkLst>
           <pc:docMk/>
           <pc:sldMk cId="276975892" sldId="329"/>
         </pc:sldMkLst>
         <pc:spChg chg="mod">
-          <ac:chgData name="Bondarczuk, Norbert (CW)" userId="828710be-d584-49cf-b413-d10447949189" providerId="ADAL" clId="{BA75E305-BCCA-46B8-BDA7-E0B075DE28D0}" dt="2023-11-20T11:06:55.598" v="10456" actId="20577"/>
+          <ac:chgData name="Bondarczuk, Norbert (CW)" userId="828710be-d584-49cf-b413-d10447949189" providerId="ADAL" clId="{BA75E305-BCCA-46B8-BDA7-E0B075DE28D0}" dt="2023-11-21T13:46:45.229" v="13471" actId="20577"/>
           <ac:spMkLst>
             <pc:docMk/>
             <pc:sldMk cId="276975892" sldId="329"/>
@@ -523,7 +545,7 @@
           </ac:spMkLst>
         </pc:spChg>
         <pc:spChg chg="mod">
-          <ac:chgData name="Bondarczuk, Norbert (CW)" userId="828710be-d584-49cf-b413-d10447949189" providerId="ADAL" clId="{BA75E305-BCCA-46B8-BDA7-E0B075DE28D0}" dt="2023-11-20T11:29:53.661" v="10880" actId="313"/>
+          <ac:chgData name="Bondarczuk, Norbert (CW)" userId="828710be-d584-49cf-b413-d10447949189" providerId="ADAL" clId="{BA75E305-BCCA-46B8-BDA7-E0B075DE28D0}" dt="2023-11-21T13:48:30.339" v="13659" actId="20577"/>
           <ac:spMkLst>
             <pc:docMk/>
             <pc:sldMk cId="276975892" sldId="329"/>
@@ -591,7 +613,7 @@
         </pc:spChg>
       </pc:sldChg>
       <pc:sldChg chg="addSp delSp modSp mod">
-        <pc:chgData name="Bondarczuk, Norbert (CW)" userId="828710be-d584-49cf-b413-d10447949189" providerId="ADAL" clId="{BA75E305-BCCA-46B8-BDA7-E0B075DE28D0}" dt="2023-11-20T14:14:56.950" v="12146" actId="1076"/>
+        <pc:chgData name="Bondarczuk, Norbert (CW)" userId="828710be-d584-49cf-b413-d10447949189" providerId="ADAL" clId="{BA75E305-BCCA-46B8-BDA7-E0B075DE28D0}" dt="2023-11-21T13:16:15.072" v="12702" actId="1076"/>
         <pc:sldMkLst>
           <pc:docMk/>
           <pc:sldMk cId="906944782" sldId="335"/>
@@ -605,7 +627,7 @@
           </ac:spMkLst>
         </pc:spChg>
         <pc:spChg chg="mod">
-          <ac:chgData name="Bondarczuk, Norbert (CW)" userId="828710be-d584-49cf-b413-d10447949189" providerId="ADAL" clId="{BA75E305-BCCA-46B8-BDA7-E0B075DE28D0}" dt="2023-11-20T12:27:17.290" v="11623" actId="20577"/>
+          <ac:chgData name="Bondarczuk, Norbert (CW)" userId="828710be-d584-49cf-b413-d10447949189" providerId="ADAL" clId="{BA75E305-BCCA-46B8-BDA7-E0B075DE28D0}" dt="2023-11-21T13:16:13.737" v="12701" actId="14100"/>
           <ac:spMkLst>
             <pc:docMk/>
             <pc:sldMk cId="906944782" sldId="335"/>
@@ -621,7 +643,7 @@
           </ac:picMkLst>
         </pc:picChg>
         <pc:picChg chg="add mod">
-          <ac:chgData name="Bondarczuk, Norbert (CW)" userId="828710be-d584-49cf-b413-d10447949189" providerId="ADAL" clId="{BA75E305-BCCA-46B8-BDA7-E0B075DE28D0}" dt="2023-11-20T14:14:56.950" v="12146" actId="1076"/>
+          <ac:chgData name="Bondarczuk, Norbert (CW)" userId="828710be-d584-49cf-b413-d10447949189" providerId="ADAL" clId="{BA75E305-BCCA-46B8-BDA7-E0B075DE28D0}" dt="2023-11-21T13:16:15.072" v="12702" actId="1076"/>
           <ac:picMkLst>
             <pc:docMk/>
             <pc:sldMk cId="906944782" sldId="335"/>
@@ -630,7 +652,7 @@
         </pc:picChg>
       </pc:sldChg>
       <pc:sldChg chg="addSp modSp mod">
-        <pc:chgData name="Bondarczuk, Norbert (CW)" userId="828710be-d584-49cf-b413-d10447949189" providerId="ADAL" clId="{BA75E305-BCCA-46B8-BDA7-E0B075DE28D0}" dt="2023-11-20T14:14:38.173" v="12145" actId="1076"/>
+        <pc:chgData name="Bondarczuk, Norbert (CW)" userId="828710be-d584-49cf-b413-d10447949189" providerId="ADAL" clId="{BA75E305-BCCA-46B8-BDA7-E0B075DE28D0}" dt="2023-11-21T13:16:07.415" v="12700" actId="1076"/>
         <pc:sldMkLst>
           <pc:docMk/>
           <pc:sldMk cId="2597853229" sldId="336"/>
@@ -644,7 +666,7 @@
           </ac:spMkLst>
         </pc:spChg>
         <pc:spChg chg="mod">
-          <ac:chgData name="Bondarczuk, Norbert (CW)" userId="828710be-d584-49cf-b413-d10447949189" providerId="ADAL" clId="{BA75E305-BCCA-46B8-BDA7-E0B075DE28D0}" dt="2023-11-20T12:27:26.237" v="11626"/>
+          <ac:chgData name="Bondarczuk, Norbert (CW)" userId="828710be-d584-49cf-b413-d10447949189" providerId="ADAL" clId="{BA75E305-BCCA-46B8-BDA7-E0B075DE28D0}" dt="2023-11-21T13:16:05.272" v="12699" actId="14100"/>
           <ac:spMkLst>
             <pc:docMk/>
             <pc:sldMk cId="2597853229" sldId="336"/>
@@ -652,7 +674,7 @@
           </ac:spMkLst>
         </pc:spChg>
         <pc:picChg chg="add mod">
-          <ac:chgData name="Bondarczuk, Norbert (CW)" userId="828710be-d584-49cf-b413-d10447949189" providerId="ADAL" clId="{BA75E305-BCCA-46B8-BDA7-E0B075DE28D0}" dt="2023-11-20T14:14:38.173" v="12145" actId="1076"/>
+          <ac:chgData name="Bondarczuk, Norbert (CW)" userId="828710be-d584-49cf-b413-d10447949189" providerId="ADAL" clId="{BA75E305-BCCA-46B8-BDA7-E0B075DE28D0}" dt="2023-11-21T13:16:07.415" v="12700" actId="1076"/>
           <ac:picMkLst>
             <pc:docMk/>
             <pc:sldMk cId="2597853229" sldId="336"/>
@@ -661,7 +683,7 @@
         </pc:picChg>
       </pc:sldChg>
       <pc:sldChg chg="modSp mod">
-        <pc:chgData name="Bondarczuk, Norbert (CW)" userId="828710be-d584-49cf-b413-d10447949189" providerId="ADAL" clId="{BA75E305-BCCA-46B8-BDA7-E0B075DE28D0}" dt="2023-11-20T12:50:28.856" v="11866" actId="20577"/>
+        <pc:chgData name="Bondarczuk, Norbert (CW)" userId="828710be-d584-49cf-b413-d10447949189" providerId="ADAL" clId="{BA75E305-BCCA-46B8-BDA7-E0B075DE28D0}" dt="2023-11-21T13:24:17.475" v="12907" actId="20577"/>
         <pc:sldMkLst>
           <pc:docMk/>
           <pc:sldMk cId="532013138" sldId="337"/>
@@ -675,7 +697,7 @@
           </ac:spMkLst>
         </pc:spChg>
         <pc:spChg chg="mod">
-          <ac:chgData name="Bondarczuk, Norbert (CW)" userId="828710be-d584-49cf-b413-d10447949189" providerId="ADAL" clId="{BA75E305-BCCA-46B8-BDA7-E0B075DE28D0}" dt="2023-11-20T12:50:28.856" v="11866" actId="20577"/>
+          <ac:chgData name="Bondarczuk, Norbert (CW)" userId="828710be-d584-49cf-b413-d10447949189" providerId="ADAL" clId="{BA75E305-BCCA-46B8-BDA7-E0B075DE28D0}" dt="2023-11-21T13:24:17.475" v="12907" actId="20577"/>
           <ac:spMkLst>
             <pc:docMk/>
             <pc:sldMk cId="532013138" sldId="337"/>
@@ -684,13 +706,13 @@
         </pc:spChg>
       </pc:sldChg>
       <pc:sldChg chg="modSp mod">
-        <pc:chgData name="Bondarczuk, Norbert (CW)" userId="828710be-d584-49cf-b413-d10447949189" providerId="ADAL" clId="{BA75E305-BCCA-46B8-BDA7-E0B075DE28D0}" dt="2023-11-20T12:29:11.086" v="11735" actId="20577"/>
+        <pc:chgData name="Bondarczuk, Norbert (CW)" userId="828710be-d584-49cf-b413-d10447949189" providerId="ADAL" clId="{BA75E305-BCCA-46B8-BDA7-E0B075DE28D0}" dt="2023-11-21T14:00:21.899" v="14227" actId="20577"/>
         <pc:sldMkLst>
           <pc:docMk/>
           <pc:sldMk cId="3103700676" sldId="338"/>
         </pc:sldMkLst>
         <pc:spChg chg="mod">
-          <ac:chgData name="Bondarczuk, Norbert (CW)" userId="828710be-d584-49cf-b413-d10447949189" providerId="ADAL" clId="{BA75E305-BCCA-46B8-BDA7-E0B075DE28D0}" dt="2023-11-20T12:29:11.086" v="11735" actId="20577"/>
+          <ac:chgData name="Bondarczuk, Norbert (CW)" userId="828710be-d584-49cf-b413-d10447949189" providerId="ADAL" clId="{BA75E305-BCCA-46B8-BDA7-E0B075DE28D0}" dt="2023-11-21T14:00:21.899" v="14227" actId="20577"/>
           <ac:spMkLst>
             <pc:docMk/>
             <pc:sldMk cId="3103700676" sldId="338"/>
@@ -699,7 +721,7 @@
         </pc:spChg>
       </pc:sldChg>
       <pc:sldChg chg="addSp delSp modSp mod ord">
-        <pc:chgData name="Bondarczuk, Norbert (CW)" userId="828710be-d584-49cf-b413-d10447949189" providerId="ADAL" clId="{BA75E305-BCCA-46B8-BDA7-E0B075DE28D0}" dt="2023-11-20T14:16:55.527" v="12167"/>
+        <pc:chgData name="Bondarczuk, Norbert (CW)" userId="828710be-d584-49cf-b413-d10447949189" providerId="ADAL" clId="{BA75E305-BCCA-46B8-BDA7-E0B075DE28D0}" dt="2023-11-21T13:19:26.161" v="12725" actId="1076"/>
         <pc:sldMkLst>
           <pc:docMk/>
           <pc:sldMk cId="238345219" sldId="339"/>
@@ -710,6 +732,14 @@
             <pc:docMk/>
             <pc:sldMk cId="238345219" sldId="339"/>
             <ac:spMk id="2" creationId="{CFACDA59-55A0-4EA5-B3E4-646D1D3B4CEB}"/>
+          </ac:spMkLst>
+        </pc:spChg>
+        <pc:spChg chg="add del">
+          <ac:chgData name="Bondarczuk, Norbert (CW)" userId="828710be-d584-49cf-b413-d10447949189" providerId="ADAL" clId="{BA75E305-BCCA-46B8-BDA7-E0B075DE28D0}" dt="2023-11-21T13:17:07.321" v="12704" actId="478"/>
+          <ac:spMkLst>
+            <pc:docMk/>
+            <pc:sldMk cId="238345219" sldId="339"/>
+            <ac:spMk id="4" creationId="{876BB160-D1B7-FDA0-24B1-0F56DFAA1F01}"/>
           </ac:spMkLst>
         </pc:spChg>
         <pc:spChg chg="add del mod">
@@ -729,7 +759,7 @@
           </ac:spMkLst>
         </pc:spChg>
         <pc:spChg chg="add mod">
-          <ac:chgData name="Bondarczuk, Norbert (CW)" userId="828710be-d584-49cf-b413-d10447949189" providerId="ADAL" clId="{BA75E305-BCCA-46B8-BDA7-E0B075DE28D0}" dt="2023-11-20T12:08:13.388" v="11061"/>
+          <ac:chgData name="Bondarczuk, Norbert (CW)" userId="828710be-d584-49cf-b413-d10447949189" providerId="ADAL" clId="{BA75E305-BCCA-46B8-BDA7-E0B075DE28D0}" dt="2023-11-21T13:19:26.161" v="12725" actId="1076"/>
           <ac:spMkLst>
             <pc:docMk/>
             <pc:sldMk cId="238345219" sldId="339"/>
@@ -813,13 +843,13 @@
         </pc:sldMkLst>
       </pc:sldChg>
       <pc:sldChg chg="modSp add mod ord">
-        <pc:chgData name="Bondarczuk, Norbert (CW)" userId="828710be-d584-49cf-b413-d10447949189" providerId="ADAL" clId="{BA75E305-BCCA-46B8-BDA7-E0B075DE28D0}" dt="2023-11-17T11:56:05.673" v="7044" actId="20577"/>
+        <pc:chgData name="Bondarczuk, Norbert (CW)" userId="828710be-d584-49cf-b413-d10447949189" providerId="ADAL" clId="{BA75E305-BCCA-46B8-BDA7-E0B075DE28D0}" dt="2023-11-21T14:02:35.092" v="14234" actId="20577"/>
         <pc:sldMkLst>
           <pc:docMk/>
           <pc:sldMk cId="3184894582" sldId="345"/>
         </pc:sldMkLst>
         <pc:spChg chg="mod">
-          <ac:chgData name="Bondarczuk, Norbert (CW)" userId="828710be-d584-49cf-b413-d10447949189" providerId="ADAL" clId="{BA75E305-BCCA-46B8-BDA7-E0B075DE28D0}" dt="2023-11-17T11:56:05.673" v="7044" actId="20577"/>
+          <ac:chgData name="Bondarczuk, Norbert (CW)" userId="828710be-d584-49cf-b413-d10447949189" providerId="ADAL" clId="{BA75E305-BCCA-46B8-BDA7-E0B075DE28D0}" dt="2023-11-21T14:02:35.092" v="14234" actId="20577"/>
           <ac:spMkLst>
             <pc:docMk/>
             <pc:sldMk cId="3184894582" sldId="345"/>
@@ -929,21 +959,29 @@
         </pc:spChg>
       </pc:sldChg>
       <pc:sldChg chg="addSp delSp modSp add mod">
-        <pc:chgData name="Bondarczuk, Norbert (CW)" userId="828710be-d584-49cf-b413-d10447949189" providerId="ADAL" clId="{BA75E305-BCCA-46B8-BDA7-E0B075DE28D0}" dt="2023-11-20T12:31:47.819" v="11798" actId="20577"/>
+        <pc:chgData name="Bondarczuk, Norbert (CW)" userId="828710be-d584-49cf-b413-d10447949189" providerId="ADAL" clId="{BA75E305-BCCA-46B8-BDA7-E0B075DE28D0}" dt="2023-11-21T14:03:45.188" v="14284" actId="20577"/>
         <pc:sldMkLst>
           <pc:docMk/>
           <pc:sldMk cId="3000920202" sldId="349"/>
         </pc:sldMkLst>
         <pc:spChg chg="mod">
-          <ac:chgData name="Bondarczuk, Norbert (CW)" userId="828710be-d584-49cf-b413-d10447949189" providerId="ADAL" clId="{BA75E305-BCCA-46B8-BDA7-E0B075DE28D0}" dt="2023-11-20T12:31:47.819" v="11798" actId="20577"/>
+          <ac:chgData name="Bondarczuk, Norbert (CW)" userId="828710be-d584-49cf-b413-d10447949189" providerId="ADAL" clId="{BA75E305-BCCA-46B8-BDA7-E0B075DE28D0}" dt="2023-11-21T14:03:45.188" v="14284" actId="20577"/>
           <ac:spMkLst>
             <pc:docMk/>
             <pc:sldMk cId="3000920202" sldId="349"/>
             <ac:spMk id="2" creationId="{CFACDA59-55A0-4EA5-B3E4-646D1D3B4CEB}"/>
           </ac:spMkLst>
         </pc:spChg>
+        <pc:spChg chg="add del">
+          <ac:chgData name="Bondarczuk, Norbert (CW)" userId="828710be-d584-49cf-b413-d10447949189" providerId="ADAL" clId="{BA75E305-BCCA-46B8-BDA7-E0B075DE28D0}" dt="2023-11-21T13:42:19.246" v="13093" actId="478"/>
+          <ac:spMkLst>
+            <pc:docMk/>
+            <pc:sldMk cId="3000920202" sldId="349"/>
+            <ac:spMk id="4" creationId="{E492D251-C1A0-3162-E9C0-E668C0CFFBDF}"/>
+          </ac:spMkLst>
+        </pc:spChg>
         <pc:spChg chg="mod">
-          <ac:chgData name="Bondarczuk, Norbert (CW)" userId="828710be-d584-49cf-b413-d10447949189" providerId="ADAL" clId="{BA75E305-BCCA-46B8-BDA7-E0B075DE28D0}" dt="2023-11-20T11:35:50.162" v="11002"/>
+          <ac:chgData name="Bondarczuk, Norbert (CW)" userId="828710be-d584-49cf-b413-d10447949189" providerId="ADAL" clId="{BA75E305-BCCA-46B8-BDA7-E0B075DE28D0}" dt="2023-11-21T13:18:20.840" v="12714" actId="27636"/>
           <ac:spMkLst>
             <pc:docMk/>
             <pc:sldMk cId="3000920202" sldId="349"/>
@@ -966,6 +1004,199 @@
             <ac:picMk id="6" creationId="{ED003131-1D24-5393-AD47-8A71C62D3AD8}"/>
           </ac:picMkLst>
         </pc:picChg>
+      </pc:sldChg>
+      <pc:sldChg chg="addSp modSp new mod">
+        <pc:chgData name="Bondarczuk, Norbert (CW)" userId="828710be-d584-49cf-b413-d10447949189" providerId="ADAL" clId="{BA75E305-BCCA-46B8-BDA7-E0B075DE28D0}" dt="2023-11-21T13:15:50.530" v="12698" actId="20577"/>
+        <pc:sldMkLst>
+          <pc:docMk/>
+          <pc:sldMk cId="2472676362" sldId="350"/>
+        </pc:sldMkLst>
+        <pc:spChg chg="mod">
+          <ac:chgData name="Bondarczuk, Norbert (CW)" userId="828710be-d584-49cf-b413-d10447949189" providerId="ADAL" clId="{BA75E305-BCCA-46B8-BDA7-E0B075DE28D0}" dt="2023-11-21T13:15:50.530" v="12698" actId="20577"/>
+          <ac:spMkLst>
+            <pc:docMk/>
+            <pc:sldMk cId="2472676362" sldId="350"/>
+            <ac:spMk id="2" creationId="{0B887C47-49A0-405F-DB67-4D5263165BAB}"/>
+          </ac:spMkLst>
+        </pc:spChg>
+        <pc:spChg chg="mod">
+          <ac:chgData name="Bondarczuk, Norbert (CW)" userId="828710be-d584-49cf-b413-d10447949189" providerId="ADAL" clId="{BA75E305-BCCA-46B8-BDA7-E0B075DE28D0}" dt="2023-11-21T13:15:17.249" v="12676" actId="6549"/>
+          <ac:spMkLst>
+            <pc:docMk/>
+            <pc:sldMk cId="2472676362" sldId="350"/>
+            <ac:spMk id="3" creationId="{ED64E0CF-05FA-9F7D-A768-2838EC9E023F}"/>
+          </ac:spMkLst>
+        </pc:spChg>
+        <pc:picChg chg="add mod">
+          <ac:chgData name="Bondarczuk, Norbert (CW)" userId="828710be-d584-49cf-b413-d10447949189" providerId="ADAL" clId="{BA75E305-BCCA-46B8-BDA7-E0B075DE28D0}" dt="2023-11-21T13:13:00.706" v="12443" actId="1076"/>
+          <ac:picMkLst>
+            <pc:docMk/>
+            <pc:sldMk cId="2472676362" sldId="350"/>
+            <ac:picMk id="6" creationId="{767A09CE-6EE7-65B3-4BD7-C9A209EA459E}"/>
+          </ac:picMkLst>
+        </pc:picChg>
+      </pc:sldChg>
+      <pc:sldChg chg="modSp add mod">
+        <pc:chgData name="Bondarczuk, Norbert (CW)" userId="828710be-d584-49cf-b413-d10447949189" providerId="ADAL" clId="{BA75E305-BCCA-46B8-BDA7-E0B075DE28D0}" dt="2023-11-21T13:20:30.487" v="12773" actId="20577"/>
+        <pc:sldMkLst>
+          <pc:docMk/>
+          <pc:sldMk cId="297969227" sldId="351"/>
+        </pc:sldMkLst>
+        <pc:spChg chg="mod">
+          <ac:chgData name="Bondarczuk, Norbert (CW)" userId="828710be-d584-49cf-b413-d10447949189" providerId="ADAL" clId="{BA75E305-BCCA-46B8-BDA7-E0B075DE28D0}" dt="2023-11-21T13:20:18.189" v="12754" actId="20577"/>
+          <ac:spMkLst>
+            <pc:docMk/>
+            <pc:sldMk cId="297969227" sldId="351"/>
+            <ac:spMk id="2" creationId="{C5F2FB0B-15EC-453B-BC9B-69AD35DDCEA3}"/>
+          </ac:spMkLst>
+        </pc:spChg>
+        <pc:spChg chg="mod">
+          <ac:chgData name="Bondarczuk, Norbert (CW)" userId="828710be-d584-49cf-b413-d10447949189" providerId="ADAL" clId="{BA75E305-BCCA-46B8-BDA7-E0B075DE28D0}" dt="2023-11-21T13:20:30.487" v="12773" actId="20577"/>
+          <ac:spMkLst>
+            <pc:docMk/>
+            <pc:sldMk cId="297969227" sldId="351"/>
+            <ac:spMk id="3" creationId="{05408798-0DB3-46BF-880E-7BB904D700F6}"/>
+          </ac:spMkLst>
+        </pc:spChg>
+      </pc:sldChg>
+      <pc:sldChg chg="addSp delSp modSp add mod">
+        <pc:chgData name="Bondarczuk, Norbert (CW)" userId="828710be-d584-49cf-b413-d10447949189" providerId="ADAL" clId="{BA75E305-BCCA-46B8-BDA7-E0B075DE28D0}" dt="2023-11-21T14:12:30.751" v="15065" actId="20577"/>
+        <pc:sldMkLst>
+          <pc:docMk/>
+          <pc:sldMk cId="3269644050" sldId="352"/>
+        </pc:sldMkLst>
+        <pc:spChg chg="mod">
+          <ac:chgData name="Bondarczuk, Norbert (CW)" userId="828710be-d584-49cf-b413-d10447949189" providerId="ADAL" clId="{BA75E305-BCCA-46B8-BDA7-E0B075DE28D0}" dt="2023-11-21T13:22:28.601" v="12812" actId="20577"/>
+          <ac:spMkLst>
+            <pc:docMk/>
+            <pc:sldMk cId="3269644050" sldId="352"/>
+            <ac:spMk id="2" creationId="{CFACDA59-55A0-4EA5-B3E4-646D1D3B4CEB}"/>
+          </ac:spMkLst>
+        </pc:spChg>
+        <pc:spChg chg="add mod">
+          <ac:chgData name="Bondarczuk, Norbert (CW)" userId="828710be-d584-49cf-b413-d10447949189" providerId="ADAL" clId="{BA75E305-BCCA-46B8-BDA7-E0B075DE28D0}" dt="2023-11-21T14:12:30.751" v="15065" actId="20577"/>
+          <ac:spMkLst>
+            <pc:docMk/>
+            <pc:sldMk cId="3269644050" sldId="352"/>
+            <ac:spMk id="7" creationId="{991AB68B-38B0-3134-EC86-278418DF2FEA}"/>
+          </ac:spMkLst>
+        </pc:spChg>
+        <pc:spChg chg="del mod">
+          <ac:chgData name="Bondarczuk, Norbert (CW)" userId="828710be-d584-49cf-b413-d10447949189" providerId="ADAL" clId="{BA75E305-BCCA-46B8-BDA7-E0B075DE28D0}" dt="2023-11-21T13:22:07.229" v="12778" actId="22"/>
+          <ac:spMkLst>
+            <pc:docMk/>
+            <pc:sldMk cId="3269644050" sldId="352"/>
+            <ac:spMk id="15" creationId="{0DE4AC6A-3FAF-881B-86DE-A0BFC3B4250F}"/>
+          </ac:spMkLst>
+        </pc:spChg>
+        <pc:picChg chg="add mod ord">
+          <ac:chgData name="Bondarczuk, Norbert (CW)" userId="828710be-d584-49cf-b413-d10447949189" providerId="ADAL" clId="{BA75E305-BCCA-46B8-BDA7-E0B075DE28D0}" dt="2023-11-21T13:22:13.177" v="12780" actId="1076"/>
+          <ac:picMkLst>
+            <pc:docMk/>
+            <pc:sldMk cId="3269644050" sldId="352"/>
+            <ac:picMk id="4" creationId="{06279856-F563-11A1-1C63-ECEE4270C436}"/>
+          </ac:picMkLst>
+        </pc:picChg>
+        <pc:picChg chg="add del">
+          <ac:chgData name="Bondarczuk, Norbert (CW)" userId="828710be-d584-49cf-b413-d10447949189" providerId="ADAL" clId="{BA75E305-BCCA-46B8-BDA7-E0B075DE28D0}" dt="2023-11-21T13:22:45.464" v="12814" actId="21"/>
+          <ac:picMkLst>
+            <pc:docMk/>
+            <pc:sldMk cId="3269644050" sldId="352"/>
+            <ac:picMk id="6" creationId="{577A994B-8C40-F741-EB15-D47D1EDA4254}"/>
+          </ac:picMkLst>
+        </pc:picChg>
+      </pc:sldChg>
+      <pc:sldChg chg="modSp add mod">
+        <pc:chgData name="Bondarczuk, Norbert (CW)" userId="828710be-d584-49cf-b413-d10447949189" providerId="ADAL" clId="{BA75E305-BCCA-46B8-BDA7-E0B075DE28D0}" dt="2023-11-21T14:13:28.545" v="15072" actId="20577"/>
+        <pc:sldMkLst>
+          <pc:docMk/>
+          <pc:sldMk cId="3384533040" sldId="353"/>
+        </pc:sldMkLst>
+        <pc:spChg chg="mod">
+          <ac:chgData name="Bondarczuk, Norbert (CW)" userId="828710be-d584-49cf-b413-d10447949189" providerId="ADAL" clId="{BA75E305-BCCA-46B8-BDA7-E0B075DE28D0}" dt="2023-11-21T14:13:28.545" v="15072" actId="20577"/>
+          <ac:spMkLst>
+            <pc:docMk/>
+            <pc:sldMk cId="3384533040" sldId="353"/>
+            <ac:spMk id="2" creationId="{CFACDA59-55A0-4EA5-B3E4-646D1D3B4CEB}"/>
+          </ac:spMkLst>
+        </pc:spChg>
+        <pc:spChg chg="mod">
+          <ac:chgData name="Bondarczuk, Norbert (CW)" userId="828710be-d584-49cf-b413-d10447949189" providerId="ADAL" clId="{BA75E305-BCCA-46B8-BDA7-E0B075DE28D0}" dt="2023-11-21T13:28:16.813" v="12981"/>
+          <ac:spMkLst>
+            <pc:docMk/>
+            <pc:sldMk cId="3384533040" sldId="353"/>
+            <ac:spMk id="15" creationId="{0DE4AC6A-3FAF-881B-86DE-A0BFC3B4250F}"/>
+          </ac:spMkLst>
+        </pc:spChg>
+      </pc:sldChg>
+      <pc:sldChg chg="modSp new mod">
+        <pc:chgData name="Bondarczuk, Norbert (CW)" userId="828710be-d584-49cf-b413-d10447949189" providerId="ADAL" clId="{BA75E305-BCCA-46B8-BDA7-E0B075DE28D0}" dt="2023-11-21T13:52:48.732" v="13812" actId="20577"/>
+        <pc:sldMkLst>
+          <pc:docMk/>
+          <pc:sldMk cId="3817225786" sldId="354"/>
+        </pc:sldMkLst>
+        <pc:spChg chg="mod">
+          <ac:chgData name="Bondarczuk, Norbert (CW)" userId="828710be-d584-49cf-b413-d10447949189" providerId="ADAL" clId="{BA75E305-BCCA-46B8-BDA7-E0B075DE28D0}" dt="2023-11-21T13:42:32.735" v="13102" actId="20577"/>
+          <ac:spMkLst>
+            <pc:docMk/>
+            <pc:sldMk cId="3817225786" sldId="354"/>
+            <ac:spMk id="2" creationId="{74E704F5-719D-83A1-D627-AEA7B170D481}"/>
+          </ac:spMkLst>
+        </pc:spChg>
+        <pc:spChg chg="mod">
+          <ac:chgData name="Bondarczuk, Norbert (CW)" userId="828710be-d584-49cf-b413-d10447949189" providerId="ADAL" clId="{BA75E305-BCCA-46B8-BDA7-E0B075DE28D0}" dt="2023-11-21T13:52:48.732" v="13812" actId="20577"/>
+          <ac:spMkLst>
+            <pc:docMk/>
+            <pc:sldMk cId="3817225786" sldId="354"/>
+            <ac:spMk id="3" creationId="{7CF77C9C-57A8-61CB-F1EF-9F147826BF50}"/>
+          </ac:spMkLst>
+        </pc:spChg>
+      </pc:sldChg>
+      <pc:sldChg chg="modSp new mod">
+        <pc:chgData name="Bondarczuk, Norbert (CW)" userId="828710be-d584-49cf-b413-d10447949189" providerId="ADAL" clId="{BA75E305-BCCA-46B8-BDA7-E0B075DE28D0}" dt="2023-11-21T13:57:03.612" v="14188" actId="20577"/>
+        <pc:sldMkLst>
+          <pc:docMk/>
+          <pc:sldMk cId="1022274554" sldId="355"/>
+        </pc:sldMkLst>
+        <pc:spChg chg="mod">
+          <ac:chgData name="Bondarczuk, Norbert (CW)" userId="828710be-d584-49cf-b413-d10447949189" providerId="ADAL" clId="{BA75E305-BCCA-46B8-BDA7-E0B075DE28D0}" dt="2023-11-21T13:52:38.295" v="13811" actId="20577"/>
+          <ac:spMkLst>
+            <pc:docMk/>
+            <pc:sldMk cId="1022274554" sldId="355"/>
+            <ac:spMk id="2" creationId="{714B17A2-2AEA-51B0-8B3B-190C2FE5040B}"/>
+          </ac:spMkLst>
+        </pc:spChg>
+        <pc:spChg chg="mod">
+          <ac:chgData name="Bondarczuk, Norbert (CW)" userId="828710be-d584-49cf-b413-d10447949189" providerId="ADAL" clId="{BA75E305-BCCA-46B8-BDA7-E0B075DE28D0}" dt="2023-11-21T13:57:03.612" v="14188" actId="20577"/>
+          <ac:spMkLst>
+            <pc:docMk/>
+            <pc:sldMk cId="1022274554" sldId="355"/>
+            <ac:spMk id="3" creationId="{7D1644D8-5EBA-5393-4FAC-F2B54D0E3612}"/>
+          </ac:spMkLst>
+        </pc:spChg>
+      </pc:sldChg>
+      <pc:sldChg chg="modSp new mod ord">
+        <pc:chgData name="Bondarczuk, Norbert (CW)" userId="828710be-d584-49cf-b413-d10447949189" providerId="ADAL" clId="{BA75E305-BCCA-46B8-BDA7-E0B075DE28D0}" dt="2023-11-21T14:11:15.204" v="15049" actId="20577"/>
+        <pc:sldMkLst>
+          <pc:docMk/>
+          <pc:sldMk cId="2216711703" sldId="356"/>
+        </pc:sldMkLst>
+        <pc:spChg chg="mod">
+          <ac:chgData name="Bondarczuk, Norbert (CW)" userId="828710be-d584-49cf-b413-d10447949189" providerId="ADAL" clId="{BA75E305-BCCA-46B8-BDA7-E0B075DE28D0}" dt="2023-11-21T14:05:36.725" v="14338" actId="20577"/>
+          <ac:spMkLst>
+            <pc:docMk/>
+            <pc:sldMk cId="2216711703" sldId="356"/>
+            <ac:spMk id="2" creationId="{01680E01-8B67-04EC-14E6-D825C3501335}"/>
+          </ac:spMkLst>
+        </pc:spChg>
+        <pc:spChg chg="mod">
+          <ac:chgData name="Bondarczuk, Norbert (CW)" userId="828710be-d584-49cf-b413-d10447949189" providerId="ADAL" clId="{BA75E305-BCCA-46B8-BDA7-E0B075DE28D0}" dt="2023-11-21T14:11:15.204" v="15049" actId="20577"/>
+          <ac:spMkLst>
+            <pc:docMk/>
+            <pc:sldMk cId="2216711703" sldId="356"/>
+            <ac:spMk id="3" creationId="{6D17A8E3-BFB1-D8AD-F761-CDF88B1ED6A7}"/>
+          </ac:spMkLst>
+        </pc:spChg>
       </pc:sldChg>
     </pc:docChg>
   </pc:docChgLst>
@@ -1054,7 +1285,7 @@
           <a:p>
             <a:fld id="{5EA28068-AFBD-4979-B752-9EB6F90B1386}" type="datetimeFigureOut">
               <a:rPr lang="en-US" smtClean="0"/>
-              <a:t>11/20/2023</a:t>
+              <a:t>11/21/2023</a:t>
             </a:fld>
             <a:endParaRPr lang="en-US" dirty="0"/>
           </a:p>
@@ -12102,7 +12333,7 @@
           <a:p>
             <a:r>
               <a:rPr lang="en-US" dirty="0"/>
-              <a:t>NorbertIgot.Bonda@hcl.com</a:t>
+              <a:t>Norbert.Bondarczuk@hp.com</a:t>
             </a:r>
           </a:p>
           <a:p>
@@ -12312,12 +12543,8 @@
           <a:lstStyle/>
           <a:p>
             <a:r>
-              <a:rPr lang="en-US" dirty="0" err="1"/>
-              <a:t>Polymorfism</a:t>
-            </a:r>
-            <a:r>
-              <a:rPr lang="en-US" dirty="0"/>
-              <a:t>: how it is done?</a:t>
+              <a:rPr lang="en-US" dirty="0"/>
+              <a:t>Polymorphism: how it is done?</a:t>
             </a:r>
             <a:endParaRPr lang="en-US" sz="5400" dirty="0"/>
           </a:p>
@@ -12924,7 +13151,7 @@
         </p:spPr>
         <p:txBody>
           <a:bodyPr>
-            <a:normAutofit/>
+            <a:normAutofit fontScale="92500" lnSpcReduction="20000"/>
           </a:bodyPr>
           <a:lstStyle/>
           <a:p>
@@ -12942,13 +13169,31 @@
           <a:p>
             <a:r>
               <a:rPr lang="en-US" dirty="0"/>
-              <a:t>Modules &amp; projects</a:t>
-            </a:r>
-          </a:p>
-          <a:p>
-            <a:r>
-              <a:rPr lang="en-US" dirty="0"/>
-              <a:t>Testing</a:t>
+              <a:t>Packages</a:t>
+            </a:r>
+          </a:p>
+          <a:p>
+            <a:r>
+              <a:rPr lang="en-US" dirty="0"/>
+              <a:t>Example of most trivial program</a:t>
+            </a:r>
+          </a:p>
+          <a:p>
+            <a:r>
+              <a:rPr lang="en-US" dirty="0"/>
+              <a:t>Projects</a:t>
+            </a:r>
+          </a:p>
+          <a:p>
+            <a:r>
+              <a:rPr lang="en-US" dirty="0"/>
+              <a:t>DDD and hexagonal structures</a:t>
+            </a:r>
+          </a:p>
+          <a:p>
+            <a:r>
+              <a:rPr lang="en-US" dirty="0"/>
+              <a:t>Unit testing</a:t>
             </a:r>
           </a:p>
           <a:p>
@@ -13399,10 +13644,9 @@
           <a:lstStyle/>
           <a:p>
             <a:r>
-              <a:rPr lang="en-US" dirty="0"/>
-              <a:t>Modules &amp; projects</a:t>
-            </a:r>
-            <a:endParaRPr lang="en-US" sz="5400" dirty="0"/>
+              <a:rPr lang="en-US" sz="5400" dirty="0"/>
+              <a:t>Packages</a:t>
+            </a:r>
           </a:p>
         </p:txBody>
       </p:sp>
@@ -13425,7 +13669,7 @@
         <p:spPr/>
         <p:txBody>
           <a:bodyPr>
-            <a:normAutofit fontScale="85000" lnSpcReduction="20000"/>
+            <a:normAutofit/>
           </a:bodyPr>
           <a:lstStyle/>
           <a:p>
@@ -13439,7 +13683,7 @@
             <a:pPr lvl="1"/>
             <a:r>
               <a:rPr lang="en-US" dirty="0"/>
-              <a:t>Modules may be imported with import command.</a:t>
+              <a:t>Packages may be imported with import command.</a:t>
             </a:r>
           </a:p>
           <a:p>
@@ -13489,141 +13733,7 @@
             <a:pPr lvl="1"/>
             <a:r>
               <a:rPr lang="en-US" dirty="0"/>
-              <a:t>The </a:t>
-            </a:r>
-            <a:r>
-              <a:rPr lang="en-US" dirty="0">
-                <a:latin typeface="Courier New" panose="02070309020205020404" pitchFamily="49" charset="0"/>
-                <a:cs typeface="Courier New" panose="02070309020205020404" pitchFamily="49" charset="0"/>
-              </a:rPr>
-              <a:t>go mod </a:t>
-            </a:r>
-            <a:r>
-              <a:rPr lang="en-US" dirty="0" err="1">
-                <a:latin typeface="Courier New" panose="02070309020205020404" pitchFamily="49" charset="0"/>
-                <a:cs typeface="Courier New" panose="02070309020205020404" pitchFamily="49" charset="0"/>
-              </a:rPr>
-              <a:t>init</a:t>
-            </a:r>
-            <a:r>
-              <a:rPr lang="en-US" dirty="0">
-                <a:latin typeface="Courier New" panose="02070309020205020404" pitchFamily="49" charset="0"/>
-                <a:cs typeface="Courier New" panose="02070309020205020404" pitchFamily="49" charset="0"/>
-              </a:rPr>
-              <a:t> </a:t>
-            </a:r>
-            <a:r>
-              <a:rPr lang="en-US" dirty="0"/>
-              <a:t>command is used to initialize the project.</a:t>
-            </a:r>
-          </a:p>
-          <a:p>
-            <a:pPr lvl="1"/>
-            <a:r>
-              <a:rPr lang="en-US" dirty="0"/>
-              <a:t>The </a:t>
-            </a:r>
-            <a:r>
-              <a:rPr lang="en-US" dirty="0">
-                <a:latin typeface="Courier New" panose="02070309020205020404" pitchFamily="49" charset="0"/>
-                <a:cs typeface="Courier New" panose="02070309020205020404" pitchFamily="49" charset="0"/>
-              </a:rPr>
-              <a:t>go mod tidy </a:t>
-            </a:r>
-            <a:r>
-              <a:rPr lang="en-US" dirty="0"/>
-              <a:t>command is used to manage dependencies as they are stored in files </a:t>
-            </a:r>
-            <a:r>
-              <a:rPr lang="en-US" dirty="0">
-                <a:latin typeface="Courier New" panose="02070309020205020404" pitchFamily="49" charset="0"/>
-                <a:cs typeface="Courier New" panose="02070309020205020404" pitchFamily="49" charset="0"/>
-              </a:rPr>
-              <a:t>go.mod</a:t>
-            </a:r>
-            <a:r>
-              <a:rPr lang="en-US" dirty="0"/>
-              <a:t>, </a:t>
-            </a:r>
-            <a:r>
-              <a:rPr lang="en-US" dirty="0" err="1">
-                <a:latin typeface="Courier New" panose="02070309020205020404" pitchFamily="49" charset="0"/>
-                <a:cs typeface="Courier New" panose="02070309020205020404" pitchFamily="49" charset="0"/>
-              </a:rPr>
-              <a:t>go.sum</a:t>
-            </a:r>
-            <a:r>
-              <a:rPr lang="en-US" dirty="0"/>
-              <a:t>. They are stored in the main </a:t>
-            </a:r>
-            <a:r>
-              <a:rPr lang="en-US" dirty="0" err="1"/>
-              <a:t>dir</a:t>
-            </a:r>
-            <a:r>
-              <a:rPr lang="en-US" dirty="0"/>
-              <a:t> of the project.</a:t>
-            </a:r>
-          </a:p>
-          <a:p>
-            <a:pPr lvl="1"/>
-            <a:r>
-              <a:rPr lang="en-US" dirty="0"/>
-              <a:t>The </a:t>
-            </a:r>
-            <a:r>
-              <a:rPr lang="en-US" dirty="0">
-                <a:latin typeface="Courier New" panose="02070309020205020404" pitchFamily="49" charset="0"/>
-                <a:cs typeface="Courier New" panose="02070309020205020404" pitchFamily="49" charset="0"/>
-              </a:rPr>
-              <a:t>go get </a:t>
-            </a:r>
-            <a:r>
-              <a:rPr lang="en-US" dirty="0"/>
-              <a:t>command is used to download the dependent libraries if they are listed in the import section and were not downloaded yet.</a:t>
-            </a:r>
-          </a:p>
-          <a:p>
-            <a:pPr lvl="1"/>
-            <a:r>
-              <a:rPr lang="en-US" dirty="0"/>
-              <a:t>The </a:t>
-            </a:r>
-            <a:r>
-              <a:rPr lang="en-US" dirty="0">
-                <a:latin typeface="Courier New" panose="02070309020205020404" pitchFamily="49" charset="0"/>
-                <a:cs typeface="Courier New" panose="02070309020205020404" pitchFamily="49" charset="0"/>
-              </a:rPr>
-              <a:t>go compile </a:t>
-            </a:r>
-            <a:r>
-              <a:rPr lang="en-US" dirty="0"/>
-              <a:t>command builds the executables of some useful tools.</a:t>
-            </a:r>
-          </a:p>
-          <a:p>
-            <a:pPr lvl="1"/>
-            <a:r>
-              <a:rPr lang="en-US" dirty="0"/>
-              <a:t>The </a:t>
-            </a:r>
-            <a:r>
-              <a:rPr lang="en-US" dirty="0">
-                <a:latin typeface="Courier New" panose="02070309020205020404" pitchFamily="49" charset="0"/>
-                <a:cs typeface="Courier New" panose="02070309020205020404" pitchFamily="49" charset="0"/>
-              </a:rPr>
-              <a:t>go install </a:t>
-            </a:r>
-            <a:r>
-              <a:rPr lang="en-US" dirty="0"/>
-              <a:t>builds some specific command line tools.</a:t>
-            </a:r>
-          </a:p>
-          <a:p>
-            <a:pPr lvl="1"/>
-            <a:r>
-              <a:rPr lang="en-US" dirty="0"/>
-              <a:t>There is no specific projects structure but there are more or less “good” practices.</a:t>
+              <a:t>The objects (functions, types, constants, variables) of a module to be exported must have name starting with big capital letter.</a:t>
             </a:r>
           </a:p>
           <a:p>
@@ -13690,7 +13800,7 @@
           <a:p>
             <a:r>
               <a:rPr lang="en-US" dirty="0"/>
-              <a:t>An example of a Golang program</a:t>
+              <a:t>Example of a most trivial program</a:t>
             </a:r>
             <a:endParaRPr lang="en-US" sz="5400" dirty="0"/>
           </a:p>
@@ -13720,20 +13830,58 @@
         </p:spPr>
         <p:txBody>
           <a:bodyPr>
-            <a:normAutofit/>
+            <a:normAutofit fontScale="70000" lnSpcReduction="20000"/>
           </a:bodyPr>
           <a:lstStyle/>
           <a:p>
-            <a:pPr lvl="1"/>
-            <a:r>
-              <a:rPr lang="en-US">
+            <a:r>
+              <a:rPr lang="en-US" dirty="0" err="1">
                 <a:hlinkClick r:id="rId2"/>
               </a:rPr>
-              <a:t>Go by Example: Hello World</a:t>
-            </a:r>
-            <a:endParaRPr lang="en-US" dirty="0"/>
-          </a:p>
-          <a:p>
+              <a:t>golang</a:t>
+            </a:r>
+            <a:r>
+              <a:rPr lang="en-US" dirty="0">
+                <a:hlinkClick r:id="rId2"/>
+              </a:rPr>
+              <a:t>-q-a/examples/1/hello-</a:t>
+            </a:r>
+            <a:r>
+              <a:rPr lang="en-US" dirty="0" err="1">
+                <a:hlinkClick r:id="rId2"/>
+              </a:rPr>
+              <a:t>world.go</a:t>
+            </a:r>
+            <a:r>
+              <a:rPr lang="en-US" dirty="0">
+                <a:hlinkClick r:id="rId2"/>
+              </a:rPr>
+              <a:t> at main · </a:t>
+            </a:r>
+            <a:r>
+              <a:rPr lang="en-US" dirty="0" err="1">
+                <a:hlinkClick r:id="rId2"/>
+              </a:rPr>
+              <a:t>nbondarczuk</a:t>
+            </a:r>
+            <a:r>
+              <a:rPr lang="en-US" dirty="0">
+                <a:hlinkClick r:id="rId2"/>
+              </a:rPr>
+              <a:t>/</a:t>
+            </a:r>
+            <a:r>
+              <a:rPr lang="en-US" dirty="0" err="1">
+                <a:hlinkClick r:id="rId2"/>
+              </a:rPr>
+              <a:t>golang</a:t>
+            </a:r>
+            <a:r>
+              <a:rPr lang="en-US" dirty="0">
+                <a:hlinkClick r:id="rId2"/>
+              </a:rPr>
+              <a:t>-q-a · GitHub</a:t>
+            </a:r>
             <a:endParaRPr lang="en-US" dirty="0"/>
           </a:p>
         </p:txBody>
@@ -13886,11 +14034,16 @@
               <a:rPr lang="en-US" dirty="0"/>
               <a:t>ENCODERS/DECODERS</a:t>
             </a:r>
-            <a:endParaRPr lang="en-US" sz="1800" dirty="0">
-              <a:solidFill>
-                <a:schemeClr val="bg1"/>
-              </a:solidFill>
-            </a:endParaRPr>
+          </a:p>
+          <a:p>
+            <a:r>
+              <a:rPr lang="en-US" sz="1800" dirty="0">
+                <a:solidFill>
+                  <a:schemeClr val="bg1"/>
+                </a:solidFill>
+              </a:rPr>
+              <a:t>CONCURRENCY PATTERNS</a:t>
+            </a:r>
           </a:p>
           <a:p>
             <a:pPr algn="r"/>
@@ -14057,7 +14210,7 @@
           <p:cNvPr id="2" name="Title 1">
             <a:extLst>
               <a:ext uri="{FF2B5EF4-FFF2-40B4-BE49-F238E27FC236}">
-                <a16:creationId xmlns:a16="http://schemas.microsoft.com/office/drawing/2014/main" id="{CFACDA59-55A0-4EA5-B3E4-646D1D3B4CEB}"/>
+                <a16:creationId xmlns:a16="http://schemas.microsoft.com/office/drawing/2014/main" id="{74E704F5-719D-83A1-D627-AEA7B170D481}"/>
               </a:ext>
             </a:extLst>
           </p:cNvPr>
@@ -14070,25 +14223,22 @@
         </p:nvSpPr>
         <p:spPr/>
         <p:txBody>
-          <a:bodyPr>
-            <a:normAutofit/>
-          </a:bodyPr>
+          <a:bodyPr/>
           <a:lstStyle/>
           <a:p>
             <a:r>
               <a:rPr lang="en-US" dirty="0"/>
-              <a:t>Unit testing</a:t>
-            </a:r>
-            <a:endParaRPr lang="en-US" sz="5400" dirty="0"/>
-          </a:p>
-        </p:txBody>
-      </p:sp>
-      <p:sp>
-        <p:nvSpPr>
-          <p:cNvPr id="15" name="Content Placeholder 14">
-            <a:extLst>
-              <a:ext uri="{FF2B5EF4-FFF2-40B4-BE49-F238E27FC236}">
-                <a16:creationId xmlns:a16="http://schemas.microsoft.com/office/drawing/2014/main" id="{0DE4AC6A-3FAF-881B-86DE-A0BFC3B4250F}"/>
+              <a:t>Projects</a:t>
+            </a:r>
+          </a:p>
+        </p:txBody>
+      </p:sp>
+      <p:sp>
+        <p:nvSpPr>
+          <p:cNvPr id="3" name="Content Placeholder 2">
+            <a:extLst>
+              <a:ext uri="{FF2B5EF4-FFF2-40B4-BE49-F238E27FC236}">
+                <a16:creationId xmlns:a16="http://schemas.microsoft.com/office/drawing/2014/main" id="{7CF77C9C-57A8-61CB-F1EF-9F147826BF50}"/>
               </a:ext>
             </a:extLst>
           </p:cNvPr>
@@ -14102,160 +14252,192 @@
         <p:spPr/>
         <p:txBody>
           <a:bodyPr>
-            <a:normAutofit fontScale="92500" lnSpcReduction="20000"/>
+            <a:normAutofit fontScale="70000" lnSpcReduction="20000"/>
           </a:bodyPr>
           <a:lstStyle/>
           <a:p>
-            <a:pPr lvl="1"/>
-            <a:r>
-              <a:rPr lang="en-US" dirty="0"/>
-              <a:t>The TDD is very much encouraged but it is not compulsive.</a:t>
-            </a:r>
-          </a:p>
-          <a:p>
-            <a:pPr lvl="1"/>
-            <a:r>
-              <a:rPr lang="en-US" dirty="0"/>
-              <a:t>A package testing is available for building unit tests.</a:t>
-            </a:r>
-          </a:p>
-          <a:p>
-            <a:pPr lvl="1"/>
-            <a:r>
-              <a:rPr lang="en-US" dirty="0"/>
-              <a:t>A better one, called testify may be used. It has add-ons like suites and assertions. They make coding more comprehensible.</a:t>
-            </a:r>
-          </a:p>
-          <a:p>
-            <a:pPr lvl="1"/>
-            <a:r>
-              <a:rPr lang="en-US" dirty="0"/>
-              <a:t>A unit test may be started with command </a:t>
+            <a:r>
+              <a:rPr lang="en-US" dirty="0"/>
+              <a:t>A more non-trivial program has more complex modular structure than hello world with only one module main.</a:t>
+            </a:r>
+          </a:p>
+          <a:p>
+            <a:r>
+              <a:rPr lang="en-US" dirty="0"/>
+              <a:t>It is normally composed of several subdirectories where separate packages are stored</a:t>
+            </a:r>
+          </a:p>
+          <a:p>
+            <a:r>
+              <a:rPr lang="en-US" dirty="0"/>
+              <a:t>It is mandatory to name the packages the same as top current directory.</a:t>
+            </a:r>
+          </a:p>
+          <a:p>
+            <a:r>
+              <a:rPr lang="en-US" dirty="0"/>
+              <a:t>The </a:t>
             </a:r>
             <a:r>
               <a:rPr lang="en-US" dirty="0">
                 <a:latin typeface="Courier New" panose="02070309020205020404" pitchFamily="49" charset="0"/>
                 <a:cs typeface="Courier New" panose="02070309020205020404" pitchFamily="49" charset="0"/>
               </a:rPr>
-              <a:t>go test</a:t>
-            </a:r>
-            <a:r>
-              <a:rPr lang="en-US" dirty="0"/>
-              <a:t>.</a:t>
-            </a:r>
-          </a:p>
-          <a:p>
-            <a:pPr lvl="1"/>
-            <a:r>
-              <a:rPr lang="en-US" dirty="0"/>
-              <a:t>The files with unit tests are ended with </a:t>
+              <a:t>go mod </a:t>
+            </a:r>
+            <a:r>
+              <a:rPr lang="en-US" dirty="0" err="1">
+                <a:latin typeface="Courier New" panose="02070309020205020404" pitchFamily="49" charset="0"/>
+                <a:cs typeface="Courier New" panose="02070309020205020404" pitchFamily="49" charset="0"/>
+              </a:rPr>
+              <a:t>init</a:t>
             </a:r>
             <a:r>
               <a:rPr lang="en-US" dirty="0">
                 <a:latin typeface="Courier New" panose="02070309020205020404" pitchFamily="49" charset="0"/>
                 <a:cs typeface="Courier New" panose="02070309020205020404" pitchFamily="49" charset="0"/>
               </a:rPr>
-              <a:t>_</a:t>
+              <a:t> </a:t>
+            </a:r>
+            <a:r>
+              <a:rPr lang="en-US" dirty="0"/>
+              <a:t>command is used to initialize the project.</a:t>
+            </a:r>
+          </a:p>
+          <a:p>
+            <a:r>
+              <a:rPr lang="en-US" dirty="0"/>
+              <a:t>The </a:t>
+            </a:r>
+            <a:r>
+              <a:rPr lang="en-US" dirty="0">
+                <a:latin typeface="Courier New" panose="02070309020205020404" pitchFamily="49" charset="0"/>
+                <a:cs typeface="Courier New" panose="02070309020205020404" pitchFamily="49" charset="0"/>
+              </a:rPr>
+              <a:t>go mod tidy </a:t>
+            </a:r>
+            <a:r>
+              <a:rPr lang="en-US" dirty="0"/>
+              <a:t>command is used to manage dependencies as they are stored in files </a:t>
+            </a:r>
+            <a:r>
+              <a:rPr lang="en-US" dirty="0">
+                <a:latin typeface="Courier New" panose="02070309020205020404" pitchFamily="49" charset="0"/>
+                <a:cs typeface="Courier New" panose="02070309020205020404" pitchFamily="49" charset="0"/>
+              </a:rPr>
+              <a:t>go.mod</a:t>
+            </a:r>
+            <a:r>
+              <a:rPr lang="en-US" dirty="0"/>
+              <a:t>, </a:t>
             </a:r>
             <a:r>
               <a:rPr lang="en-US" dirty="0" err="1">
                 <a:latin typeface="Courier New" panose="02070309020205020404" pitchFamily="49" charset="0"/>
                 <a:cs typeface="Courier New" panose="02070309020205020404" pitchFamily="49" charset="0"/>
               </a:rPr>
-              <a:t>test.go</a:t>
-            </a:r>
-            <a:r>
-              <a:rPr lang="en-US" dirty="0"/>
-              <a:t>.</a:t>
-            </a:r>
-          </a:p>
-          <a:p>
-            <a:pPr lvl="1"/>
-            <a:r>
-              <a:rPr lang="en-US" dirty="0"/>
-              <a:t>The tests are in functions starting with Test and one parameter </a:t>
+              <a:t>go.sum</a:t>
+            </a:r>
+            <a:r>
+              <a:rPr lang="en-US" dirty="0"/>
+              <a:t>. They are stored in the main </a:t>
+            </a:r>
+            <a:r>
+              <a:rPr lang="en-US" dirty="0" err="1"/>
+              <a:t>dir</a:t>
+            </a:r>
+            <a:r>
+              <a:rPr lang="en-US" dirty="0"/>
+              <a:t> of the project.</a:t>
+            </a:r>
+          </a:p>
+          <a:p>
+            <a:r>
+              <a:rPr lang="en-US" dirty="0"/>
+              <a:t>The </a:t>
             </a:r>
             <a:r>
               <a:rPr lang="en-US" dirty="0">
                 <a:latin typeface="Courier New" panose="02070309020205020404" pitchFamily="49" charset="0"/>
                 <a:cs typeface="Courier New" panose="02070309020205020404" pitchFamily="49" charset="0"/>
               </a:rPr>
-              <a:t>*</a:t>
-            </a:r>
-            <a:r>
-              <a:rPr lang="en-US" dirty="0" err="1">
-                <a:latin typeface="Courier New" panose="02070309020205020404" pitchFamily="49" charset="0"/>
-                <a:cs typeface="Courier New" panose="02070309020205020404" pitchFamily="49" charset="0"/>
-              </a:rPr>
-              <a:t>testing.T</a:t>
-            </a:r>
-            <a:r>
-              <a:rPr lang="en-US" dirty="0"/>
-              <a:t>.</a:t>
-            </a:r>
-          </a:p>
-          <a:p>
-            <a:pPr lvl="1"/>
-            <a:r>
-              <a:rPr lang="en-US" dirty="0"/>
-              <a:t>The package </a:t>
+              <a:t>go get </a:t>
+            </a:r>
+            <a:r>
+              <a:rPr lang="en-US" dirty="0"/>
+              <a:t>command is used to download the dependent libraries if they are listed in the import section and were not downloaded yet.</a:t>
+            </a:r>
+          </a:p>
+          <a:p>
+            <a:r>
+              <a:rPr lang="en-US" dirty="0"/>
+              <a:t>The </a:t>
             </a:r>
             <a:r>
               <a:rPr lang="en-US" dirty="0">
                 <a:latin typeface="Courier New" panose="02070309020205020404" pitchFamily="49" charset="0"/>
                 <a:cs typeface="Courier New" panose="02070309020205020404" pitchFamily="49" charset="0"/>
               </a:rPr>
-              <a:t>testing</a:t>
-            </a:r>
-            <a:r>
-              <a:rPr lang="en-US" dirty="0"/>
-              <a:t> shall be imported in the file where tests are stored.</a:t>
-            </a:r>
-          </a:p>
-          <a:p>
-            <a:pPr lvl="1"/>
-            <a:r>
-              <a:rPr lang="en-US" dirty="0"/>
-              <a:t>Some flags like </a:t>
+              <a:t>go compile </a:t>
+            </a:r>
+            <a:r>
+              <a:rPr lang="en-US" dirty="0"/>
+              <a:t>command builds the executables of some useful tools.</a:t>
+            </a:r>
+          </a:p>
+          <a:p>
+            <a:r>
+              <a:rPr lang="en-US" dirty="0"/>
+              <a:t>The </a:t>
             </a:r>
             <a:r>
               <a:rPr lang="en-US" dirty="0">
                 <a:latin typeface="Courier New" panose="02070309020205020404" pitchFamily="49" charset="0"/>
                 <a:cs typeface="Courier New" panose="02070309020205020404" pitchFamily="49" charset="0"/>
               </a:rPr>
-              <a:t>–v,-short, -cover </a:t>
-            </a:r>
-            <a:r>
-              <a:rPr lang="en-US" dirty="0"/>
-              <a:t>are quite useful.</a:t>
-            </a:r>
-          </a:p>
-          <a:p>
-            <a:pPr lvl="1"/>
-            <a:r>
-              <a:rPr lang="en-US" dirty="0"/>
-              <a:t>When a specific test case shall be run, it can be done with command </a:t>
-            </a:r>
-            <a:r>
-              <a:rPr lang="en-US" dirty="0">
-                <a:latin typeface="Courier New" panose="02070309020205020404" pitchFamily="49" charset="0"/>
-                <a:cs typeface="Courier New" panose="02070309020205020404" pitchFamily="49" charset="0"/>
-              </a:rPr>
-              <a:t>go test &lt;PACKAGE&gt; &lt;TEST-FUNCTION-NAME&gt;</a:t>
-            </a:r>
-            <a:r>
-              <a:rPr lang="en-US" dirty="0"/>
-              <a:t> </a:t>
-            </a:r>
-          </a:p>
-          <a:p>
-            <a:pPr lvl="1"/>
-            <a:r>
-              <a:rPr lang="en-US" dirty="0"/>
-              <a:t>The bests tests are table driven so that many cases must be checked.</a:t>
-            </a:r>
-          </a:p>
-          <a:p>
+              <a:t>go install </a:t>
+            </a:r>
+            <a:r>
+              <a:rPr lang="en-US" dirty="0"/>
+              <a:t>builds some specific command line tools.</a:t>
+            </a:r>
+          </a:p>
+          <a:p>
+            <a:r>
+              <a:rPr lang="en-US" dirty="0"/>
+              <a:t>There is no specific project structure but there are more or less “good” practices.</a:t>
+            </a:r>
+          </a:p>
+          <a:p>
+            <a:endParaRPr lang="en-US" dirty="0"/>
+          </a:p>
+        </p:txBody>
+      </p:sp>
+      <p:sp>
+        <p:nvSpPr>
+          <p:cNvPr id="4" name="Slide Number Placeholder 3">
+            <a:extLst>
+              <a:ext uri="{FF2B5EF4-FFF2-40B4-BE49-F238E27FC236}">
+                <a16:creationId xmlns:a16="http://schemas.microsoft.com/office/drawing/2014/main" id="{8BC3BA6E-6E61-0C9C-CBCE-4033F0DD010D}"/>
+              </a:ext>
+            </a:extLst>
+          </p:cNvPr>
+          <p:cNvSpPr>
+            <a:spLocks noGrp="1"/>
+          </p:cNvSpPr>
+          <p:nvPr>
+            <p:ph type="sldNum" sz="quarter" idx="12"/>
+          </p:nvPr>
+        </p:nvSpPr>
+        <p:spPr/>
+        <p:txBody>
+          <a:bodyPr/>
+          <a:lstStyle/>
+          <a:p>
+            <a:fld id="{D8DA9DAA-006C-4F4B-980E-E3DF019B24E2}" type="slidenum">
+              <a:rPr lang="en-US" smtClean="0"/>
+              <a:t>20</a:t>
+            </a:fld>
             <a:endParaRPr lang="en-US" dirty="0"/>
           </a:p>
         </p:txBody>
@@ -14263,7 +14445,7 @@
     </p:spTree>
     <p:extLst>
       <p:ext uri="{BB962C8B-B14F-4D97-AF65-F5344CB8AC3E}">
-        <p14:creationId xmlns:p14="http://schemas.microsoft.com/office/powerpoint/2010/main" val="734490554"/>
+        <p14:creationId xmlns:p14="http://schemas.microsoft.com/office/powerpoint/2010/main" val="3817225786"/>
       </p:ext>
     </p:extLst>
   </p:cSld>
@@ -14295,7 +14477,7 @@
           <p:cNvPr id="2" name="Title 1">
             <a:extLst>
               <a:ext uri="{FF2B5EF4-FFF2-40B4-BE49-F238E27FC236}">
-                <a16:creationId xmlns:a16="http://schemas.microsoft.com/office/drawing/2014/main" id="{CFACDA59-55A0-4EA5-B3E4-646D1D3B4CEB}"/>
+                <a16:creationId xmlns:a16="http://schemas.microsoft.com/office/drawing/2014/main" id="{714B17A2-2AEA-51B0-8B3B-190C2FE5040B}"/>
               </a:ext>
             </a:extLst>
           </p:cNvPr>
@@ -14308,25 +14490,22 @@
         </p:nvSpPr>
         <p:spPr/>
         <p:txBody>
-          <a:bodyPr>
-            <a:normAutofit/>
-          </a:bodyPr>
+          <a:bodyPr/>
           <a:lstStyle/>
           <a:p>
             <a:r>
               <a:rPr lang="en-US" dirty="0"/>
-              <a:t>Benchmarking</a:t>
-            </a:r>
-            <a:endParaRPr lang="en-US" sz="5400" dirty="0"/>
-          </a:p>
-        </p:txBody>
-      </p:sp>
-      <p:sp>
-        <p:nvSpPr>
-          <p:cNvPr id="15" name="Content Placeholder 14">
-            <a:extLst>
-              <a:ext uri="{FF2B5EF4-FFF2-40B4-BE49-F238E27FC236}">
-                <a16:creationId xmlns:a16="http://schemas.microsoft.com/office/drawing/2014/main" id="{0DE4AC6A-3FAF-881B-86DE-A0BFC3B4250F}"/>
+              <a:t>DDD and hexagonal structures</a:t>
+            </a:r>
+          </a:p>
+        </p:txBody>
+      </p:sp>
+      <p:sp>
+        <p:nvSpPr>
+          <p:cNvPr id="3" name="Content Placeholder 2">
+            <a:extLst>
+              <a:ext uri="{FF2B5EF4-FFF2-40B4-BE49-F238E27FC236}">
+                <a16:creationId xmlns:a16="http://schemas.microsoft.com/office/drawing/2014/main" id="{7D1644D8-5EBA-5393-4FAC-F2B54D0E3612}"/>
               </a:ext>
             </a:extLst>
           </p:cNvPr>
@@ -14339,119 +14518,59 @@
         </p:nvSpPr>
         <p:spPr/>
         <p:txBody>
-          <a:bodyPr>
-            <a:normAutofit/>
-          </a:bodyPr>
+          <a:bodyPr/>
           <a:lstStyle/>
           <a:p>
-            <a:pPr lvl="1"/>
-            <a:r>
-              <a:rPr lang="en-US" dirty="0"/>
-              <a:t>Benchmarks are very similar to unit tests. The whole difference is that testing is replaced by benchmarking.</a:t>
-            </a:r>
-          </a:p>
-          <a:p>
-            <a:pPr lvl="1"/>
-            <a:r>
-              <a:rPr lang="en-US" dirty="0"/>
-              <a:t>Usually, benchmark run some function in a look with given number of N iterations.</a:t>
-            </a:r>
-          </a:p>
-          <a:p>
-            <a:pPr lvl="1"/>
-            <a:r>
-              <a:rPr lang="en-US" dirty="0"/>
-              <a:t>The files with unit tests are ended with </a:t>
-            </a:r>
-            <a:r>
-              <a:rPr lang="en-US" dirty="0">
-                <a:latin typeface="Courier New" panose="02070309020205020404" pitchFamily="49" charset="0"/>
-                <a:cs typeface="Courier New" panose="02070309020205020404" pitchFamily="49" charset="0"/>
-              </a:rPr>
-              <a:t>_</a:t>
-            </a:r>
-            <a:r>
-              <a:rPr lang="en-US" dirty="0" err="1">
-                <a:latin typeface="Courier New" panose="02070309020205020404" pitchFamily="49" charset="0"/>
-                <a:cs typeface="Courier New" panose="02070309020205020404" pitchFamily="49" charset="0"/>
-              </a:rPr>
-              <a:t>test.go</a:t>
-            </a:r>
-            <a:r>
-              <a:rPr lang="en-US" dirty="0"/>
-              <a:t>.</a:t>
-            </a:r>
-          </a:p>
-          <a:p>
-            <a:pPr lvl="1"/>
-            <a:r>
-              <a:rPr lang="en-US" dirty="0"/>
-              <a:t>The tests are in functions starting with Benchmark and one parameter </a:t>
-            </a:r>
-            <a:r>
-              <a:rPr lang="en-US" dirty="0">
-                <a:latin typeface="Courier New" panose="02070309020205020404" pitchFamily="49" charset="0"/>
-                <a:cs typeface="Courier New" panose="02070309020205020404" pitchFamily="49" charset="0"/>
-              </a:rPr>
-              <a:t>*</a:t>
-            </a:r>
-            <a:r>
-              <a:rPr lang="en-US" dirty="0" err="1">
-                <a:latin typeface="Courier New" panose="02070309020205020404" pitchFamily="49" charset="0"/>
-                <a:cs typeface="Courier New" panose="02070309020205020404" pitchFamily="49" charset="0"/>
-              </a:rPr>
-              <a:t>testing.B</a:t>
-            </a:r>
-            <a:r>
-              <a:rPr lang="en-US" dirty="0"/>
-              <a:t>.</a:t>
-            </a:r>
-          </a:p>
-          <a:p>
-            <a:pPr lvl="1"/>
-            <a:r>
-              <a:rPr lang="en-US" dirty="0"/>
-              <a:t>The package </a:t>
-            </a:r>
-            <a:r>
-              <a:rPr lang="en-US" dirty="0">
-                <a:latin typeface="Courier New" panose="02070309020205020404" pitchFamily="49" charset="0"/>
-                <a:cs typeface="Courier New" panose="02070309020205020404" pitchFamily="49" charset="0"/>
-              </a:rPr>
-              <a:t>testing</a:t>
-            </a:r>
-            <a:r>
-              <a:rPr lang="en-US" dirty="0"/>
-              <a:t> shall be imported in the file where benchmarks are stored.</a:t>
-            </a:r>
-          </a:p>
-          <a:p>
-            <a:pPr lvl="1"/>
-            <a:r>
-              <a:rPr lang="en-US" dirty="0"/>
-              <a:t>A unit test may be started with command </a:t>
-            </a:r>
-            <a:r>
-              <a:rPr lang="en-US" dirty="0">
-                <a:latin typeface="Courier New" panose="02070309020205020404" pitchFamily="49" charset="0"/>
-                <a:cs typeface="Courier New" panose="02070309020205020404" pitchFamily="49" charset="0"/>
-              </a:rPr>
-              <a:t>go test –bench=.</a:t>
-            </a:r>
-            <a:r>
-              <a:rPr lang="en-US" dirty="0"/>
-              <a:t>.</a:t>
-            </a:r>
-          </a:p>
-          <a:p>
-            <a:pPr lvl="1"/>
-            <a:endParaRPr lang="en-US" dirty="0"/>
-          </a:p>
-          <a:p>
-            <a:pPr lvl="1"/>
-            <a:endParaRPr lang="en-US" dirty="0"/>
-          </a:p>
-          <a:p>
+            <a:r>
+              <a:rPr lang="en-US" dirty="0"/>
+              <a:t>The DDD methodology requires that the structure of a project has circular layers.</a:t>
+            </a:r>
+          </a:p>
+          <a:p>
+            <a:r>
+              <a:rPr lang="en-US" dirty="0"/>
+              <a:t>The lowest, most persistent kernel are business entities stored in packages like model.</a:t>
+            </a:r>
+          </a:p>
+          <a:p>
+            <a:r>
+              <a:rPr lang="en-US" dirty="0"/>
+              <a:t>The other layers like interfaces are placed around it.</a:t>
+            </a:r>
+          </a:p>
+          <a:p>
+            <a:r>
+              <a:rPr lang="en-US" dirty="0"/>
+              <a:t>The database and caching is an add-on detail. It may be plugged-in in the later phase. It may be mocked easily.</a:t>
+            </a:r>
+          </a:p>
+        </p:txBody>
+      </p:sp>
+      <p:sp>
+        <p:nvSpPr>
+          <p:cNvPr id="4" name="Slide Number Placeholder 3">
+            <a:extLst>
+              <a:ext uri="{FF2B5EF4-FFF2-40B4-BE49-F238E27FC236}">
+                <a16:creationId xmlns:a16="http://schemas.microsoft.com/office/drawing/2014/main" id="{60ABD781-0B53-8087-5DAF-48554946C0DC}"/>
+              </a:ext>
+            </a:extLst>
+          </p:cNvPr>
+          <p:cNvSpPr>
+            <a:spLocks noGrp="1"/>
+          </p:cNvSpPr>
+          <p:nvPr>
+            <p:ph type="sldNum" sz="quarter" idx="12"/>
+          </p:nvPr>
+        </p:nvSpPr>
+        <p:spPr/>
+        <p:txBody>
+          <a:bodyPr/>
+          <a:lstStyle/>
+          <a:p>
+            <a:fld id="{D8DA9DAA-006C-4F4B-980E-E3DF019B24E2}" type="slidenum">
+              <a:rPr lang="en-US" smtClean="0"/>
+              <a:t>21</a:t>
+            </a:fld>
             <a:endParaRPr lang="en-US" dirty="0"/>
           </a:p>
         </p:txBody>
@@ -14459,7 +14578,7 @@
     </p:spTree>
     <p:extLst>
       <p:ext uri="{BB962C8B-B14F-4D97-AF65-F5344CB8AC3E}">
-        <p14:creationId xmlns:p14="http://schemas.microsoft.com/office/powerpoint/2010/main" val="453767092"/>
+        <p14:creationId xmlns:p14="http://schemas.microsoft.com/office/powerpoint/2010/main" val="1022274554"/>
       </p:ext>
     </p:extLst>
   </p:cSld>
@@ -14491,7 +14610,7 @@
           <p:cNvPr id="2" name="Title 1">
             <a:extLst>
               <a:ext uri="{FF2B5EF4-FFF2-40B4-BE49-F238E27FC236}">
-                <a16:creationId xmlns:a16="http://schemas.microsoft.com/office/drawing/2014/main" id="{C5F2FB0B-15EC-453B-BC9B-69AD35DDCEA3}"/>
+                <a16:creationId xmlns:a16="http://schemas.microsoft.com/office/drawing/2014/main" id="{CFACDA59-55A0-4EA5-B3E4-646D1D3B4CEB}"/>
               </a:ext>
             </a:extLst>
           </p:cNvPr>
@@ -14499,7 +14618,7 @@
             <a:spLocks noGrp="1"/>
           </p:cNvSpPr>
           <p:nvPr>
-            <p:ph type="ctrTitle"/>
+            <p:ph type="title"/>
           </p:nvPr>
         </p:nvSpPr>
         <p:spPr/>
@@ -14510,30 +14629,19 @@
           <a:lstStyle/>
           <a:p>
             <a:r>
-              <a:rPr lang="en-US" sz="6000" dirty="0">
-                <a:solidFill>
-                  <a:schemeClr val="bg1"/>
-                </a:solidFill>
-              </a:rPr>
-              <a:t>API BUILDING</a:t>
-            </a:r>
-            <a:br>
-              <a:rPr lang="en-US" sz="6000" dirty="0">
-                <a:solidFill>
-                  <a:schemeClr val="bg1"/>
-                </a:solidFill>
-              </a:rPr>
-            </a:br>
-            <a:endParaRPr lang="en-US" dirty="0"/>
-          </a:p>
-        </p:txBody>
-      </p:sp>
-      <p:sp>
-        <p:nvSpPr>
-          <p:cNvPr id="3" name="Subtitle 2">
-            <a:extLst>
-              <a:ext uri="{FF2B5EF4-FFF2-40B4-BE49-F238E27FC236}">
-                <a16:creationId xmlns:a16="http://schemas.microsoft.com/office/drawing/2014/main" id="{05408798-0DB3-46BF-880E-7BB904D700F6}"/>
+              <a:rPr lang="en-US" dirty="0"/>
+              <a:t>Unit testing</a:t>
+            </a:r>
+            <a:endParaRPr lang="en-US" sz="5400" dirty="0"/>
+          </a:p>
+        </p:txBody>
+      </p:sp>
+      <p:sp>
+        <p:nvSpPr>
+          <p:cNvPr id="15" name="Content Placeholder 14">
+            <a:extLst>
+              <a:ext uri="{FF2B5EF4-FFF2-40B4-BE49-F238E27FC236}">
+                <a16:creationId xmlns:a16="http://schemas.microsoft.com/office/drawing/2014/main" id="{0DE4AC6A-3FAF-881B-86DE-A0BFC3B4250F}"/>
               </a:ext>
             </a:extLst>
           </p:cNvPr>
@@ -14541,32 +14649,174 @@
             <a:spLocks noGrp="1"/>
           </p:cNvSpPr>
           <p:nvPr>
-            <p:ph type="subTitle" idx="1"/>
+            <p:ph idx="1"/>
           </p:nvPr>
         </p:nvSpPr>
-        <p:spPr>
-          <a:xfrm>
-            <a:off x="1527048" y="3858767"/>
-            <a:ext cx="9144000" cy="2752097"/>
-          </a:xfrm>
-        </p:spPr>
+        <p:spPr/>
         <p:txBody>
           <a:bodyPr>
-            <a:normAutofit/>
+            <a:normAutofit fontScale="92500" lnSpcReduction="20000"/>
           </a:bodyPr>
           <a:lstStyle/>
           <a:p>
-            <a:r>
-              <a:rPr lang="en-US" dirty="0"/>
-              <a:t>An example of web client/server</a:t>
-            </a:r>
+            <a:pPr lvl="1"/>
+            <a:r>
+              <a:rPr lang="en-US" dirty="0"/>
+              <a:t>The TDD is very much encouraged but it is not compulsive.</a:t>
+            </a:r>
+          </a:p>
+          <a:p>
+            <a:pPr lvl="1"/>
+            <a:r>
+              <a:rPr lang="en-US" dirty="0"/>
+              <a:t>A package testing is available for building unit tests.</a:t>
+            </a:r>
+          </a:p>
+          <a:p>
+            <a:pPr lvl="1"/>
+            <a:r>
+              <a:rPr lang="en-US" dirty="0"/>
+              <a:t>A better one, called testify may be used. It has add-ons like suites and assertions. They make coding more comprehensible.</a:t>
+            </a:r>
+          </a:p>
+          <a:p>
+            <a:pPr lvl="1"/>
+            <a:r>
+              <a:rPr lang="en-US" dirty="0"/>
+              <a:t>A unit test may be started with command </a:t>
+            </a:r>
+            <a:r>
+              <a:rPr lang="en-US" dirty="0">
+                <a:latin typeface="Courier New" panose="02070309020205020404" pitchFamily="49" charset="0"/>
+                <a:cs typeface="Courier New" panose="02070309020205020404" pitchFamily="49" charset="0"/>
+              </a:rPr>
+              <a:t>go test</a:t>
+            </a:r>
+            <a:r>
+              <a:rPr lang="en-US" dirty="0"/>
+              <a:t>.</a:t>
+            </a:r>
+          </a:p>
+          <a:p>
+            <a:pPr lvl="1"/>
+            <a:r>
+              <a:rPr lang="en-US" dirty="0"/>
+              <a:t>The files with unit tests are ended with </a:t>
+            </a:r>
+            <a:r>
+              <a:rPr lang="en-US" dirty="0">
+                <a:latin typeface="Courier New" panose="02070309020205020404" pitchFamily="49" charset="0"/>
+                <a:cs typeface="Courier New" panose="02070309020205020404" pitchFamily="49" charset="0"/>
+              </a:rPr>
+              <a:t>_</a:t>
+            </a:r>
+            <a:r>
+              <a:rPr lang="en-US" dirty="0" err="1">
+                <a:latin typeface="Courier New" panose="02070309020205020404" pitchFamily="49" charset="0"/>
+                <a:cs typeface="Courier New" panose="02070309020205020404" pitchFamily="49" charset="0"/>
+              </a:rPr>
+              <a:t>test.go</a:t>
+            </a:r>
+            <a:r>
+              <a:rPr lang="en-US" dirty="0"/>
+              <a:t>.</a:t>
+            </a:r>
+          </a:p>
+          <a:p>
+            <a:pPr lvl="1"/>
+            <a:r>
+              <a:rPr lang="en-US" dirty="0"/>
+              <a:t>The tests are in functions starting with Test and one parameter </a:t>
+            </a:r>
+            <a:r>
+              <a:rPr lang="en-US" dirty="0">
+                <a:latin typeface="Courier New" panose="02070309020205020404" pitchFamily="49" charset="0"/>
+                <a:cs typeface="Courier New" panose="02070309020205020404" pitchFamily="49" charset="0"/>
+              </a:rPr>
+              <a:t>*</a:t>
+            </a:r>
+            <a:r>
+              <a:rPr lang="en-US" dirty="0" err="1">
+                <a:latin typeface="Courier New" panose="02070309020205020404" pitchFamily="49" charset="0"/>
+                <a:cs typeface="Courier New" panose="02070309020205020404" pitchFamily="49" charset="0"/>
+              </a:rPr>
+              <a:t>testing.T</a:t>
+            </a:r>
+            <a:r>
+              <a:rPr lang="en-US" dirty="0"/>
+              <a:t>.</a:t>
+            </a:r>
+          </a:p>
+          <a:p>
+            <a:pPr lvl="1"/>
+            <a:r>
+              <a:rPr lang="en-US" dirty="0"/>
+              <a:t>The package </a:t>
+            </a:r>
+            <a:r>
+              <a:rPr lang="en-US" dirty="0">
+                <a:latin typeface="Courier New" panose="02070309020205020404" pitchFamily="49" charset="0"/>
+                <a:cs typeface="Courier New" panose="02070309020205020404" pitchFamily="49" charset="0"/>
+              </a:rPr>
+              <a:t>testing</a:t>
+            </a:r>
+            <a:r>
+              <a:rPr lang="en-US" dirty="0"/>
+              <a:t> shall be imported in the file where tests are stored.</a:t>
+            </a:r>
+          </a:p>
+          <a:p>
+            <a:pPr lvl="1"/>
+            <a:r>
+              <a:rPr lang="en-US" dirty="0"/>
+              <a:t>Some flags like </a:t>
+            </a:r>
+            <a:r>
+              <a:rPr lang="en-US" dirty="0">
+                <a:latin typeface="Courier New" panose="02070309020205020404" pitchFamily="49" charset="0"/>
+                <a:cs typeface="Courier New" panose="02070309020205020404" pitchFamily="49" charset="0"/>
+              </a:rPr>
+              <a:t>–v,-short, -cover </a:t>
+            </a:r>
+            <a:r>
+              <a:rPr lang="en-US" dirty="0"/>
+              <a:t>are quite useful.</a:t>
+            </a:r>
+          </a:p>
+          <a:p>
+            <a:pPr lvl="1"/>
+            <a:r>
+              <a:rPr lang="en-US" dirty="0"/>
+              <a:t>When a specific test case shall be run, it can be done with command </a:t>
+            </a:r>
+            <a:r>
+              <a:rPr lang="en-US" dirty="0">
+                <a:latin typeface="Courier New" panose="02070309020205020404" pitchFamily="49" charset="0"/>
+                <a:cs typeface="Courier New" panose="02070309020205020404" pitchFamily="49" charset="0"/>
+              </a:rPr>
+              <a:t>go test &lt;PACKAGE&gt; &lt;TEST-FUNCTION-NAME&gt;</a:t>
+            </a:r>
+            <a:r>
+              <a:rPr lang="en-US" dirty="0"/>
+              <a:t> </a:t>
+            </a:r>
+          </a:p>
+          <a:p>
+            <a:pPr lvl="1"/>
+            <a:r>
+              <a:rPr lang="en-US" dirty="0"/>
+              <a:t>The bests tests are table driven so that many cases must be checked.</a:t>
+            </a:r>
+          </a:p>
+          <a:p>
+            <a:endParaRPr lang="en-US" dirty="0"/>
           </a:p>
         </p:txBody>
       </p:sp>
     </p:spTree>
     <p:extLst>
       <p:ext uri="{BB962C8B-B14F-4D97-AF65-F5344CB8AC3E}">
-        <p14:creationId xmlns:p14="http://schemas.microsoft.com/office/powerpoint/2010/main" val="2533359908"/>
+        <p14:creationId xmlns:p14="http://schemas.microsoft.com/office/powerpoint/2010/main" val="734490554"/>
       </p:ext>
     </p:extLst>
   </p:cSld>
@@ -14618,78 +14868,18 @@
           <a:p>
             <a:r>
               <a:rPr lang="en-US" dirty="0"/>
-              <a:t>Example of web client/server</a:t>
+              <a:t>Benchmarking</a:t>
             </a:r>
             <a:endParaRPr lang="en-US" sz="5400" dirty="0"/>
           </a:p>
         </p:txBody>
       </p:sp>
-      <p:pic>
-        <p:nvPicPr>
-          <p:cNvPr id="12" name="Picture 11">
-            <a:extLst>
-              <a:ext uri="{FF2B5EF4-FFF2-40B4-BE49-F238E27FC236}">
-                <a16:creationId xmlns:a16="http://schemas.microsoft.com/office/drawing/2014/main" id="{D28FF441-FE1A-7759-9B7B-A0EA7D885BF7}"/>
-              </a:ext>
-            </a:extLst>
-          </p:cNvPr>
-          <p:cNvPicPr>
-            <a:picLocks noChangeAspect="1"/>
-          </p:cNvPicPr>
-          <p:nvPr/>
-        </p:nvPicPr>
-        <p:blipFill>
-          <a:blip r:embed="rId2"/>
-          <a:stretch>
-            <a:fillRect/>
-          </a:stretch>
-        </p:blipFill>
-        <p:spPr>
-          <a:xfrm>
-            <a:off x="6245157" y="1577558"/>
-            <a:ext cx="5108645" cy="4984692"/>
-          </a:xfrm>
-          <a:prstGeom prst="rect">
-            <a:avLst/>
-          </a:prstGeom>
-        </p:spPr>
-      </p:pic>
-      <p:pic>
-        <p:nvPicPr>
-          <p:cNvPr id="14" name="Picture 13">
-            <a:extLst>
-              <a:ext uri="{FF2B5EF4-FFF2-40B4-BE49-F238E27FC236}">
-                <a16:creationId xmlns:a16="http://schemas.microsoft.com/office/drawing/2014/main" id="{F7AB7A53-480C-3F38-2F6E-4FB252B1F80F}"/>
-              </a:ext>
-            </a:extLst>
-          </p:cNvPr>
-          <p:cNvPicPr>
-            <a:picLocks noChangeAspect="1"/>
-          </p:cNvPicPr>
-          <p:nvPr/>
-        </p:nvPicPr>
-        <p:blipFill>
-          <a:blip r:embed="rId3"/>
-          <a:stretch>
-            <a:fillRect/>
-          </a:stretch>
-        </p:blipFill>
-        <p:spPr>
-          <a:xfrm>
-            <a:off x="838200" y="3319271"/>
-            <a:ext cx="5257800" cy="3281397"/>
-          </a:xfrm>
-          <a:prstGeom prst="rect">
-            <a:avLst/>
-          </a:prstGeom>
-        </p:spPr>
-      </p:pic>
-      <p:sp>
-        <p:nvSpPr>
-          <p:cNvPr id="16" name="Content Placeholder 14">
-            <a:extLst>
-              <a:ext uri="{FF2B5EF4-FFF2-40B4-BE49-F238E27FC236}">
-                <a16:creationId xmlns:a16="http://schemas.microsoft.com/office/drawing/2014/main" id="{1C898A6D-CB3A-699C-D6F0-8EA78B729F48}"/>
+      <p:sp>
+        <p:nvSpPr>
+          <p:cNvPr id="15" name="Content Placeholder 14">
+            <a:extLst>
+              <a:ext uri="{FF2B5EF4-FFF2-40B4-BE49-F238E27FC236}">
+                <a16:creationId xmlns:a16="http://schemas.microsoft.com/office/drawing/2014/main" id="{0DE4AC6A-3FAF-881B-86DE-A0BFC3B4250F}"/>
               </a:ext>
             </a:extLst>
           </p:cNvPr>
@@ -14700,39 +14890,118 @@
             <p:ph idx="1"/>
           </p:nvPr>
         </p:nvSpPr>
-        <p:spPr>
-          <a:xfrm>
-            <a:off x="838200" y="1825625"/>
-            <a:ext cx="5214257" cy="1325563"/>
-          </a:xfrm>
-        </p:spPr>
+        <p:spPr/>
         <p:txBody>
           <a:bodyPr>
             <a:normAutofit/>
           </a:bodyPr>
           <a:lstStyle/>
           <a:p>
-            <a:pPr marL="457200" lvl="1" indent="0">
-              <a:buNone/>
-            </a:pPr>
+            <a:pPr lvl="1"/>
+            <a:r>
+              <a:rPr lang="en-US" dirty="0"/>
+              <a:t>Benchmarks are very similar to unit tests. The whole difference is that testing is replaced by benchmarking.</a:t>
+            </a:r>
+          </a:p>
+          <a:p>
+            <a:pPr lvl="1"/>
+            <a:r>
+              <a:rPr lang="en-US" dirty="0"/>
+              <a:t>Usually, benchmark run some function in a look with given number of N iterations.</a:t>
+            </a:r>
+          </a:p>
+          <a:p>
+            <a:pPr lvl="1"/>
+            <a:r>
+              <a:rPr lang="en-US" dirty="0"/>
+              <a:t>The files with unit tests are ended with </a:t>
+            </a:r>
             <a:r>
               <a:rPr lang="en-US" dirty="0">
-                <a:hlinkClick r:id="rId4"/>
+                <a:latin typeface="Courier New" panose="02070309020205020404" pitchFamily="49" charset="0"/>
+                <a:cs typeface="Courier New" panose="02070309020205020404" pitchFamily="49" charset="0"/>
               </a:rPr>
-              <a:t>Go by Example: HTTP Server</a:t>
-            </a:r>
+              <a:t>_</a:t>
+            </a:r>
+            <a:r>
+              <a:rPr lang="en-US" dirty="0" err="1">
+                <a:latin typeface="Courier New" panose="02070309020205020404" pitchFamily="49" charset="0"/>
+                <a:cs typeface="Courier New" panose="02070309020205020404" pitchFamily="49" charset="0"/>
+              </a:rPr>
+              <a:t>test.go</a:t>
+            </a:r>
+            <a:r>
+              <a:rPr lang="en-US" dirty="0"/>
+              <a:t>.</a:t>
+            </a:r>
+          </a:p>
+          <a:p>
+            <a:pPr lvl="1"/>
+            <a:r>
+              <a:rPr lang="en-US" dirty="0"/>
+              <a:t>The tests are in functions starting with Benchmark and one parameter </a:t>
+            </a:r>
+            <a:r>
+              <a:rPr lang="en-US" dirty="0">
+                <a:latin typeface="Courier New" panose="02070309020205020404" pitchFamily="49" charset="0"/>
+                <a:cs typeface="Courier New" panose="02070309020205020404" pitchFamily="49" charset="0"/>
+              </a:rPr>
+              <a:t>*</a:t>
+            </a:r>
+            <a:r>
+              <a:rPr lang="en-US" dirty="0" err="1">
+                <a:latin typeface="Courier New" panose="02070309020205020404" pitchFamily="49" charset="0"/>
+                <a:cs typeface="Courier New" panose="02070309020205020404" pitchFamily="49" charset="0"/>
+              </a:rPr>
+              <a:t>testing.B</a:t>
+            </a:r>
+            <a:r>
+              <a:rPr lang="en-US" dirty="0"/>
+              <a:t>.</a:t>
+            </a:r>
+          </a:p>
+          <a:p>
+            <a:pPr lvl="1"/>
+            <a:r>
+              <a:rPr lang="en-US" dirty="0"/>
+              <a:t>The package </a:t>
+            </a:r>
+            <a:r>
+              <a:rPr lang="en-US" dirty="0">
+                <a:latin typeface="Courier New" panose="02070309020205020404" pitchFamily="49" charset="0"/>
+                <a:cs typeface="Courier New" panose="02070309020205020404" pitchFamily="49" charset="0"/>
+              </a:rPr>
+              <a:t>testing</a:t>
+            </a:r>
+            <a:r>
+              <a:rPr lang="en-US" dirty="0"/>
+              <a:t> shall be imported in the file where benchmarks are stored.</a:t>
+            </a:r>
+          </a:p>
+          <a:p>
+            <a:pPr lvl="1"/>
+            <a:r>
+              <a:rPr lang="en-US" dirty="0"/>
+              <a:t>A unit test may be started with command </a:t>
+            </a:r>
+            <a:r>
+              <a:rPr lang="en-US" dirty="0">
+                <a:latin typeface="Courier New" panose="02070309020205020404" pitchFamily="49" charset="0"/>
+                <a:cs typeface="Courier New" panose="02070309020205020404" pitchFamily="49" charset="0"/>
+              </a:rPr>
+              <a:t>go test –bench=.</a:t>
+            </a:r>
+            <a:r>
+              <a:rPr lang="en-US" dirty="0"/>
+              <a:t>.</a:t>
+            </a:r>
+          </a:p>
+          <a:p>
+            <a:pPr lvl="1"/>
             <a:endParaRPr lang="en-US" dirty="0"/>
           </a:p>
           <a:p>
-            <a:pPr marL="457200" lvl="1" indent="0">
-              <a:buNone/>
-            </a:pPr>
-            <a:r>
-              <a:rPr lang="en-US" dirty="0">
-                <a:hlinkClick r:id="rId5"/>
-              </a:rPr>
-              <a:t>Go by Example: HTTP Client</a:t>
-            </a:r>
+            <a:pPr lvl="1"/>
             <a:endParaRPr lang="en-US" dirty="0"/>
           </a:p>
           <a:p>
@@ -14743,7 +15012,7 @@
     </p:spTree>
     <p:extLst>
       <p:ext uri="{BB962C8B-B14F-4D97-AF65-F5344CB8AC3E}">
-        <p14:creationId xmlns:p14="http://schemas.microsoft.com/office/powerpoint/2010/main" val="238345219"/>
+        <p14:creationId xmlns:p14="http://schemas.microsoft.com/office/powerpoint/2010/main" val="453767092"/>
       </p:ext>
     </p:extLst>
   </p:cSld>
@@ -14799,7 +15068,7 @@
                   <a:schemeClr val="bg1"/>
                 </a:solidFill>
               </a:rPr>
-              <a:t>ENCODERS/DECODERS</a:t>
+              <a:t>API BUILDING</a:t>
             </a:r>
             <a:br>
               <a:rPr lang="en-US" sz="6000" dirty="0">
@@ -14842,25 +15111,13 @@
           <a:p>
             <a:r>
               <a:rPr lang="en-US" dirty="0"/>
-              <a:t>Structure annotations</a:t>
-            </a:r>
-          </a:p>
-          <a:p>
-            <a:r>
-              <a:rPr lang="en-US" dirty="0"/>
-              <a:t>JSON encoding/decoding</a:t>
-            </a:r>
-          </a:p>
-          <a:p>
-            <a:r>
-              <a:rPr lang="en-US" dirty="0"/>
-              <a:t>XML encoding/decoding</a:t>
-            </a:r>
-          </a:p>
-          <a:p>
-            <a:r>
-              <a:rPr lang="en-US" dirty="0"/>
-              <a:t>GORM: How to access a DB?</a:t>
+              <a:t>Standard library package net/http</a:t>
+            </a:r>
+          </a:p>
+          <a:p>
+            <a:r>
+              <a:rPr lang="en-US" dirty="0"/>
+              <a:t>An example of web client/server</a:t>
             </a:r>
           </a:p>
         </p:txBody>
@@ -14868,7 +15125,7 @@
     </p:spTree>
     <p:extLst>
       <p:ext uri="{BB962C8B-B14F-4D97-AF65-F5344CB8AC3E}">
-        <p14:creationId xmlns:p14="http://schemas.microsoft.com/office/powerpoint/2010/main" val="2792276725"/>
+        <p14:creationId xmlns:p14="http://schemas.microsoft.com/office/powerpoint/2010/main" val="2533359908"/>
       </p:ext>
     </p:extLst>
   </p:cSld>
@@ -14900,7 +15157,7 @@
           <p:cNvPr id="2" name="Title 1">
             <a:extLst>
               <a:ext uri="{FF2B5EF4-FFF2-40B4-BE49-F238E27FC236}">
-                <a16:creationId xmlns:a16="http://schemas.microsoft.com/office/drawing/2014/main" id="{CFACDA59-55A0-4EA5-B3E4-646D1D3B4CEB}"/>
+                <a16:creationId xmlns:a16="http://schemas.microsoft.com/office/drawing/2014/main" id="{01680E01-8B67-04EC-14E6-D825C3501335}"/>
               </a:ext>
             </a:extLst>
           </p:cNvPr>
@@ -14914,24 +15171,23 @@
         <p:spPr/>
         <p:txBody>
           <a:bodyPr>
-            <a:normAutofit/>
+            <a:normAutofit fontScale="90000"/>
           </a:bodyPr>
           <a:lstStyle/>
           <a:p>
             <a:r>
               <a:rPr lang="en-US" dirty="0"/>
-              <a:t>Structure annotations</a:t>
-            </a:r>
-            <a:endParaRPr lang="en-US" sz="5400" dirty="0"/>
-          </a:p>
-        </p:txBody>
-      </p:sp>
-      <p:sp>
-        <p:nvSpPr>
-          <p:cNvPr id="15" name="Content Placeholder 14">
-            <a:extLst>
-              <a:ext uri="{FF2B5EF4-FFF2-40B4-BE49-F238E27FC236}">
-                <a16:creationId xmlns:a16="http://schemas.microsoft.com/office/drawing/2014/main" id="{0DE4AC6A-3FAF-881B-86DE-A0BFC3B4250F}"/>
+              <a:t>Standard library package net/http</a:t>
+            </a:r>
+          </a:p>
+        </p:txBody>
+      </p:sp>
+      <p:sp>
+        <p:nvSpPr>
+          <p:cNvPr id="3" name="Content Placeholder 2">
+            <a:extLst>
+              <a:ext uri="{FF2B5EF4-FFF2-40B4-BE49-F238E27FC236}">
+                <a16:creationId xmlns:a16="http://schemas.microsoft.com/office/drawing/2014/main" id="{6D17A8E3-BFB1-D8AD-F761-CDF88B1ED6A7}"/>
               </a:ext>
             </a:extLst>
           </p:cNvPr>
@@ -14945,28 +15201,69 @@
         <p:spPr/>
         <p:txBody>
           <a:bodyPr>
-            <a:normAutofit/>
+            <a:normAutofit lnSpcReduction="10000"/>
           </a:bodyPr>
           <a:lstStyle/>
           <a:p>
-            <a:pPr marL="457200" lvl="1" indent="0">
-              <a:buNone/>
-            </a:pPr>
-            <a:r>
-              <a:rPr lang="en-US" dirty="0"/>
-              <a:t>Structure annotations are just comments. With reflection, they can be used to give hints to encoders/decoders in order to build terminal version of a structure – in a certain format, depending on the encoder/decoder.</a:t>
-            </a:r>
-          </a:p>
-          <a:p>
-            <a:pPr marL="457200" lvl="1" indent="0">
-              <a:buNone/>
-            </a:pPr>
-            <a:r>
-              <a:rPr lang="en-US" dirty="0"/>
-              <a:t>It can be JSON, XML, YAML, SQL statements covered by GORM, etc.</a:t>
-            </a:r>
-          </a:p>
-          <a:p>
+            <a:r>
+              <a:rPr lang="en-US" dirty="0"/>
+              <a:t>Very rich standard library allows quick &amp; easy creation of web services.</a:t>
+            </a:r>
+          </a:p>
+          <a:p>
+            <a:r>
+              <a:rPr lang="en-US" dirty="0"/>
+              <a:t>The main notion is a handler. It connects a request with a response. </a:t>
+            </a:r>
+          </a:p>
+          <a:p>
+            <a:r>
+              <a:rPr lang="en-US" dirty="0"/>
+              <a:t>This happens on a specific path. Some query attributes can be added. The pats may have variable parts which may be used to store the id of resources.</a:t>
+            </a:r>
+          </a:p>
+          <a:p>
+            <a:r>
+              <a:rPr lang="en-US" dirty="0"/>
+              <a:t>Some other parts may be controller, changing state of some resource.</a:t>
+            </a:r>
+          </a:p>
+          <a:p>
+            <a:r>
+              <a:rPr lang="en-US" dirty="0"/>
+              <a:t>This is called REST model. </a:t>
+            </a:r>
+          </a:p>
+          <a:p>
+            <a:endParaRPr lang="en-US" dirty="0"/>
+          </a:p>
+        </p:txBody>
+      </p:sp>
+      <p:sp>
+        <p:nvSpPr>
+          <p:cNvPr id="4" name="Slide Number Placeholder 3">
+            <a:extLst>
+              <a:ext uri="{FF2B5EF4-FFF2-40B4-BE49-F238E27FC236}">
+                <a16:creationId xmlns:a16="http://schemas.microsoft.com/office/drawing/2014/main" id="{21428A20-EEB6-23BD-E57E-96FF15578001}"/>
+              </a:ext>
+            </a:extLst>
+          </p:cNvPr>
+          <p:cNvSpPr>
+            <a:spLocks noGrp="1"/>
+          </p:cNvSpPr>
+          <p:nvPr>
+            <p:ph type="sldNum" sz="quarter" idx="12"/>
+          </p:nvPr>
+        </p:nvSpPr>
+        <p:spPr/>
+        <p:txBody>
+          <a:bodyPr/>
+          <a:lstStyle/>
+          <a:p>
+            <a:fld id="{D8DA9DAA-006C-4F4B-980E-E3DF019B24E2}" type="slidenum">
+              <a:rPr lang="en-US" smtClean="0"/>
+              <a:t>25</a:t>
+            </a:fld>
             <a:endParaRPr lang="en-US" dirty="0"/>
           </a:p>
         </p:txBody>
@@ -14974,7 +15271,7 @@
     </p:spTree>
     <p:extLst>
       <p:ext uri="{BB962C8B-B14F-4D97-AF65-F5344CB8AC3E}">
-        <p14:creationId xmlns:p14="http://schemas.microsoft.com/office/powerpoint/2010/main" val="3103700676"/>
+        <p14:creationId xmlns:p14="http://schemas.microsoft.com/office/powerpoint/2010/main" val="2216711703"/>
       </p:ext>
     </p:extLst>
   </p:cSld>
@@ -15026,69 +15323,18 @@
           <a:p>
             <a:r>
               <a:rPr lang="en-US" dirty="0"/>
-              <a:t>JSON encoding/decoding</a:t>
+              <a:t>Example of web client/server</a:t>
             </a:r>
             <a:endParaRPr lang="en-US" sz="5400" dirty="0"/>
-          </a:p>
-        </p:txBody>
-      </p:sp>
-      <p:sp>
-        <p:nvSpPr>
-          <p:cNvPr id="15" name="Content Placeholder 14">
-            <a:extLst>
-              <a:ext uri="{FF2B5EF4-FFF2-40B4-BE49-F238E27FC236}">
-                <a16:creationId xmlns:a16="http://schemas.microsoft.com/office/drawing/2014/main" id="{0DE4AC6A-3FAF-881B-86DE-A0BFC3B4250F}"/>
-              </a:ext>
-            </a:extLst>
-          </p:cNvPr>
-          <p:cNvSpPr>
-            <a:spLocks noGrp="1"/>
-          </p:cNvSpPr>
-          <p:nvPr>
-            <p:ph idx="1"/>
-          </p:nvPr>
-        </p:nvSpPr>
-        <p:spPr/>
-        <p:txBody>
-          <a:bodyPr>
-            <a:normAutofit/>
-          </a:bodyPr>
-          <a:lstStyle/>
-          <a:p>
-            <a:pPr marL="457200" lvl="1" indent="0">
-              <a:buNone/>
-            </a:pPr>
-            <a:r>
-              <a:rPr lang="en-US" dirty="0"/>
-              <a:t>JSON annotations in structures are facilitating encoding/decoding of JSON messages.</a:t>
-            </a:r>
-          </a:p>
-          <a:p>
-            <a:pPr marL="457200" lvl="1" indent="0">
-              <a:buNone/>
-            </a:pPr>
-            <a:r>
-              <a:rPr lang="en-US" dirty="0"/>
-              <a:t>This is part of standard library.</a:t>
-            </a:r>
-          </a:p>
-          <a:p>
-            <a:pPr marL="457200" lvl="1" indent="0">
-              <a:buNone/>
-            </a:pPr>
-            <a:endParaRPr lang="en-US" dirty="0"/>
-          </a:p>
-          <a:p>
-            <a:endParaRPr lang="en-US" dirty="0"/>
           </a:p>
         </p:txBody>
       </p:sp>
       <p:pic>
         <p:nvPicPr>
-          <p:cNvPr id="6" name="Picture 5">
-            <a:extLst>
-              <a:ext uri="{FF2B5EF4-FFF2-40B4-BE49-F238E27FC236}">
-                <a16:creationId xmlns:a16="http://schemas.microsoft.com/office/drawing/2014/main" id="{353D3A87-C5EF-1769-0180-555D4B707292}"/>
+          <p:cNvPr id="12" name="Picture 11">
+            <a:extLst>
+              <a:ext uri="{FF2B5EF4-FFF2-40B4-BE49-F238E27FC236}">
+                <a16:creationId xmlns:a16="http://schemas.microsoft.com/office/drawing/2014/main" id="{D28FF441-FE1A-7759-9B7B-A0EA7D885BF7}"/>
               </a:ext>
             </a:extLst>
           </p:cNvPr>
@@ -15105,18 +15351,179 @@
         </p:blipFill>
         <p:spPr>
           <a:xfrm>
-            <a:off x="6576810" y="2446878"/>
-            <a:ext cx="3390533" cy="4045997"/>
+            <a:off x="6245157" y="1577558"/>
+            <a:ext cx="5108645" cy="4984692"/>
           </a:xfrm>
           <a:prstGeom prst="rect">
             <a:avLst/>
           </a:prstGeom>
         </p:spPr>
       </p:pic>
+      <p:pic>
+        <p:nvPicPr>
+          <p:cNvPr id="14" name="Picture 13">
+            <a:extLst>
+              <a:ext uri="{FF2B5EF4-FFF2-40B4-BE49-F238E27FC236}">
+                <a16:creationId xmlns:a16="http://schemas.microsoft.com/office/drawing/2014/main" id="{F7AB7A53-480C-3F38-2F6E-4FB252B1F80F}"/>
+              </a:ext>
+            </a:extLst>
+          </p:cNvPr>
+          <p:cNvPicPr>
+            <a:picLocks noChangeAspect="1"/>
+          </p:cNvPicPr>
+          <p:nvPr/>
+        </p:nvPicPr>
+        <p:blipFill>
+          <a:blip r:embed="rId3"/>
+          <a:stretch>
+            <a:fillRect/>
+          </a:stretch>
+        </p:blipFill>
+        <p:spPr>
+          <a:xfrm>
+            <a:off x="838200" y="3319271"/>
+            <a:ext cx="5257800" cy="3281397"/>
+          </a:xfrm>
+          <a:prstGeom prst="rect">
+            <a:avLst/>
+          </a:prstGeom>
+        </p:spPr>
+      </p:pic>
+      <p:sp>
+        <p:nvSpPr>
+          <p:cNvPr id="16" name="Content Placeholder 14">
+            <a:extLst>
+              <a:ext uri="{FF2B5EF4-FFF2-40B4-BE49-F238E27FC236}">
+                <a16:creationId xmlns:a16="http://schemas.microsoft.com/office/drawing/2014/main" id="{1C898A6D-CB3A-699C-D6F0-8EA78B729F48}"/>
+              </a:ext>
+            </a:extLst>
+          </p:cNvPr>
+          <p:cNvSpPr>
+            <a:spLocks noGrp="1"/>
+          </p:cNvSpPr>
+          <p:nvPr>
+            <p:ph idx="1"/>
+          </p:nvPr>
+        </p:nvSpPr>
+        <p:spPr>
+          <a:xfrm>
+            <a:off x="859971" y="1828800"/>
+            <a:ext cx="5214257" cy="1142774"/>
+          </a:xfrm>
+        </p:spPr>
+        <p:txBody>
+          <a:bodyPr>
+            <a:normAutofit fontScale="70000" lnSpcReduction="20000"/>
+          </a:bodyPr>
+          <a:lstStyle/>
+          <a:p>
+            <a:r>
+              <a:rPr lang="en-US" dirty="0" err="1">
+                <a:hlinkClick r:id="rId4"/>
+              </a:rPr>
+              <a:t>golang</a:t>
+            </a:r>
+            <a:r>
+              <a:rPr lang="en-US" dirty="0">
+                <a:hlinkClick r:id="rId4"/>
+              </a:rPr>
+              <a:t>-q-a/examples/2/</a:t>
+            </a:r>
+            <a:r>
+              <a:rPr lang="en-US" dirty="0" err="1">
+                <a:hlinkClick r:id="rId4"/>
+              </a:rPr>
+              <a:t>client.go</a:t>
+            </a:r>
+            <a:r>
+              <a:rPr lang="en-US" dirty="0">
+                <a:hlinkClick r:id="rId4"/>
+              </a:rPr>
+              <a:t> at main · </a:t>
+            </a:r>
+            <a:r>
+              <a:rPr lang="en-US" dirty="0" err="1">
+                <a:hlinkClick r:id="rId4"/>
+              </a:rPr>
+              <a:t>nbondarczuk</a:t>
+            </a:r>
+            <a:r>
+              <a:rPr lang="en-US" dirty="0">
+                <a:hlinkClick r:id="rId4"/>
+              </a:rPr>
+              <a:t>/</a:t>
+            </a:r>
+            <a:r>
+              <a:rPr lang="en-US" dirty="0" err="1">
+                <a:hlinkClick r:id="rId4"/>
+              </a:rPr>
+              <a:t>golang</a:t>
+            </a:r>
+            <a:r>
+              <a:rPr lang="en-US" dirty="0">
+                <a:hlinkClick r:id="rId4"/>
+              </a:rPr>
+              <a:t>-q-a · GitHub</a:t>
+            </a:r>
+            <a:endParaRPr lang="en-US" dirty="0"/>
+          </a:p>
+          <a:p>
+            <a:r>
+              <a:rPr lang="en-US" dirty="0" err="1">
+                <a:hlinkClick r:id="rId5"/>
+              </a:rPr>
+              <a:t>golang</a:t>
+            </a:r>
+            <a:r>
+              <a:rPr lang="en-US" dirty="0">
+                <a:hlinkClick r:id="rId5"/>
+              </a:rPr>
+              <a:t>-q-a/examples/2/</a:t>
+            </a:r>
+            <a:r>
+              <a:rPr lang="en-US" dirty="0" err="1">
+                <a:hlinkClick r:id="rId5"/>
+              </a:rPr>
+              <a:t>server.go</a:t>
+            </a:r>
+            <a:r>
+              <a:rPr lang="en-US" dirty="0">
+                <a:hlinkClick r:id="rId5"/>
+              </a:rPr>
+              <a:t> at main · </a:t>
+            </a:r>
+            <a:r>
+              <a:rPr lang="en-US" dirty="0" err="1">
+                <a:hlinkClick r:id="rId5"/>
+              </a:rPr>
+              <a:t>nbondarczuk</a:t>
+            </a:r>
+            <a:r>
+              <a:rPr lang="en-US" dirty="0">
+                <a:hlinkClick r:id="rId5"/>
+              </a:rPr>
+              <a:t>/</a:t>
+            </a:r>
+            <a:r>
+              <a:rPr lang="en-US" dirty="0" err="1">
+                <a:hlinkClick r:id="rId5"/>
+              </a:rPr>
+              <a:t>golang</a:t>
+            </a:r>
+            <a:r>
+              <a:rPr lang="en-US" dirty="0">
+                <a:hlinkClick r:id="rId5"/>
+              </a:rPr>
+              <a:t>-q-a · GitHub</a:t>
+            </a:r>
+            <a:endParaRPr lang="en-US" dirty="0"/>
+          </a:p>
+        </p:txBody>
+      </p:sp>
     </p:spTree>
     <p:extLst>
       <p:ext uri="{BB962C8B-B14F-4D97-AF65-F5344CB8AC3E}">
-        <p14:creationId xmlns:p14="http://schemas.microsoft.com/office/powerpoint/2010/main" val="906944782"/>
+        <p14:creationId xmlns:p14="http://schemas.microsoft.com/office/powerpoint/2010/main" val="238345219"/>
       </p:ext>
     </p:extLst>
   </p:cSld>
@@ -15148,7 +15555,7 @@
           <p:cNvPr id="2" name="Title 1">
             <a:extLst>
               <a:ext uri="{FF2B5EF4-FFF2-40B4-BE49-F238E27FC236}">
-                <a16:creationId xmlns:a16="http://schemas.microsoft.com/office/drawing/2014/main" id="{CFACDA59-55A0-4EA5-B3E4-646D1D3B4CEB}"/>
+                <a16:creationId xmlns:a16="http://schemas.microsoft.com/office/drawing/2014/main" id="{C5F2FB0B-15EC-453B-BC9B-69AD35DDCEA3}"/>
               </a:ext>
             </a:extLst>
           </p:cNvPr>
@@ -15156,7 +15563,7 @@
             <a:spLocks noGrp="1"/>
           </p:cNvSpPr>
           <p:nvPr>
-            <p:ph type="title"/>
+            <p:ph type="ctrTitle"/>
           </p:nvPr>
         </p:nvSpPr>
         <p:spPr/>
@@ -15167,19 +15574,30 @@
           <a:lstStyle/>
           <a:p>
             <a:r>
-              <a:rPr lang="en-US" dirty="0"/>
-              <a:t>XML encoding/decoding</a:t>
-            </a:r>
-            <a:endParaRPr lang="en-US" sz="5400" dirty="0"/>
-          </a:p>
-        </p:txBody>
-      </p:sp>
-      <p:sp>
-        <p:nvSpPr>
-          <p:cNvPr id="15" name="Content Placeholder 14">
-            <a:extLst>
-              <a:ext uri="{FF2B5EF4-FFF2-40B4-BE49-F238E27FC236}">
-                <a16:creationId xmlns:a16="http://schemas.microsoft.com/office/drawing/2014/main" id="{0DE4AC6A-3FAF-881B-86DE-A0BFC3B4250F}"/>
+              <a:rPr lang="en-US" sz="6000" dirty="0">
+                <a:solidFill>
+                  <a:schemeClr val="bg1"/>
+                </a:solidFill>
+              </a:rPr>
+              <a:t>ENCODERS/DECODERS</a:t>
+            </a:r>
+            <a:br>
+              <a:rPr lang="en-US" sz="6000" dirty="0">
+                <a:solidFill>
+                  <a:schemeClr val="bg1"/>
+                </a:solidFill>
+              </a:rPr>
+            </a:br>
+            <a:endParaRPr lang="en-US" dirty="0"/>
+          </a:p>
+        </p:txBody>
+      </p:sp>
+      <p:sp>
+        <p:nvSpPr>
+          <p:cNvPr id="3" name="Subtitle 2">
+            <a:extLst>
+              <a:ext uri="{FF2B5EF4-FFF2-40B4-BE49-F238E27FC236}">
+                <a16:creationId xmlns:a16="http://schemas.microsoft.com/office/drawing/2014/main" id="{05408798-0DB3-46BF-880E-7BB904D700F6}"/>
               </a:ext>
             </a:extLst>
           </p:cNvPr>
@@ -15187,78 +15605,50 @@
             <a:spLocks noGrp="1"/>
           </p:cNvSpPr>
           <p:nvPr>
-            <p:ph idx="1"/>
+            <p:ph type="subTitle" idx="1"/>
           </p:nvPr>
         </p:nvSpPr>
-        <p:spPr/>
+        <p:spPr>
+          <a:xfrm>
+            <a:off x="1527048" y="3858767"/>
+            <a:ext cx="9144000" cy="2752097"/>
+          </a:xfrm>
+        </p:spPr>
         <p:txBody>
           <a:bodyPr>
             <a:normAutofit/>
           </a:bodyPr>
           <a:lstStyle/>
           <a:p>
-            <a:pPr marL="457200" lvl="1" indent="0">
-              <a:buNone/>
-            </a:pPr>
-            <a:r>
-              <a:rPr lang="en-US" dirty="0"/>
-              <a:t>XML annotations in structures are facilitating encoding/decoding of XML messages.</a:t>
-            </a:r>
-          </a:p>
-          <a:p>
-            <a:pPr marL="457200" lvl="1" indent="0">
-              <a:buNone/>
-            </a:pPr>
-            <a:r>
-              <a:rPr lang="en-US" dirty="0"/>
-              <a:t>This is part of standard library.</a:t>
-            </a:r>
-          </a:p>
-          <a:p>
-            <a:pPr marL="457200" lvl="1" indent="0">
-              <a:buNone/>
-            </a:pPr>
-            <a:endParaRPr lang="en-US" dirty="0"/>
-          </a:p>
-          <a:p>
-            <a:endParaRPr lang="en-US" dirty="0"/>
-          </a:p>
-        </p:txBody>
-      </p:sp>
-      <p:pic>
-        <p:nvPicPr>
-          <p:cNvPr id="4" name="Picture 3">
-            <a:extLst>
-              <a:ext uri="{FF2B5EF4-FFF2-40B4-BE49-F238E27FC236}">
-                <a16:creationId xmlns:a16="http://schemas.microsoft.com/office/drawing/2014/main" id="{1E2B43E4-9F9A-7240-F0C8-7775B318DFC6}"/>
-              </a:ext>
-            </a:extLst>
-          </p:cNvPr>
-          <p:cNvPicPr>
-            <a:picLocks noChangeAspect="1"/>
-          </p:cNvPicPr>
-          <p:nvPr/>
-        </p:nvPicPr>
-        <p:blipFill>
-          <a:blip r:embed="rId2"/>
-          <a:stretch>
-            <a:fillRect/>
-          </a:stretch>
-        </p:blipFill>
-        <p:spPr>
-          <a:xfrm>
-            <a:off x="6464840" y="2301572"/>
-            <a:ext cx="3475416" cy="4191303"/>
-          </a:xfrm>
-          <a:prstGeom prst="rect">
-            <a:avLst/>
-          </a:prstGeom>
-        </p:spPr>
-      </p:pic>
+            <a:r>
+              <a:rPr lang="en-US" dirty="0"/>
+              <a:t>Structure annotations</a:t>
+            </a:r>
+          </a:p>
+          <a:p>
+            <a:r>
+              <a:rPr lang="en-US" dirty="0"/>
+              <a:t>JSON encoding/decoding</a:t>
+            </a:r>
+          </a:p>
+          <a:p>
+            <a:r>
+              <a:rPr lang="en-US" dirty="0"/>
+              <a:t>XML encoding/decoding</a:t>
+            </a:r>
+          </a:p>
+          <a:p>
+            <a:r>
+              <a:rPr lang="en-US" dirty="0"/>
+              <a:t>GORM: How to access a DB?</a:t>
+            </a:r>
+          </a:p>
+        </p:txBody>
+      </p:sp>
     </p:spTree>
     <p:extLst>
       <p:ext uri="{BB962C8B-B14F-4D97-AF65-F5344CB8AC3E}">
-        <p14:creationId xmlns:p14="http://schemas.microsoft.com/office/powerpoint/2010/main" val="2597853229"/>
+        <p14:creationId xmlns:p14="http://schemas.microsoft.com/office/powerpoint/2010/main" val="2792276725"/>
       </p:ext>
     </p:extLst>
   </p:cSld>
@@ -15310,7 +15700,7 @@
           <a:p>
             <a:r>
               <a:rPr lang="en-US" dirty="0"/>
-              <a:t>GORM: How to access a DB?</a:t>
+              <a:t>Structure annotations</a:t>
             </a:r>
             <a:endParaRPr lang="en-US" sz="5400" dirty="0"/>
           </a:p>
@@ -15339,36 +15729,25 @@
           </a:bodyPr>
           <a:lstStyle/>
           <a:p>
-            <a:pPr marL="457200" lvl="1" indent="0">
-              <a:buNone/>
-            </a:pPr>
-            <a:r>
-              <a:rPr lang="en-US" dirty="0">
-                <a:hlinkClick r:id="rId2"/>
-              </a:rPr>
-              <a:t>GORM - The fantastic ORM library for Golang, aims to be developer friendly.</a:t>
-            </a:r>
-            <a:endParaRPr lang="en-US" dirty="0"/>
-          </a:p>
-          <a:p>
-            <a:pPr marL="457200" lvl="1" indent="0">
-              <a:buNone/>
-            </a:pPr>
-            <a:endParaRPr lang="en-US" dirty="0">
-              <a:hlinkClick r:id="rId3"/>
-            </a:endParaRPr>
-          </a:p>
-          <a:p>
-            <a:pPr marL="457200" lvl="1" indent="0">
-              <a:buNone/>
-            </a:pPr>
-            <a:r>
-              <a:rPr lang="en-US" dirty="0">
-                <a:hlinkClick r:id="rId3"/>
-              </a:rPr>
-              <a:t>go-gorm/gorm: The fantastic ORM library for Golang, aims to be developer friendly (github.com)</a:t>
-            </a:r>
-            <a:endParaRPr lang="en-US" dirty="0"/>
+            <a:pPr lvl="1"/>
+            <a:r>
+              <a:rPr lang="en-US" dirty="0"/>
+              <a:t>Structure annotations are just comments on the fields of a structure. </a:t>
+            </a:r>
+          </a:p>
+          <a:p>
+            <a:pPr lvl="1"/>
+            <a:r>
+              <a:rPr lang="en-US" dirty="0"/>
+              <a:t>With reflection, they can be used to give hints to encoders/decoders in order to build terminal version of a structure – in a certain format, depending on the encoder/decoder.</a:t>
+            </a:r>
+          </a:p>
+          <a:p>
+            <a:pPr lvl="1"/>
+            <a:r>
+              <a:rPr lang="en-US" dirty="0"/>
+              <a:t>It can be JSON, XML, YAML, SQL statements covered by GORM, etc.</a:t>
+            </a:r>
           </a:p>
           <a:p>
             <a:endParaRPr lang="en-US" dirty="0"/>
@@ -15378,7 +15757,7 @@
     </p:spTree>
     <p:extLst>
       <p:ext uri="{BB962C8B-B14F-4D97-AF65-F5344CB8AC3E}">
-        <p14:creationId xmlns:p14="http://schemas.microsoft.com/office/powerpoint/2010/main" val="532013138"/>
+        <p14:creationId xmlns:p14="http://schemas.microsoft.com/office/powerpoint/2010/main" val="3103700676"/>
       </p:ext>
     </p:extLst>
   </p:cSld>
@@ -15410,7 +15789,7 @@
           <p:cNvPr id="2" name="Title 1">
             <a:extLst>
               <a:ext uri="{FF2B5EF4-FFF2-40B4-BE49-F238E27FC236}">
-                <a16:creationId xmlns:a16="http://schemas.microsoft.com/office/drawing/2014/main" id="{C5F2FB0B-15EC-453B-BC9B-69AD35DDCEA3}"/>
+                <a16:creationId xmlns:a16="http://schemas.microsoft.com/office/drawing/2014/main" id="{CFACDA59-55A0-4EA5-B3E4-646D1D3B4CEB}"/>
               </a:ext>
             </a:extLst>
           </p:cNvPr>
@@ -15418,41 +15797,30 @@
             <a:spLocks noGrp="1"/>
           </p:cNvSpPr>
           <p:nvPr>
-            <p:ph type="ctrTitle"/>
+            <p:ph type="title"/>
           </p:nvPr>
         </p:nvSpPr>
         <p:spPr/>
         <p:txBody>
           <a:bodyPr>
-            <a:normAutofit fontScale="90000"/>
+            <a:normAutofit/>
           </a:bodyPr>
           <a:lstStyle/>
           <a:p>
             <a:r>
-              <a:rPr lang="en-US" sz="6000" dirty="0">
-                <a:solidFill>
-                  <a:schemeClr val="bg1"/>
-                </a:solidFill>
-              </a:rPr>
-              <a:t>QUESTION AND ANSWERS</a:t>
-            </a:r>
-            <a:br>
-              <a:rPr lang="en-US" sz="6000" dirty="0">
-                <a:solidFill>
-                  <a:schemeClr val="bg1"/>
-                </a:solidFill>
-              </a:rPr>
-            </a:br>
-            <a:endParaRPr lang="en-US" dirty="0"/>
-          </a:p>
-        </p:txBody>
-      </p:sp>
-      <p:sp>
-        <p:nvSpPr>
-          <p:cNvPr id="3" name="Subtitle 2">
-            <a:extLst>
-              <a:ext uri="{FF2B5EF4-FFF2-40B4-BE49-F238E27FC236}">
-                <a16:creationId xmlns:a16="http://schemas.microsoft.com/office/drawing/2014/main" id="{05408798-0DB3-46BF-880E-7BB904D700F6}"/>
+              <a:rPr lang="en-US" dirty="0"/>
+              <a:t>JSON encoding/decoding</a:t>
+            </a:r>
+            <a:endParaRPr lang="en-US" sz="5400" dirty="0"/>
+          </a:p>
+        </p:txBody>
+      </p:sp>
+      <p:sp>
+        <p:nvSpPr>
+          <p:cNvPr id="15" name="Content Placeholder 14">
+            <a:extLst>
+              <a:ext uri="{FF2B5EF4-FFF2-40B4-BE49-F238E27FC236}">
+                <a16:creationId xmlns:a16="http://schemas.microsoft.com/office/drawing/2014/main" id="{0DE4AC6A-3FAF-881B-86DE-A0BFC3B4250F}"/>
               </a:ext>
             </a:extLst>
           </p:cNvPr>
@@ -15460,13 +15828,13 @@
             <a:spLocks noGrp="1"/>
           </p:cNvSpPr>
           <p:nvPr>
-            <p:ph type="subTitle" idx="1"/>
+            <p:ph idx="1"/>
           </p:nvPr>
         </p:nvSpPr>
         <p:spPr>
           <a:xfrm>
-            <a:off x="1527048" y="3858767"/>
-            <a:ext cx="9144000" cy="2752097"/>
+            <a:off x="838200" y="1825625"/>
+            <a:ext cx="5045529" cy="4351338"/>
           </a:xfrm>
         </p:spPr>
         <p:txBody>
@@ -15475,17 +15843,68 @@
           </a:bodyPr>
           <a:lstStyle/>
           <a:p>
-            <a:r>
-              <a:rPr lang="en-US" dirty="0"/>
-              <a:t>???</a:t>
-            </a:r>
-          </a:p>
-        </p:txBody>
-      </p:sp>
+            <a:pPr marL="457200" lvl="1" indent="0">
+              <a:buNone/>
+            </a:pPr>
+            <a:r>
+              <a:rPr lang="en-US" dirty="0"/>
+              <a:t>JSON annotations in structures are facilitating encoding/decoding of JSON messages.</a:t>
+            </a:r>
+          </a:p>
+          <a:p>
+            <a:pPr marL="457200" lvl="1" indent="0">
+              <a:buNone/>
+            </a:pPr>
+            <a:r>
+              <a:rPr lang="en-US" dirty="0"/>
+              <a:t>This is part of standard library.</a:t>
+            </a:r>
+          </a:p>
+          <a:p>
+            <a:pPr marL="457200" lvl="1" indent="0">
+              <a:buNone/>
+            </a:pPr>
+            <a:endParaRPr lang="en-US" dirty="0"/>
+          </a:p>
+          <a:p>
+            <a:endParaRPr lang="en-US" dirty="0"/>
+          </a:p>
+        </p:txBody>
+      </p:sp>
+      <p:pic>
+        <p:nvPicPr>
+          <p:cNvPr id="6" name="Picture 5">
+            <a:extLst>
+              <a:ext uri="{FF2B5EF4-FFF2-40B4-BE49-F238E27FC236}">
+                <a16:creationId xmlns:a16="http://schemas.microsoft.com/office/drawing/2014/main" id="{353D3A87-C5EF-1769-0180-555D4B707292}"/>
+              </a:ext>
+            </a:extLst>
+          </p:cNvPr>
+          <p:cNvPicPr>
+            <a:picLocks noChangeAspect="1"/>
+          </p:cNvPicPr>
+          <p:nvPr/>
+        </p:nvPicPr>
+        <p:blipFill>
+          <a:blip r:embed="rId2"/>
+          <a:stretch>
+            <a:fillRect/>
+          </a:stretch>
+        </p:blipFill>
+        <p:spPr>
+          <a:xfrm>
+            <a:off x="6870724" y="2027778"/>
+            <a:ext cx="3390533" cy="4045997"/>
+          </a:xfrm>
+          <a:prstGeom prst="rect">
+            <a:avLst/>
+          </a:prstGeom>
+        </p:spPr>
+      </p:pic>
     </p:spTree>
     <p:extLst>
       <p:ext uri="{BB962C8B-B14F-4D97-AF65-F5344CB8AC3E}">
-        <p14:creationId xmlns:p14="http://schemas.microsoft.com/office/powerpoint/2010/main" val="2748183101"/>
+        <p14:creationId xmlns:p14="http://schemas.microsoft.com/office/powerpoint/2010/main" val="906944782"/>
       </p:ext>
     </p:extLst>
   </p:cSld>
@@ -15621,12 +16040,8 @@
           </a:p>
           <a:p>
             <a:r>
-              <a:rPr lang="en-US" dirty="0" err="1"/>
-              <a:t>Polymorfism</a:t>
-            </a:r>
-            <a:r>
-              <a:rPr lang="en-US" dirty="0"/>
-              <a:t>: how it is done?</a:t>
+              <a:rPr lang="en-US" dirty="0"/>
+              <a:t>Polymorphism: how it is done?</a:t>
             </a:r>
           </a:p>
           <a:p>
@@ -15710,7 +16125,7 @@
           <a:p>
             <a:r>
               <a:rPr lang="en-US" dirty="0"/>
-              <a:t>Go proverbs</a:t>
+              <a:t>XML encoding/decoding</a:t>
             </a:r>
             <a:endParaRPr lang="en-US" sz="5400" dirty="0"/>
           </a:p>
@@ -15732,137 +16147,80 @@
             <p:ph idx="1"/>
           </p:nvPr>
         </p:nvSpPr>
-        <p:spPr/>
+        <p:spPr>
+          <a:xfrm>
+            <a:off x="838200" y="1825625"/>
+            <a:ext cx="5377543" cy="4351338"/>
+          </a:xfrm>
+        </p:spPr>
         <p:txBody>
           <a:bodyPr>
-            <a:normAutofit fontScale="85000" lnSpcReduction="20000"/>
+            <a:normAutofit/>
           </a:bodyPr>
           <a:lstStyle/>
-          <a:p>
-            <a:pPr lvl="1"/>
-            <a:r>
-              <a:rPr lang="en-US" dirty="0"/>
-              <a:t>Errors are values.</a:t>
-            </a:r>
-          </a:p>
-          <a:p>
-            <a:pPr lvl="1"/>
-            <a:r>
-              <a:rPr lang="en-US" dirty="0"/>
-              <a:t>Don’t just check errors, handle them gracefully.</a:t>
-            </a:r>
-          </a:p>
-          <a:p>
-            <a:pPr lvl="1"/>
-            <a:r>
-              <a:rPr lang="en-US" dirty="0"/>
-              <a:t>Don’t panic.</a:t>
-            </a:r>
-          </a:p>
-          <a:p>
-            <a:pPr lvl="1"/>
-            <a:r>
-              <a:rPr lang="en-US" dirty="0"/>
-              <a:t>Make the zero value useful.</a:t>
-            </a:r>
-          </a:p>
-          <a:p>
-            <a:pPr lvl="1"/>
-            <a:r>
-              <a:rPr lang="en-US" dirty="0"/>
-              <a:t>The bigger the interface, the weaker the abstraction.</a:t>
-            </a:r>
-          </a:p>
-          <a:p>
-            <a:pPr lvl="1"/>
-            <a:r>
-              <a:rPr lang="en-US" dirty="0"/>
-              <a:t>interface{} says nothing.</a:t>
-            </a:r>
-          </a:p>
-          <a:p>
-            <a:pPr lvl="1"/>
-            <a:r>
-              <a:rPr lang="en-US" dirty="0" err="1"/>
-              <a:t>Gofmt’s</a:t>
-            </a:r>
-            <a:r>
-              <a:rPr lang="en-US" dirty="0"/>
-              <a:t> style is no one’s favorite, yet </a:t>
-            </a:r>
-            <a:r>
-              <a:rPr lang="en-US" dirty="0" err="1"/>
-              <a:t>gofmt</a:t>
-            </a:r>
-            <a:r>
-              <a:rPr lang="en-US" dirty="0"/>
-              <a:t> is everyone’s favorite.</a:t>
-            </a:r>
-          </a:p>
-          <a:p>
-            <a:pPr lvl="1"/>
-            <a:r>
-              <a:rPr lang="en-US" dirty="0"/>
-              <a:t>Documentation is for users.</a:t>
-            </a:r>
-          </a:p>
-          <a:p>
-            <a:pPr lvl="1"/>
-            <a:r>
-              <a:rPr lang="en-US" dirty="0"/>
-              <a:t>A little copying is better than a little dependency.</a:t>
-            </a:r>
-          </a:p>
-          <a:p>
-            <a:pPr lvl="1"/>
-            <a:r>
-              <a:rPr lang="en-US" dirty="0"/>
-              <a:t>Clear is better than clever.</a:t>
-            </a:r>
-          </a:p>
-          <a:p>
-            <a:pPr lvl="1"/>
-            <a:r>
-              <a:rPr lang="en-US" dirty="0"/>
-              <a:t>Concurrency is not parallelism.</a:t>
-            </a:r>
-          </a:p>
-          <a:p>
-            <a:pPr lvl="1"/>
-            <a:r>
-              <a:rPr lang="en-US" dirty="0"/>
-              <a:t>Don’t communicate by sharing memory, share memory by communicating.</a:t>
-            </a:r>
-          </a:p>
-          <a:p>
-            <a:pPr lvl="1"/>
-            <a:r>
-              <a:rPr lang="en-US" dirty="0"/>
-              <a:t>Channels orchestrate; mutexes serialize.</a:t>
-            </a:r>
-          </a:p>
-          <a:p>
-            <a:pPr lvl="1"/>
-            <a:endParaRPr lang="en-US" dirty="0"/>
-          </a:p>
           <a:p>
             <a:pPr marL="457200" lvl="1" indent="0">
               <a:buNone/>
             </a:pPr>
             <a:r>
               <a:rPr lang="en-US" dirty="0"/>
-              <a:t>Rob Pike, Go Proverbs (see go-proverbs.github.io)”</a:t>
-            </a:r>
-          </a:p>
-          <a:p>
+              <a:t>XML annotations in structures are facilitating encoding/decoding of XML messages.</a:t>
+            </a:r>
+          </a:p>
+          <a:p>
+            <a:pPr marL="457200" lvl="1" indent="0">
+              <a:buNone/>
+            </a:pPr>
+            <a:r>
+              <a:rPr lang="en-US" dirty="0"/>
+              <a:t>This is part of standard library.</a:t>
+            </a:r>
+          </a:p>
+          <a:p>
+            <a:pPr marL="457200" lvl="1" indent="0">
+              <a:buNone/>
+            </a:pPr>
             <a:endParaRPr lang="en-US" dirty="0"/>
           </a:p>
-        </p:txBody>
-      </p:sp>
+          <a:p>
+            <a:endParaRPr lang="en-US" dirty="0"/>
+          </a:p>
+        </p:txBody>
+      </p:sp>
+      <p:pic>
+        <p:nvPicPr>
+          <p:cNvPr id="4" name="Picture 3">
+            <a:extLst>
+              <a:ext uri="{FF2B5EF4-FFF2-40B4-BE49-F238E27FC236}">
+                <a16:creationId xmlns:a16="http://schemas.microsoft.com/office/drawing/2014/main" id="{1E2B43E4-9F9A-7240-F0C8-7775B318DFC6}"/>
+              </a:ext>
+            </a:extLst>
+          </p:cNvPr>
+          <p:cNvPicPr>
+            <a:picLocks noChangeAspect="1"/>
+          </p:cNvPicPr>
+          <p:nvPr/>
+        </p:nvPicPr>
+        <p:blipFill>
+          <a:blip r:embed="rId2"/>
+          <a:stretch>
+            <a:fillRect/>
+          </a:stretch>
+        </p:blipFill>
+        <p:spPr>
+          <a:xfrm>
+            <a:off x="7047226" y="1985660"/>
+            <a:ext cx="3475416" cy="4191303"/>
+          </a:xfrm>
+          <a:prstGeom prst="rect">
+            <a:avLst/>
+          </a:prstGeom>
+        </p:spPr>
+      </p:pic>
     </p:spTree>
     <p:extLst>
       <p:ext uri="{BB962C8B-B14F-4D97-AF65-F5344CB8AC3E}">
-        <p14:creationId xmlns:p14="http://schemas.microsoft.com/office/powerpoint/2010/main" val="3184894582"/>
+        <p14:creationId xmlns:p14="http://schemas.microsoft.com/office/powerpoint/2010/main" val="2597853229"/>
       </p:ext>
     </p:extLst>
   </p:cSld>
@@ -15891,6 +16249,1231 @@
       </p:grpSpPr>
       <p:sp>
         <p:nvSpPr>
+          <p:cNvPr id="2" name="Title 1">
+            <a:extLst>
+              <a:ext uri="{FF2B5EF4-FFF2-40B4-BE49-F238E27FC236}">
+                <a16:creationId xmlns:a16="http://schemas.microsoft.com/office/drawing/2014/main" id="{0B887C47-49A0-405F-DB67-4D5263165BAB}"/>
+              </a:ext>
+            </a:extLst>
+          </p:cNvPr>
+          <p:cNvSpPr>
+            <a:spLocks noGrp="1"/>
+          </p:cNvSpPr>
+          <p:nvPr>
+            <p:ph type="title"/>
+          </p:nvPr>
+        </p:nvSpPr>
+        <p:spPr/>
+        <p:txBody>
+          <a:bodyPr>
+            <a:normAutofit/>
+          </a:bodyPr>
+          <a:lstStyle/>
+          <a:p>
+            <a:r>
+              <a:rPr lang="en-US" dirty="0"/>
+              <a:t>JSON/XML translator</a:t>
+            </a:r>
+          </a:p>
+        </p:txBody>
+      </p:sp>
+      <p:sp>
+        <p:nvSpPr>
+          <p:cNvPr id="3" name="Content Placeholder 2">
+            <a:extLst>
+              <a:ext uri="{FF2B5EF4-FFF2-40B4-BE49-F238E27FC236}">
+                <a16:creationId xmlns:a16="http://schemas.microsoft.com/office/drawing/2014/main" id="{ED64E0CF-05FA-9F7D-A768-2838EC9E023F}"/>
+              </a:ext>
+            </a:extLst>
+          </p:cNvPr>
+          <p:cNvSpPr>
+            <a:spLocks noGrp="1"/>
+          </p:cNvSpPr>
+          <p:nvPr>
+            <p:ph idx="1"/>
+          </p:nvPr>
+        </p:nvSpPr>
+        <p:spPr>
+          <a:xfrm>
+            <a:off x="838200" y="1825625"/>
+            <a:ext cx="7172459" cy="4351338"/>
+          </a:xfrm>
+        </p:spPr>
+        <p:txBody>
+          <a:bodyPr/>
+          <a:lstStyle/>
+          <a:p>
+            <a:r>
+              <a:rPr lang="en-US" dirty="0"/>
+              <a:t>Very simple server translating structure in one format to another.</a:t>
+            </a:r>
+          </a:p>
+          <a:p>
+            <a:r>
+              <a:rPr lang="en-US" dirty="0"/>
+              <a:t>It is done by adding annotations for both of the formats</a:t>
+            </a:r>
+          </a:p>
+          <a:p>
+            <a:r>
+              <a:rPr lang="en-US" dirty="0"/>
+              <a:t>The unit test is done with curl</a:t>
+            </a:r>
+          </a:p>
+          <a:p>
+            <a:r>
+              <a:rPr lang="en-US" dirty="0"/>
+              <a:t>Full example at: </a:t>
+            </a:r>
+            <a:r>
+              <a:rPr lang="en-US" dirty="0" err="1">
+                <a:hlinkClick r:id="rId2"/>
+              </a:rPr>
+              <a:t>golang</a:t>
+            </a:r>
+            <a:r>
+              <a:rPr lang="en-US" dirty="0">
+                <a:hlinkClick r:id="rId2"/>
+              </a:rPr>
+              <a:t>-q-a/examples/3/</a:t>
+            </a:r>
+            <a:r>
+              <a:rPr lang="en-US" dirty="0" err="1">
+                <a:hlinkClick r:id="rId2"/>
+              </a:rPr>
+              <a:t>server.go</a:t>
+            </a:r>
+            <a:r>
+              <a:rPr lang="en-US" dirty="0">
+                <a:hlinkClick r:id="rId2"/>
+              </a:rPr>
+              <a:t> at main · </a:t>
+            </a:r>
+            <a:r>
+              <a:rPr lang="en-US" dirty="0" err="1">
+                <a:hlinkClick r:id="rId2"/>
+              </a:rPr>
+              <a:t>nbondarczuk</a:t>
+            </a:r>
+            <a:r>
+              <a:rPr lang="en-US" dirty="0">
+                <a:hlinkClick r:id="rId2"/>
+              </a:rPr>
+              <a:t>/</a:t>
+            </a:r>
+            <a:r>
+              <a:rPr lang="en-US" dirty="0" err="1">
+                <a:hlinkClick r:id="rId2"/>
+              </a:rPr>
+              <a:t>golang</a:t>
+            </a:r>
+            <a:r>
+              <a:rPr lang="en-US" dirty="0">
+                <a:hlinkClick r:id="rId2"/>
+              </a:rPr>
+              <a:t>-q-a · GitHub</a:t>
+            </a:r>
+            <a:endParaRPr lang="en-US" dirty="0"/>
+          </a:p>
+        </p:txBody>
+      </p:sp>
+      <p:sp>
+        <p:nvSpPr>
+          <p:cNvPr id="4" name="Slide Number Placeholder 3">
+            <a:extLst>
+              <a:ext uri="{FF2B5EF4-FFF2-40B4-BE49-F238E27FC236}">
+                <a16:creationId xmlns:a16="http://schemas.microsoft.com/office/drawing/2014/main" id="{AABA6E0C-C216-F983-CA62-D7D6790E97C1}"/>
+              </a:ext>
+            </a:extLst>
+          </p:cNvPr>
+          <p:cNvSpPr>
+            <a:spLocks noGrp="1"/>
+          </p:cNvSpPr>
+          <p:nvPr>
+            <p:ph type="sldNum" sz="quarter" idx="12"/>
+          </p:nvPr>
+        </p:nvSpPr>
+        <p:spPr/>
+        <p:txBody>
+          <a:bodyPr/>
+          <a:lstStyle/>
+          <a:p>
+            <a:fld id="{D8DA9DAA-006C-4F4B-980E-E3DF019B24E2}" type="slidenum">
+              <a:rPr lang="en-US" smtClean="0"/>
+              <a:t>31</a:t>
+            </a:fld>
+            <a:endParaRPr lang="en-US" dirty="0"/>
+          </a:p>
+        </p:txBody>
+      </p:sp>
+      <p:pic>
+        <p:nvPicPr>
+          <p:cNvPr id="6" name="Picture 5">
+            <a:extLst>
+              <a:ext uri="{FF2B5EF4-FFF2-40B4-BE49-F238E27FC236}">
+                <a16:creationId xmlns:a16="http://schemas.microsoft.com/office/drawing/2014/main" id="{767A09CE-6EE7-65B3-4BD7-C9A209EA459E}"/>
+              </a:ext>
+            </a:extLst>
+          </p:cNvPr>
+          <p:cNvPicPr>
+            <a:picLocks noChangeAspect="1"/>
+          </p:cNvPicPr>
+          <p:nvPr/>
+        </p:nvPicPr>
+        <p:blipFill>
+          <a:blip r:embed="rId3"/>
+          <a:stretch>
+            <a:fillRect/>
+          </a:stretch>
+        </p:blipFill>
+        <p:spPr>
+          <a:xfrm>
+            <a:off x="8292238" y="678064"/>
+            <a:ext cx="2991373" cy="5814811"/>
+          </a:xfrm>
+          <a:prstGeom prst="rect">
+            <a:avLst/>
+          </a:prstGeom>
+        </p:spPr>
+      </p:pic>
+    </p:spTree>
+    <p:extLst>
+      <p:ext uri="{BB962C8B-B14F-4D97-AF65-F5344CB8AC3E}">
+        <p14:creationId xmlns:p14="http://schemas.microsoft.com/office/powerpoint/2010/main" val="2472676362"/>
+      </p:ext>
+    </p:extLst>
+  </p:cSld>
+  <p:clrMapOvr>
+    <a:masterClrMapping/>
+  </p:clrMapOvr>
+</p:sld>
+</file>
+
+<file path=ppt/slides/slide32.xml><?xml version="1.0" encoding="utf-8"?>
+<p:sld xmlns:a="http://schemas.openxmlformats.org/drawingml/2006/main" xmlns:r="http://schemas.openxmlformats.org/officeDocument/2006/relationships" xmlns:p="http://schemas.openxmlformats.org/presentationml/2006/main">
+  <p:cSld>
+    <p:spTree>
+      <p:nvGrpSpPr>
+        <p:cNvPr id="1" name=""/>
+        <p:cNvGrpSpPr/>
+        <p:nvPr/>
+      </p:nvGrpSpPr>
+      <p:grpSpPr>
+        <a:xfrm>
+          <a:off x="0" y="0"/>
+          <a:ext cx="0" cy="0"/>
+          <a:chOff x="0" y="0"/>
+          <a:chExt cx="0" cy="0"/>
+        </a:xfrm>
+      </p:grpSpPr>
+      <p:sp>
+        <p:nvSpPr>
+          <p:cNvPr id="2" name="Title 1">
+            <a:extLst>
+              <a:ext uri="{FF2B5EF4-FFF2-40B4-BE49-F238E27FC236}">
+                <a16:creationId xmlns:a16="http://schemas.microsoft.com/office/drawing/2014/main" id="{CFACDA59-55A0-4EA5-B3E4-646D1D3B4CEB}"/>
+              </a:ext>
+            </a:extLst>
+          </p:cNvPr>
+          <p:cNvSpPr>
+            <a:spLocks noGrp="1"/>
+          </p:cNvSpPr>
+          <p:nvPr>
+            <p:ph type="title"/>
+          </p:nvPr>
+        </p:nvSpPr>
+        <p:spPr/>
+        <p:txBody>
+          <a:bodyPr>
+            <a:normAutofit/>
+          </a:bodyPr>
+          <a:lstStyle/>
+          <a:p>
+            <a:r>
+              <a:rPr lang="en-US" dirty="0"/>
+              <a:t>GORM: How to access a DB?</a:t>
+            </a:r>
+            <a:endParaRPr lang="en-US" sz="5400" dirty="0"/>
+          </a:p>
+        </p:txBody>
+      </p:sp>
+      <p:sp>
+        <p:nvSpPr>
+          <p:cNvPr id="15" name="Content Placeholder 14">
+            <a:extLst>
+              <a:ext uri="{FF2B5EF4-FFF2-40B4-BE49-F238E27FC236}">
+                <a16:creationId xmlns:a16="http://schemas.microsoft.com/office/drawing/2014/main" id="{0DE4AC6A-3FAF-881B-86DE-A0BFC3B4250F}"/>
+              </a:ext>
+            </a:extLst>
+          </p:cNvPr>
+          <p:cNvSpPr>
+            <a:spLocks noGrp="1"/>
+          </p:cNvSpPr>
+          <p:nvPr>
+            <p:ph idx="1"/>
+          </p:nvPr>
+        </p:nvSpPr>
+        <p:spPr/>
+        <p:txBody>
+          <a:bodyPr>
+            <a:normAutofit/>
+          </a:bodyPr>
+          <a:lstStyle/>
+          <a:p>
+            <a:pPr marL="457200" lvl="1" indent="0">
+              <a:buNone/>
+            </a:pPr>
+            <a:r>
+              <a:rPr lang="en-US" dirty="0">
+                <a:hlinkClick r:id="rId2"/>
+              </a:rPr>
+              <a:t>GORM - The fantastic ORM library for Golang, aims to be developer friendly.</a:t>
+            </a:r>
+            <a:endParaRPr lang="en-US" dirty="0">
+              <a:hlinkClick r:id="rId3"/>
+            </a:endParaRPr>
+          </a:p>
+          <a:p>
+            <a:pPr marL="457200" lvl="1" indent="0">
+              <a:buNone/>
+            </a:pPr>
+            <a:r>
+              <a:rPr lang="en-US" dirty="0">
+                <a:hlinkClick r:id="rId3"/>
+              </a:rPr>
+              <a:t>go-gorm/gorm: The fantastic ORM library for Golang, aims to be developer friendly (github.com)</a:t>
+            </a:r>
+            <a:endParaRPr lang="en-US" dirty="0"/>
+          </a:p>
+          <a:p>
+            <a:endParaRPr lang="en-US" dirty="0"/>
+          </a:p>
+        </p:txBody>
+      </p:sp>
+    </p:spTree>
+    <p:extLst>
+      <p:ext uri="{BB962C8B-B14F-4D97-AF65-F5344CB8AC3E}">
+        <p14:creationId xmlns:p14="http://schemas.microsoft.com/office/powerpoint/2010/main" val="532013138"/>
+      </p:ext>
+    </p:extLst>
+  </p:cSld>
+  <p:clrMapOvr>
+    <a:masterClrMapping/>
+  </p:clrMapOvr>
+</p:sld>
+</file>
+
+<file path=ppt/slides/slide33.xml><?xml version="1.0" encoding="utf-8"?>
+<p:sld xmlns:a="http://schemas.openxmlformats.org/drawingml/2006/main" xmlns:r="http://schemas.openxmlformats.org/officeDocument/2006/relationships" xmlns:p="http://schemas.openxmlformats.org/presentationml/2006/main">
+  <p:cSld>
+    <p:spTree>
+      <p:nvGrpSpPr>
+        <p:cNvPr id="1" name=""/>
+        <p:cNvGrpSpPr/>
+        <p:nvPr/>
+      </p:nvGrpSpPr>
+      <p:grpSpPr>
+        <a:xfrm>
+          <a:off x="0" y="0"/>
+          <a:ext cx="0" cy="0"/>
+          <a:chOff x="0" y="0"/>
+          <a:chExt cx="0" cy="0"/>
+        </a:xfrm>
+      </p:grpSpPr>
+      <p:sp>
+        <p:nvSpPr>
+          <p:cNvPr id="2" name="Title 1">
+            <a:extLst>
+              <a:ext uri="{FF2B5EF4-FFF2-40B4-BE49-F238E27FC236}">
+                <a16:creationId xmlns:a16="http://schemas.microsoft.com/office/drawing/2014/main" id="{C5F2FB0B-15EC-453B-BC9B-69AD35DDCEA3}"/>
+              </a:ext>
+            </a:extLst>
+          </p:cNvPr>
+          <p:cNvSpPr>
+            <a:spLocks noGrp="1"/>
+          </p:cNvSpPr>
+          <p:nvPr>
+            <p:ph type="ctrTitle"/>
+          </p:nvPr>
+        </p:nvSpPr>
+        <p:spPr/>
+        <p:txBody>
+          <a:bodyPr>
+            <a:normAutofit fontScale="90000"/>
+          </a:bodyPr>
+          <a:lstStyle/>
+          <a:p>
+            <a:r>
+              <a:rPr lang="en-US" sz="6000" dirty="0">
+                <a:solidFill>
+                  <a:schemeClr val="bg1"/>
+                </a:solidFill>
+              </a:rPr>
+              <a:t>CONCURRENCY PATTERNS</a:t>
+            </a:r>
+            <a:br>
+              <a:rPr lang="en-US" sz="6000" dirty="0">
+                <a:solidFill>
+                  <a:schemeClr val="bg1"/>
+                </a:solidFill>
+              </a:rPr>
+            </a:br>
+            <a:endParaRPr lang="en-US" dirty="0"/>
+          </a:p>
+        </p:txBody>
+      </p:sp>
+      <p:sp>
+        <p:nvSpPr>
+          <p:cNvPr id="3" name="Subtitle 2">
+            <a:extLst>
+              <a:ext uri="{FF2B5EF4-FFF2-40B4-BE49-F238E27FC236}">
+                <a16:creationId xmlns:a16="http://schemas.microsoft.com/office/drawing/2014/main" id="{05408798-0DB3-46BF-880E-7BB904D700F6}"/>
+              </a:ext>
+            </a:extLst>
+          </p:cNvPr>
+          <p:cNvSpPr>
+            <a:spLocks noGrp="1"/>
+          </p:cNvSpPr>
+          <p:nvPr>
+            <p:ph type="subTitle" idx="1"/>
+          </p:nvPr>
+        </p:nvSpPr>
+        <p:spPr>
+          <a:xfrm>
+            <a:off x="1527048" y="3858767"/>
+            <a:ext cx="9144000" cy="2752097"/>
+          </a:xfrm>
+        </p:spPr>
+        <p:txBody>
+          <a:bodyPr>
+            <a:normAutofit/>
+          </a:bodyPr>
+          <a:lstStyle/>
+          <a:p>
+            <a:r>
+              <a:rPr lang="en-US" dirty="0"/>
+              <a:t>Workers pool</a:t>
+            </a:r>
+          </a:p>
+        </p:txBody>
+      </p:sp>
+    </p:spTree>
+    <p:extLst>
+      <p:ext uri="{BB962C8B-B14F-4D97-AF65-F5344CB8AC3E}">
+        <p14:creationId xmlns:p14="http://schemas.microsoft.com/office/powerpoint/2010/main" val="297969227"/>
+      </p:ext>
+    </p:extLst>
+  </p:cSld>
+  <p:clrMapOvr>
+    <a:masterClrMapping/>
+  </p:clrMapOvr>
+</p:sld>
+</file>
+
+<file path=ppt/slides/slide34.xml><?xml version="1.0" encoding="utf-8"?>
+<p:sld xmlns:a="http://schemas.openxmlformats.org/drawingml/2006/main" xmlns:r="http://schemas.openxmlformats.org/officeDocument/2006/relationships" xmlns:p="http://schemas.openxmlformats.org/presentationml/2006/main">
+  <p:cSld>
+    <p:spTree>
+      <p:nvGrpSpPr>
+        <p:cNvPr id="1" name=""/>
+        <p:cNvGrpSpPr/>
+        <p:nvPr/>
+      </p:nvGrpSpPr>
+      <p:grpSpPr>
+        <a:xfrm>
+          <a:off x="0" y="0"/>
+          <a:ext cx="0" cy="0"/>
+          <a:chOff x="0" y="0"/>
+          <a:chExt cx="0" cy="0"/>
+        </a:xfrm>
+      </p:grpSpPr>
+      <p:sp>
+        <p:nvSpPr>
+          <p:cNvPr id="2" name="Title 1">
+            <a:extLst>
+              <a:ext uri="{FF2B5EF4-FFF2-40B4-BE49-F238E27FC236}">
+                <a16:creationId xmlns:a16="http://schemas.microsoft.com/office/drawing/2014/main" id="{CFACDA59-55A0-4EA5-B3E4-646D1D3B4CEB}"/>
+              </a:ext>
+            </a:extLst>
+          </p:cNvPr>
+          <p:cNvSpPr>
+            <a:spLocks noGrp="1"/>
+          </p:cNvSpPr>
+          <p:nvPr>
+            <p:ph type="title"/>
+          </p:nvPr>
+        </p:nvSpPr>
+        <p:spPr/>
+        <p:txBody>
+          <a:bodyPr>
+            <a:normAutofit/>
+          </a:bodyPr>
+          <a:lstStyle/>
+          <a:p>
+            <a:r>
+              <a:rPr lang="en-US" dirty="0"/>
+              <a:t>Example of worker pool</a:t>
+            </a:r>
+            <a:endParaRPr lang="en-US" sz="5400" dirty="0"/>
+          </a:p>
+        </p:txBody>
+      </p:sp>
+      <p:pic>
+        <p:nvPicPr>
+          <p:cNvPr id="4" name="Content Placeholder 3">
+            <a:extLst>
+              <a:ext uri="{FF2B5EF4-FFF2-40B4-BE49-F238E27FC236}">
+                <a16:creationId xmlns:a16="http://schemas.microsoft.com/office/drawing/2014/main" id="{06279856-F563-11A1-1C63-ECEE4270C436}"/>
+              </a:ext>
+            </a:extLst>
+          </p:cNvPr>
+          <p:cNvPicPr>
+            <a:picLocks noGrp="1" noChangeAspect="1"/>
+          </p:cNvPicPr>
+          <p:nvPr>
+            <p:ph idx="1"/>
+          </p:nvPr>
+        </p:nvPicPr>
+        <p:blipFill>
+          <a:blip r:embed="rId2"/>
+          <a:stretch>
+            <a:fillRect/>
+          </a:stretch>
+        </p:blipFill>
+        <p:spPr>
+          <a:xfrm>
+            <a:off x="6850396" y="1813896"/>
+            <a:ext cx="4365746" cy="4351338"/>
+          </a:xfrm>
+        </p:spPr>
+      </p:pic>
+      <p:sp>
+        <p:nvSpPr>
+          <p:cNvPr id="7" name="Content Placeholder 2">
+            <a:extLst>
+              <a:ext uri="{FF2B5EF4-FFF2-40B4-BE49-F238E27FC236}">
+                <a16:creationId xmlns:a16="http://schemas.microsoft.com/office/drawing/2014/main" id="{991AB68B-38B0-3134-EC86-278418DF2FEA}"/>
+              </a:ext>
+            </a:extLst>
+          </p:cNvPr>
+          <p:cNvSpPr txBox="1">
+            <a:spLocks/>
+          </p:cNvSpPr>
+          <p:nvPr/>
+        </p:nvSpPr>
+        <p:spPr>
+          <a:xfrm>
+            <a:off x="838200" y="1825625"/>
+            <a:ext cx="5785757" cy="4215946"/>
+          </a:xfrm>
+          <a:prstGeom prst="rect">
+            <a:avLst/>
+          </a:prstGeom>
+        </p:spPr>
+        <p:txBody>
+          <a:bodyPr vert="horz" lIns="91440" tIns="45720" rIns="91440" bIns="45720" rtlCol="0">
+            <a:normAutofit/>
+          </a:bodyPr>
+          <a:lstStyle>
+            <a:lvl1pPr marL="228600" indent="-228600" algn="l" defTabSz="914400" rtl="0" eaLnBrk="1" latinLnBrk="0" hangingPunct="1">
+              <a:lnSpc>
+                <a:spcPct val="90000"/>
+              </a:lnSpc>
+              <a:spcBef>
+                <a:spcPts val="1000"/>
+              </a:spcBef>
+              <a:buFont typeface="Arial" panose="020B0604020202020204" pitchFamily="34" charset="0"/>
+              <a:buChar char="•"/>
+              <a:defRPr sz="2800" kern="1200">
+                <a:solidFill>
+                  <a:schemeClr val="tx1"/>
+                </a:solidFill>
+                <a:latin typeface="+mn-lt"/>
+                <a:ea typeface="+mn-ea"/>
+                <a:cs typeface="+mn-cs"/>
+              </a:defRPr>
+            </a:lvl1pPr>
+            <a:lvl2pPr marL="685800" indent="-228600" algn="l" defTabSz="914400" rtl="0" eaLnBrk="1" latinLnBrk="0" hangingPunct="1">
+              <a:lnSpc>
+                <a:spcPct val="90000"/>
+              </a:lnSpc>
+              <a:spcBef>
+                <a:spcPts val="500"/>
+              </a:spcBef>
+              <a:buFont typeface="Arial" panose="020B0604020202020204" pitchFamily="34" charset="0"/>
+              <a:buChar char="•"/>
+              <a:defRPr sz="2400" kern="1200">
+                <a:solidFill>
+                  <a:schemeClr val="tx1"/>
+                </a:solidFill>
+                <a:latin typeface="+mn-lt"/>
+                <a:ea typeface="+mn-ea"/>
+                <a:cs typeface="+mn-cs"/>
+              </a:defRPr>
+            </a:lvl2pPr>
+            <a:lvl3pPr marL="1143000" indent="-228600" algn="l" defTabSz="914400" rtl="0" eaLnBrk="1" latinLnBrk="0" hangingPunct="1">
+              <a:lnSpc>
+                <a:spcPct val="90000"/>
+              </a:lnSpc>
+              <a:spcBef>
+                <a:spcPts val="500"/>
+              </a:spcBef>
+              <a:buFont typeface="Arial" panose="020B0604020202020204" pitchFamily="34" charset="0"/>
+              <a:buChar char="•"/>
+              <a:defRPr sz="2000" kern="1200">
+                <a:solidFill>
+                  <a:schemeClr val="tx1"/>
+                </a:solidFill>
+                <a:latin typeface="+mn-lt"/>
+                <a:ea typeface="+mn-ea"/>
+                <a:cs typeface="+mn-cs"/>
+              </a:defRPr>
+            </a:lvl3pPr>
+            <a:lvl4pPr marL="1600200" indent="-228600" algn="l" defTabSz="914400" rtl="0" eaLnBrk="1" latinLnBrk="0" hangingPunct="1">
+              <a:lnSpc>
+                <a:spcPct val="90000"/>
+              </a:lnSpc>
+              <a:spcBef>
+                <a:spcPts val="500"/>
+              </a:spcBef>
+              <a:buFont typeface="Arial" panose="020B0604020202020204" pitchFamily="34" charset="0"/>
+              <a:buChar char="•"/>
+              <a:defRPr sz="1800" kern="1200">
+                <a:solidFill>
+                  <a:schemeClr val="tx1"/>
+                </a:solidFill>
+                <a:latin typeface="+mn-lt"/>
+                <a:ea typeface="+mn-ea"/>
+                <a:cs typeface="+mn-cs"/>
+              </a:defRPr>
+            </a:lvl4pPr>
+            <a:lvl5pPr marL="2057400" indent="-228600" algn="l" defTabSz="914400" rtl="0" eaLnBrk="1" latinLnBrk="0" hangingPunct="1">
+              <a:lnSpc>
+                <a:spcPct val="90000"/>
+              </a:lnSpc>
+              <a:spcBef>
+                <a:spcPts val="500"/>
+              </a:spcBef>
+              <a:buFont typeface="Arial" panose="020B0604020202020204" pitchFamily="34" charset="0"/>
+              <a:buChar char="•"/>
+              <a:defRPr sz="1800" kern="1200">
+                <a:solidFill>
+                  <a:schemeClr val="tx1"/>
+                </a:solidFill>
+                <a:latin typeface="+mn-lt"/>
+                <a:ea typeface="+mn-ea"/>
+                <a:cs typeface="+mn-cs"/>
+              </a:defRPr>
+            </a:lvl5pPr>
+            <a:lvl6pPr marL="2514600" indent="-228600" algn="l" defTabSz="914400" rtl="0" eaLnBrk="1" latinLnBrk="0" hangingPunct="1">
+              <a:lnSpc>
+                <a:spcPct val="90000"/>
+              </a:lnSpc>
+              <a:spcBef>
+                <a:spcPts val="500"/>
+              </a:spcBef>
+              <a:buFont typeface="Arial" panose="020B0604020202020204" pitchFamily="34" charset="0"/>
+              <a:buChar char="•"/>
+              <a:defRPr sz="1800" kern="1200">
+                <a:solidFill>
+                  <a:schemeClr val="tx1"/>
+                </a:solidFill>
+                <a:latin typeface="+mn-lt"/>
+                <a:ea typeface="+mn-ea"/>
+                <a:cs typeface="+mn-cs"/>
+              </a:defRPr>
+            </a:lvl6pPr>
+            <a:lvl7pPr marL="2971800" indent="-228600" algn="l" defTabSz="914400" rtl="0" eaLnBrk="1" latinLnBrk="0" hangingPunct="1">
+              <a:lnSpc>
+                <a:spcPct val="90000"/>
+              </a:lnSpc>
+              <a:spcBef>
+                <a:spcPts val="500"/>
+              </a:spcBef>
+              <a:buFont typeface="Arial" panose="020B0604020202020204" pitchFamily="34" charset="0"/>
+              <a:buChar char="•"/>
+              <a:defRPr sz="1800" kern="1200">
+                <a:solidFill>
+                  <a:schemeClr val="tx1"/>
+                </a:solidFill>
+                <a:latin typeface="+mn-lt"/>
+                <a:ea typeface="+mn-ea"/>
+                <a:cs typeface="+mn-cs"/>
+              </a:defRPr>
+            </a:lvl7pPr>
+            <a:lvl8pPr marL="3429000" indent="-228600" algn="l" defTabSz="914400" rtl="0" eaLnBrk="1" latinLnBrk="0" hangingPunct="1">
+              <a:lnSpc>
+                <a:spcPct val="90000"/>
+              </a:lnSpc>
+              <a:spcBef>
+                <a:spcPts val="500"/>
+              </a:spcBef>
+              <a:buFont typeface="Arial" panose="020B0604020202020204" pitchFamily="34" charset="0"/>
+              <a:buChar char="•"/>
+              <a:defRPr sz="1800" kern="1200">
+                <a:solidFill>
+                  <a:schemeClr val="tx1"/>
+                </a:solidFill>
+                <a:latin typeface="+mn-lt"/>
+                <a:ea typeface="+mn-ea"/>
+                <a:cs typeface="+mn-cs"/>
+              </a:defRPr>
+            </a:lvl8pPr>
+            <a:lvl9pPr marL="3886200" indent="-228600" algn="l" defTabSz="914400" rtl="0" eaLnBrk="1" latinLnBrk="0" hangingPunct="1">
+              <a:lnSpc>
+                <a:spcPct val="90000"/>
+              </a:lnSpc>
+              <a:spcBef>
+                <a:spcPts val="500"/>
+              </a:spcBef>
+              <a:buFont typeface="Arial" panose="020B0604020202020204" pitchFamily="34" charset="0"/>
+              <a:buChar char="•"/>
+              <a:defRPr sz="1800" kern="1200">
+                <a:solidFill>
+                  <a:schemeClr val="tx1"/>
+                </a:solidFill>
+                <a:latin typeface="+mn-lt"/>
+                <a:ea typeface="+mn-ea"/>
+                <a:cs typeface="+mn-cs"/>
+              </a:defRPr>
+            </a:lvl9pPr>
+          </a:lstStyle>
+          <a:p>
+            <a:r>
+              <a:rPr lang="en-US" dirty="0"/>
+              <a:t>This is more complex example of a pool of workers processing fixed number of task concurrently.</a:t>
+            </a:r>
+          </a:p>
+          <a:p>
+            <a:r>
+              <a:rPr lang="en-US" dirty="0" err="1">
+                <a:hlinkClick r:id="rId3"/>
+              </a:rPr>
+              <a:t>golang</a:t>
+            </a:r>
+            <a:r>
+              <a:rPr lang="en-US" dirty="0">
+                <a:hlinkClick r:id="rId3"/>
+              </a:rPr>
+              <a:t>-q-a/examples/4/</a:t>
+            </a:r>
+            <a:r>
+              <a:rPr lang="en-US" dirty="0" err="1">
+                <a:hlinkClick r:id="rId3"/>
+              </a:rPr>
+              <a:t>workers.go</a:t>
+            </a:r>
+            <a:r>
+              <a:rPr lang="en-US" dirty="0">
+                <a:hlinkClick r:id="rId3"/>
+              </a:rPr>
+              <a:t> at main · </a:t>
+            </a:r>
+            <a:r>
+              <a:rPr lang="en-US" dirty="0" err="1">
+                <a:hlinkClick r:id="rId3"/>
+              </a:rPr>
+              <a:t>nbondarczuk</a:t>
+            </a:r>
+            <a:r>
+              <a:rPr lang="en-US" dirty="0">
+                <a:hlinkClick r:id="rId3"/>
+              </a:rPr>
+              <a:t>/</a:t>
+            </a:r>
+            <a:r>
+              <a:rPr lang="en-US" dirty="0" err="1">
+                <a:hlinkClick r:id="rId3"/>
+              </a:rPr>
+              <a:t>golang</a:t>
+            </a:r>
+            <a:r>
+              <a:rPr lang="en-US" dirty="0">
+                <a:hlinkClick r:id="rId3"/>
+              </a:rPr>
+              <a:t>-q-a · GitHub</a:t>
+            </a:r>
+            <a:endParaRPr lang="en-US" dirty="0"/>
+          </a:p>
+        </p:txBody>
+      </p:sp>
+    </p:spTree>
+    <p:extLst>
+      <p:ext uri="{BB962C8B-B14F-4D97-AF65-F5344CB8AC3E}">
+        <p14:creationId xmlns:p14="http://schemas.microsoft.com/office/powerpoint/2010/main" val="3269644050"/>
+      </p:ext>
+    </p:extLst>
+  </p:cSld>
+  <p:clrMapOvr>
+    <a:masterClrMapping/>
+  </p:clrMapOvr>
+</p:sld>
+</file>
+
+<file path=ppt/slides/slide35.xml><?xml version="1.0" encoding="utf-8"?>
+<p:sld xmlns:a="http://schemas.openxmlformats.org/drawingml/2006/main" xmlns:r="http://schemas.openxmlformats.org/officeDocument/2006/relationships" xmlns:p="http://schemas.openxmlformats.org/presentationml/2006/main">
+  <p:cSld>
+    <p:spTree>
+      <p:nvGrpSpPr>
+        <p:cNvPr id="1" name=""/>
+        <p:cNvGrpSpPr/>
+        <p:nvPr/>
+      </p:nvGrpSpPr>
+      <p:grpSpPr>
+        <a:xfrm>
+          <a:off x="0" y="0"/>
+          <a:ext cx="0" cy="0"/>
+          <a:chOff x="0" y="0"/>
+          <a:chExt cx="0" cy="0"/>
+        </a:xfrm>
+      </p:grpSpPr>
+      <p:sp>
+        <p:nvSpPr>
+          <p:cNvPr id="2" name="Title 1">
+            <a:extLst>
+              <a:ext uri="{FF2B5EF4-FFF2-40B4-BE49-F238E27FC236}">
+                <a16:creationId xmlns:a16="http://schemas.microsoft.com/office/drawing/2014/main" id="{C5F2FB0B-15EC-453B-BC9B-69AD35DDCEA3}"/>
+              </a:ext>
+            </a:extLst>
+          </p:cNvPr>
+          <p:cNvSpPr>
+            <a:spLocks noGrp="1"/>
+          </p:cNvSpPr>
+          <p:nvPr>
+            <p:ph type="ctrTitle"/>
+          </p:nvPr>
+        </p:nvSpPr>
+        <p:spPr/>
+        <p:txBody>
+          <a:bodyPr>
+            <a:normAutofit fontScale="90000"/>
+          </a:bodyPr>
+          <a:lstStyle/>
+          <a:p>
+            <a:r>
+              <a:rPr lang="en-US" sz="6000" dirty="0">
+                <a:solidFill>
+                  <a:schemeClr val="bg1"/>
+                </a:solidFill>
+              </a:rPr>
+              <a:t>QUESTION AND ANSWERS</a:t>
+            </a:r>
+            <a:br>
+              <a:rPr lang="en-US" sz="6000" dirty="0">
+                <a:solidFill>
+                  <a:schemeClr val="bg1"/>
+                </a:solidFill>
+              </a:rPr>
+            </a:br>
+            <a:endParaRPr lang="en-US" dirty="0"/>
+          </a:p>
+        </p:txBody>
+      </p:sp>
+      <p:sp>
+        <p:nvSpPr>
+          <p:cNvPr id="3" name="Subtitle 2">
+            <a:extLst>
+              <a:ext uri="{FF2B5EF4-FFF2-40B4-BE49-F238E27FC236}">
+                <a16:creationId xmlns:a16="http://schemas.microsoft.com/office/drawing/2014/main" id="{05408798-0DB3-46BF-880E-7BB904D700F6}"/>
+              </a:ext>
+            </a:extLst>
+          </p:cNvPr>
+          <p:cNvSpPr>
+            <a:spLocks noGrp="1"/>
+          </p:cNvSpPr>
+          <p:nvPr>
+            <p:ph type="subTitle" idx="1"/>
+          </p:nvPr>
+        </p:nvSpPr>
+        <p:spPr>
+          <a:xfrm>
+            <a:off x="1527048" y="3858767"/>
+            <a:ext cx="9144000" cy="2752097"/>
+          </a:xfrm>
+        </p:spPr>
+        <p:txBody>
+          <a:bodyPr>
+            <a:normAutofit/>
+          </a:bodyPr>
+          <a:lstStyle/>
+          <a:p>
+            <a:r>
+              <a:rPr lang="en-US" dirty="0"/>
+              <a:t>Go proverbs – quiz</a:t>
+            </a:r>
+          </a:p>
+          <a:p>
+            <a:r>
+              <a:rPr lang="en-US" dirty="0"/>
+              <a:t>Examples for workshop</a:t>
+            </a:r>
+          </a:p>
+        </p:txBody>
+      </p:sp>
+    </p:spTree>
+    <p:extLst>
+      <p:ext uri="{BB962C8B-B14F-4D97-AF65-F5344CB8AC3E}">
+        <p14:creationId xmlns:p14="http://schemas.microsoft.com/office/powerpoint/2010/main" val="2748183101"/>
+      </p:ext>
+    </p:extLst>
+  </p:cSld>
+  <p:clrMapOvr>
+    <a:masterClrMapping/>
+  </p:clrMapOvr>
+</p:sld>
+</file>
+
+<file path=ppt/slides/slide36.xml><?xml version="1.0" encoding="utf-8"?>
+<p:sld xmlns:a="http://schemas.openxmlformats.org/drawingml/2006/main" xmlns:r="http://schemas.openxmlformats.org/officeDocument/2006/relationships" xmlns:p="http://schemas.openxmlformats.org/presentationml/2006/main">
+  <p:cSld>
+    <p:spTree>
+      <p:nvGrpSpPr>
+        <p:cNvPr id="1" name=""/>
+        <p:cNvGrpSpPr/>
+        <p:nvPr/>
+      </p:nvGrpSpPr>
+      <p:grpSpPr>
+        <a:xfrm>
+          <a:off x="0" y="0"/>
+          <a:ext cx="0" cy="0"/>
+          <a:chOff x="0" y="0"/>
+          <a:chExt cx="0" cy="0"/>
+        </a:xfrm>
+      </p:grpSpPr>
+      <p:sp>
+        <p:nvSpPr>
+          <p:cNvPr id="2" name="Title 1">
+            <a:extLst>
+              <a:ext uri="{FF2B5EF4-FFF2-40B4-BE49-F238E27FC236}">
+                <a16:creationId xmlns:a16="http://schemas.microsoft.com/office/drawing/2014/main" id="{CFACDA59-55A0-4EA5-B3E4-646D1D3B4CEB}"/>
+              </a:ext>
+            </a:extLst>
+          </p:cNvPr>
+          <p:cNvSpPr>
+            <a:spLocks noGrp="1"/>
+          </p:cNvSpPr>
+          <p:nvPr>
+            <p:ph type="title"/>
+          </p:nvPr>
+        </p:nvSpPr>
+        <p:spPr/>
+        <p:txBody>
+          <a:bodyPr>
+            <a:normAutofit/>
+          </a:bodyPr>
+          <a:lstStyle/>
+          <a:p>
+            <a:r>
+              <a:rPr lang="en-US" dirty="0"/>
+              <a:t>Go proverbs - quiz</a:t>
+            </a:r>
+            <a:endParaRPr lang="en-US" sz="5400" dirty="0"/>
+          </a:p>
+        </p:txBody>
+      </p:sp>
+      <p:sp>
+        <p:nvSpPr>
+          <p:cNvPr id="15" name="Content Placeholder 14">
+            <a:extLst>
+              <a:ext uri="{FF2B5EF4-FFF2-40B4-BE49-F238E27FC236}">
+                <a16:creationId xmlns:a16="http://schemas.microsoft.com/office/drawing/2014/main" id="{0DE4AC6A-3FAF-881B-86DE-A0BFC3B4250F}"/>
+              </a:ext>
+            </a:extLst>
+          </p:cNvPr>
+          <p:cNvSpPr>
+            <a:spLocks noGrp="1"/>
+          </p:cNvSpPr>
+          <p:nvPr>
+            <p:ph idx="1"/>
+          </p:nvPr>
+        </p:nvSpPr>
+        <p:spPr/>
+        <p:txBody>
+          <a:bodyPr>
+            <a:normAutofit fontScale="85000" lnSpcReduction="20000"/>
+          </a:bodyPr>
+          <a:lstStyle/>
+          <a:p>
+            <a:pPr lvl="1"/>
+            <a:r>
+              <a:rPr lang="en-US" dirty="0"/>
+              <a:t>Errors are values.</a:t>
+            </a:r>
+          </a:p>
+          <a:p>
+            <a:pPr lvl="1"/>
+            <a:r>
+              <a:rPr lang="en-US" dirty="0"/>
+              <a:t>Don’t just check errors, handle them gracefully.</a:t>
+            </a:r>
+          </a:p>
+          <a:p>
+            <a:pPr lvl="1"/>
+            <a:r>
+              <a:rPr lang="en-US" dirty="0"/>
+              <a:t>Don’t panic.</a:t>
+            </a:r>
+          </a:p>
+          <a:p>
+            <a:pPr lvl="1"/>
+            <a:r>
+              <a:rPr lang="en-US" dirty="0"/>
+              <a:t>Make the zero value useful.</a:t>
+            </a:r>
+          </a:p>
+          <a:p>
+            <a:pPr lvl="1"/>
+            <a:r>
+              <a:rPr lang="en-US" dirty="0"/>
+              <a:t>The bigger the interface, the weaker the abstraction.</a:t>
+            </a:r>
+          </a:p>
+          <a:p>
+            <a:pPr lvl="1"/>
+            <a:r>
+              <a:rPr lang="en-US" dirty="0"/>
+              <a:t>interface{} says nothing.</a:t>
+            </a:r>
+          </a:p>
+          <a:p>
+            <a:pPr lvl="1"/>
+            <a:r>
+              <a:rPr lang="en-US" dirty="0" err="1"/>
+              <a:t>Gofmt’s</a:t>
+            </a:r>
+            <a:r>
+              <a:rPr lang="en-US" dirty="0"/>
+              <a:t> style is no one’s favorite, yet </a:t>
+            </a:r>
+            <a:r>
+              <a:rPr lang="en-US" dirty="0" err="1"/>
+              <a:t>gofmt</a:t>
+            </a:r>
+            <a:r>
+              <a:rPr lang="en-US" dirty="0"/>
+              <a:t> is everyone’s favorite.</a:t>
+            </a:r>
+          </a:p>
+          <a:p>
+            <a:pPr lvl="1"/>
+            <a:r>
+              <a:rPr lang="en-US" dirty="0"/>
+              <a:t>Documentation is for users.</a:t>
+            </a:r>
+          </a:p>
+          <a:p>
+            <a:pPr lvl="1"/>
+            <a:r>
+              <a:rPr lang="en-US" dirty="0"/>
+              <a:t>A little copying is better than a little dependency.</a:t>
+            </a:r>
+          </a:p>
+          <a:p>
+            <a:pPr lvl="1"/>
+            <a:r>
+              <a:rPr lang="en-US" dirty="0"/>
+              <a:t>Clear is better than clever.</a:t>
+            </a:r>
+          </a:p>
+          <a:p>
+            <a:pPr lvl="1"/>
+            <a:r>
+              <a:rPr lang="en-US" dirty="0"/>
+              <a:t>Concurrency is not parallelism.</a:t>
+            </a:r>
+          </a:p>
+          <a:p>
+            <a:pPr lvl="1"/>
+            <a:r>
+              <a:rPr lang="en-US" dirty="0"/>
+              <a:t>Don’t communicate by sharing memory, share memory by communicating.</a:t>
+            </a:r>
+          </a:p>
+          <a:p>
+            <a:pPr lvl="1"/>
+            <a:r>
+              <a:rPr lang="en-US" dirty="0"/>
+              <a:t>Channels orchestrate; mutexes serialize.</a:t>
+            </a:r>
+          </a:p>
+          <a:p>
+            <a:pPr lvl="1"/>
+            <a:endParaRPr lang="en-US" dirty="0"/>
+          </a:p>
+          <a:p>
+            <a:pPr marL="457200" lvl="1" indent="0">
+              <a:buNone/>
+            </a:pPr>
+            <a:r>
+              <a:rPr lang="en-US" dirty="0"/>
+              <a:t>Rob Pike, Go Proverbs (see go-proverbs.github.io)”</a:t>
+            </a:r>
+          </a:p>
+          <a:p>
+            <a:endParaRPr lang="en-US" dirty="0"/>
+          </a:p>
+        </p:txBody>
+      </p:sp>
+    </p:spTree>
+    <p:extLst>
+      <p:ext uri="{BB962C8B-B14F-4D97-AF65-F5344CB8AC3E}">
+        <p14:creationId xmlns:p14="http://schemas.microsoft.com/office/powerpoint/2010/main" val="3184894582"/>
+      </p:ext>
+    </p:extLst>
+  </p:cSld>
+  <p:clrMapOvr>
+    <a:masterClrMapping/>
+  </p:clrMapOvr>
+</p:sld>
+</file>
+
+<file path=ppt/slides/slide37.xml><?xml version="1.0" encoding="utf-8"?>
+<p:sld xmlns:a="http://schemas.openxmlformats.org/drawingml/2006/main" xmlns:r="http://schemas.openxmlformats.org/officeDocument/2006/relationships" xmlns:p="http://schemas.openxmlformats.org/presentationml/2006/main">
+  <p:cSld>
+    <p:spTree>
+      <p:nvGrpSpPr>
+        <p:cNvPr id="1" name=""/>
+        <p:cNvGrpSpPr/>
+        <p:nvPr/>
+      </p:nvGrpSpPr>
+      <p:grpSpPr>
+        <a:xfrm>
+          <a:off x="0" y="0"/>
+          <a:ext cx="0" cy="0"/>
+          <a:chOff x="0" y="0"/>
+          <a:chExt cx="0" cy="0"/>
+        </a:xfrm>
+      </p:grpSpPr>
+      <p:sp>
+        <p:nvSpPr>
+          <p:cNvPr id="2" name="Title 1">
+            <a:extLst>
+              <a:ext uri="{FF2B5EF4-FFF2-40B4-BE49-F238E27FC236}">
+                <a16:creationId xmlns:a16="http://schemas.microsoft.com/office/drawing/2014/main" id="{CFACDA59-55A0-4EA5-B3E4-646D1D3B4CEB}"/>
+              </a:ext>
+            </a:extLst>
+          </p:cNvPr>
+          <p:cNvSpPr>
+            <a:spLocks noGrp="1"/>
+          </p:cNvSpPr>
+          <p:nvPr>
+            <p:ph type="title"/>
+          </p:nvPr>
+        </p:nvSpPr>
+        <p:spPr/>
+        <p:txBody>
+          <a:bodyPr>
+            <a:normAutofit/>
+          </a:bodyPr>
+          <a:lstStyle/>
+          <a:p>
+            <a:r>
+              <a:rPr lang="en-US" dirty="0"/>
+              <a:t>Code examples for workshop</a:t>
+            </a:r>
+            <a:endParaRPr lang="en-US" sz="5400" dirty="0"/>
+          </a:p>
+        </p:txBody>
+      </p:sp>
+      <p:sp>
+        <p:nvSpPr>
+          <p:cNvPr id="15" name="Content Placeholder 14">
+            <a:extLst>
+              <a:ext uri="{FF2B5EF4-FFF2-40B4-BE49-F238E27FC236}">
+                <a16:creationId xmlns:a16="http://schemas.microsoft.com/office/drawing/2014/main" id="{0DE4AC6A-3FAF-881B-86DE-A0BFC3B4250F}"/>
+              </a:ext>
+            </a:extLst>
+          </p:cNvPr>
+          <p:cNvSpPr>
+            <a:spLocks noGrp="1"/>
+          </p:cNvSpPr>
+          <p:nvPr>
+            <p:ph idx="1"/>
+          </p:nvPr>
+        </p:nvSpPr>
+        <p:spPr/>
+        <p:txBody>
+          <a:bodyPr>
+            <a:normAutofit/>
+          </a:bodyPr>
+          <a:lstStyle/>
+          <a:p>
+            <a:r>
+              <a:rPr lang="en-US" dirty="0"/>
+              <a:t>Available at: </a:t>
+            </a:r>
+            <a:r>
+              <a:rPr lang="en-US" dirty="0" err="1">
+                <a:hlinkClick r:id="rId2"/>
+              </a:rPr>
+              <a:t>golang</a:t>
+            </a:r>
+            <a:r>
+              <a:rPr lang="en-US" dirty="0">
+                <a:hlinkClick r:id="rId2"/>
+              </a:rPr>
+              <a:t>-q-a/examples at main · </a:t>
+            </a:r>
+            <a:r>
+              <a:rPr lang="en-US" dirty="0" err="1">
+                <a:hlinkClick r:id="rId2"/>
+              </a:rPr>
+              <a:t>nbondarczuk</a:t>
+            </a:r>
+            <a:r>
+              <a:rPr lang="en-US" dirty="0">
+                <a:hlinkClick r:id="rId2"/>
+              </a:rPr>
+              <a:t>/</a:t>
+            </a:r>
+            <a:r>
+              <a:rPr lang="en-US" dirty="0" err="1">
+                <a:hlinkClick r:id="rId2"/>
+              </a:rPr>
+              <a:t>golang</a:t>
+            </a:r>
+            <a:r>
+              <a:rPr lang="en-US" dirty="0">
+                <a:hlinkClick r:id="rId2"/>
+              </a:rPr>
+              <a:t>-q-a · GitHub</a:t>
+            </a:r>
+            <a:endParaRPr lang="en-US" dirty="0"/>
+          </a:p>
+        </p:txBody>
+      </p:sp>
+    </p:spTree>
+    <p:extLst>
+      <p:ext uri="{BB962C8B-B14F-4D97-AF65-F5344CB8AC3E}">
+        <p14:creationId xmlns:p14="http://schemas.microsoft.com/office/powerpoint/2010/main" val="3384533040"/>
+      </p:ext>
+    </p:extLst>
+  </p:cSld>
+  <p:clrMapOvr>
+    <a:masterClrMapping/>
+  </p:clrMapOvr>
+</p:sld>
+</file>
+
+<file path=ppt/slides/slide38.xml><?xml version="1.0" encoding="utf-8"?>
+<p:sld xmlns:a="http://schemas.openxmlformats.org/drawingml/2006/main" xmlns:r="http://schemas.openxmlformats.org/officeDocument/2006/relationships" xmlns:p="http://schemas.openxmlformats.org/presentationml/2006/main">
+  <p:cSld>
+    <p:spTree>
+      <p:nvGrpSpPr>
+        <p:cNvPr id="1" name=""/>
+        <p:cNvGrpSpPr/>
+        <p:nvPr/>
+      </p:nvGrpSpPr>
+      <p:grpSpPr>
+        <a:xfrm>
+          <a:off x="0" y="0"/>
+          <a:ext cx="0" cy="0"/>
+          <a:chOff x="0" y="0"/>
+          <a:chExt cx="0" cy="0"/>
+        </a:xfrm>
+      </p:grpSpPr>
+      <p:sp>
+        <p:nvSpPr>
           <p:cNvPr id="22" name="Date Placeholder 21">
             <a:extLst>
               <a:ext uri="{FF2B5EF4-FFF2-40B4-BE49-F238E27FC236}">
@@ -15941,7 +17524,7 @@
             <a:fld id="{D8DA9DAA-006C-4F4B-980E-E3DF019B24E2}" type="slidenum">
               <a:rPr lang="en-US" smtClean="0"/>
               <a:pPr/>
-              <a:t>31</a:t>
+              <a:t>38</a:t>
             </a:fld>
             <a:endParaRPr lang="en-US" dirty="0"/>
           </a:p>
@@ -16078,7 +17661,7 @@
           <a:p>
             <a:r>
               <a:rPr lang="en-US" dirty="0"/>
-              <a:t>NorbertIgor.Bonda@hcl.com</a:t>
+              <a:t>Norbert.Bondarczuk@hp.com</a:t>
             </a:r>
           </a:p>
         </p:txBody>
@@ -16231,6 +17814,21 @@
             <a:r>
               <a:rPr lang="en-US" dirty="0"/>
               <a:t>, R. Pike, K. Thompson all working for Google (at the time).</a:t>
+            </a:r>
+          </a:p>
+          <a:p>
+            <a:pPr marL="457200" lvl="1" indent="0">
+              <a:buNone/>
+            </a:pPr>
+            <a:endParaRPr lang="en-US" dirty="0"/>
+          </a:p>
+          <a:p>
+            <a:pPr marL="457200" lvl="1" indent="0">
+              <a:buNone/>
+            </a:pPr>
+            <a:r>
+              <a:rPr lang="en-US" dirty="0"/>
+              <a:t>Recommended reading materials -&gt;</a:t>
             </a:r>
           </a:p>
           <a:p>
@@ -17600,15 +19198,6 @@
 </file>
 
 <file path=customXml/item1.xml><?xml version="1.0" encoding="utf-8"?>
-<?mso-contentType ?>
-<FormTemplates xmlns="http://schemas.microsoft.com/sharepoint/v3/contenttype/forms">
-  <Display>DocumentLibraryForm</Display>
-  <Edit>DocumentLibraryForm</Edit>
-  <New>DocumentLibraryForm</New>
-</FormTemplates>
-</file>
-
-<file path=customXml/item2.xml><?xml version="1.0" encoding="utf-8"?>
 <ct:contentTypeSchema xmlns:ct="http://schemas.microsoft.com/office/2006/metadata/contentType" xmlns:ma="http://schemas.microsoft.com/office/2006/metadata/properties/metaAttributes" ct:_="" ma:_="" ma:contentTypeName="Document" ma:contentTypeID="0x01010079F111ED35F8CC479449609E8A0923A6" ma:contentTypeVersion="12" ma:contentTypeDescription="Create a new document." ma:contentTypeScope="" ma:versionID="426e97fa315356fffbdcd9876fe988c2">
   <xsd:schema xmlns:xsd="http://www.w3.org/2001/XMLSchema" xmlns:xs="http://www.w3.org/2001/XMLSchema" xmlns:p="http://schemas.microsoft.com/office/2006/metadata/properties" xmlns:ns2="71af3243-3dd4-4a8d-8c0d-dd76da1f02a5" xmlns:ns3="16c05727-aa75-4e4a-9b5f-8a80a1165891" targetNamespace="http://schemas.microsoft.com/office/2006/metadata/properties" ma:root="true" ma:fieldsID="14b8f0def80e6d70ce3def20c90759ae" ns2:_="" ns3:_="">
     <xsd:import namespace="71af3243-3dd4-4a8d-8c0d-dd76da1f02a5"/>
@@ -17829,6 +19418,15 @@
 </ct:contentTypeSchema>
 </file>
 
+<file path=customXml/item2.xml><?xml version="1.0" encoding="utf-8"?>
+<?mso-contentType ?>
+<FormTemplates xmlns="http://schemas.microsoft.com/sharepoint/v3/contenttype/forms">
+  <Display>DocumentLibraryForm</Display>
+  <Edit>DocumentLibraryForm</Edit>
+  <New>DocumentLibraryForm</New>
+</FormTemplates>
+</file>
+
 <file path=customXml/item3.xml><?xml version="1.0" encoding="utf-8"?>
 <p:properties xmlns:p="http://schemas.microsoft.com/office/2006/metadata/properties" xmlns:xsi="http://www.w3.org/2001/XMLSchema-instance" xmlns:pc="http://schemas.microsoft.com/office/infopath/2007/PartnerControls">
   <documentManagement>
@@ -17839,14 +19437,6 @@
 </file>
 
 <file path=customXml/itemProps1.xml><?xml version="1.0" encoding="utf-8"?>
-<ds:datastoreItem xmlns:ds="http://schemas.openxmlformats.org/officeDocument/2006/customXml" ds:itemID="{3C8E00D1-8EA3-4E42-801D-0253E1EAFC21}">
-  <ds:schemaRefs>
-    <ds:schemaRef ds:uri="http://schemas.microsoft.com/sharepoint/v3/contenttype/forms"/>
-  </ds:schemaRefs>
-</ds:datastoreItem>
-</file>
-
-<file path=customXml/itemProps2.xml><?xml version="1.0" encoding="utf-8"?>
 <ds:datastoreItem xmlns:ds="http://schemas.openxmlformats.org/officeDocument/2006/customXml" ds:itemID="{ABC329F5-30EE-4BF7-AA2A-B837B51416B4}">
   <ds:schemaRefs>
     <ds:schemaRef ds:uri="http://schemas.microsoft.com/office/2006/metadata/contentType"/>
@@ -17861,6 +19451,14 @@
     <ds:schemaRef ds:uri="http://purl.org/dc/elements/1.1/"/>
     <ds:schemaRef ds:uri="http://purl.org/dc/terms/"/>
     <ds:schemaRef ds:uri="http://schemas.microsoft.com/internal/obd"/>
+  </ds:schemaRefs>
+</ds:datastoreItem>
+</file>
+
+<file path=customXml/itemProps2.xml><?xml version="1.0" encoding="utf-8"?>
+<ds:datastoreItem xmlns:ds="http://schemas.openxmlformats.org/officeDocument/2006/customXml" ds:itemID="{3C8E00D1-8EA3-4E42-801D-0253E1EAFC21}">
+  <ds:schemaRefs>
+    <ds:schemaRef ds:uri="http://schemas.microsoft.com/sharepoint/v3/contenttype/forms"/>
   </ds:schemaRefs>
 </ds:datastoreItem>
 </file>

--- a/doc/GOLANG-Q-A.pptx
+++ b/doc/GOLANG-Q-A.pptx
@@ -5,7 +5,7 @@
     <p:sldMasterId id="2147483696" r:id="rId4"/>
   </p:sldMasterIdLst>
   <p:notesMasterIdLst>
-    <p:notesMasterId r:id="rId43"/>
+    <p:notesMasterId r:id="rId44"/>
   </p:notesMasterIdLst>
   <p:sldIdLst>
     <p:sldId id="306" r:id="rId5"/>
@@ -39,13 +39,14 @@
     <p:sldId id="335" r:id="rId33"/>
     <p:sldId id="336" r:id="rId34"/>
     <p:sldId id="350" r:id="rId35"/>
-    <p:sldId id="337" r:id="rId36"/>
-    <p:sldId id="351" r:id="rId37"/>
-    <p:sldId id="352" r:id="rId38"/>
-    <p:sldId id="326" r:id="rId39"/>
-    <p:sldId id="345" r:id="rId40"/>
-    <p:sldId id="353" r:id="rId41"/>
-    <p:sldId id="312" r:id="rId42"/>
+    <p:sldId id="357" r:id="rId36"/>
+    <p:sldId id="337" r:id="rId37"/>
+    <p:sldId id="351" r:id="rId38"/>
+    <p:sldId id="352" r:id="rId39"/>
+    <p:sldId id="326" r:id="rId40"/>
+    <p:sldId id="345" r:id="rId41"/>
+    <p:sldId id="353" r:id="rId42"/>
+    <p:sldId id="312" r:id="rId43"/>
   </p:sldIdLst>
   <p:sldSz cx="12192000" cy="6858000"/>
   <p:notesSz cx="6858000" cy="9144000"/>
@@ -177,7 +178,7 @@
 <file path=ppt/revisionInfo.xml><?xml version="1.0" encoding="utf-8"?>
 <p1510:revInfo xmlns:a="http://schemas.openxmlformats.org/drawingml/2006/main" xmlns:r="http://schemas.openxmlformats.org/officeDocument/2006/relationships" xmlns:p1510="http://schemas.microsoft.com/office/powerpoint/2015/10/main">
   <p1510:revLst>
-    <p1510:client id="{BA75E305-BCCA-46B8-BDA7-E0B075DE28D0}" v="26" dt="2023-11-21T13:27:21.254"/>
+    <p1510:client id="{BA75E305-BCCA-46B8-BDA7-E0B075DE28D0}" v="27" dt="2023-11-22T16:30:05.209"/>
   </p1510:revLst>
 </p1510:revInfo>
 </file>
@@ -187,7 +188,7 @@
   <pc:docChgLst>
     <pc:chgData name="Bondarczuk, Norbert (CW)" userId="828710be-d584-49cf-b413-d10447949189" providerId="ADAL" clId="{BA75E305-BCCA-46B8-BDA7-E0B075DE28D0}"/>
     <pc:docChg chg="custSel addSld delSld modSld sldOrd">
-      <pc:chgData name="Bondarczuk, Norbert (CW)" userId="828710be-d584-49cf-b413-d10447949189" providerId="ADAL" clId="{BA75E305-BCCA-46B8-BDA7-E0B075DE28D0}" dt="2023-11-21T14:13:28.545" v="15072" actId="20577"/>
+      <pc:chgData name="Bondarczuk, Norbert (CW)" userId="828710be-d584-49cf-b413-d10447949189" providerId="ADAL" clId="{BA75E305-BCCA-46B8-BDA7-E0B075DE28D0}" dt="2023-11-22T16:35:02.953" v="15272" actId="20577"/>
       <pc:docMkLst>
         <pc:docMk/>
       </pc:docMkLst>
@@ -246,13 +247,13 @@
         </pc:spChg>
       </pc:sldChg>
       <pc:sldChg chg="modSp mod">
-        <pc:chgData name="Bondarczuk, Norbert (CW)" userId="828710be-d584-49cf-b413-d10447949189" providerId="ADAL" clId="{BA75E305-BCCA-46B8-BDA7-E0B075DE28D0}" dt="2023-11-21T13:24:46.592" v="12932" actId="20577"/>
+        <pc:chgData name="Bondarczuk, Norbert (CW)" userId="828710be-d584-49cf-b413-d10447949189" providerId="ADAL" clId="{BA75E305-BCCA-46B8-BDA7-E0B075DE28D0}" dt="2023-11-22T16:30:54.582" v="15156" actId="20577"/>
         <pc:sldMkLst>
           <pc:docMk/>
           <pc:sldMk cId="1613598062" sldId="307"/>
         </pc:sldMkLst>
         <pc:spChg chg="mod">
-          <ac:chgData name="Bondarczuk, Norbert (CW)" userId="828710be-d584-49cf-b413-d10447949189" providerId="ADAL" clId="{BA75E305-BCCA-46B8-BDA7-E0B075DE28D0}" dt="2023-11-21T13:24:46.592" v="12932" actId="20577"/>
+          <ac:chgData name="Bondarczuk, Norbert (CW)" userId="828710be-d584-49cf-b413-d10447949189" providerId="ADAL" clId="{BA75E305-BCCA-46B8-BDA7-E0B075DE28D0}" dt="2023-11-22T16:30:54.582" v="15156" actId="20577"/>
           <ac:spMkLst>
             <pc:docMk/>
             <pc:sldMk cId="1613598062" sldId="307"/>
@@ -449,13 +450,13 @@
         </pc:sldMkLst>
       </pc:sldChg>
       <pc:sldChg chg="modSp mod">
-        <pc:chgData name="Bondarczuk, Norbert (CW)" userId="828710be-d584-49cf-b413-d10447949189" providerId="ADAL" clId="{BA75E305-BCCA-46B8-BDA7-E0B075DE28D0}" dt="2023-11-20T12:28:45.892" v="11730" actId="20577"/>
+        <pc:chgData name="Bondarczuk, Norbert (CW)" userId="828710be-d584-49cf-b413-d10447949189" providerId="ADAL" clId="{BA75E305-BCCA-46B8-BDA7-E0B075DE28D0}" dt="2023-11-22T16:33:39.053" v="15250" actId="20577"/>
         <pc:sldMkLst>
           <pc:docMk/>
           <pc:sldMk cId="2792276725" sldId="323"/>
         </pc:sldMkLst>
         <pc:spChg chg="mod">
-          <ac:chgData name="Bondarczuk, Norbert (CW)" userId="828710be-d584-49cf-b413-d10447949189" providerId="ADAL" clId="{BA75E305-BCCA-46B8-BDA7-E0B075DE28D0}" dt="2023-11-20T12:28:45.892" v="11730" actId="20577"/>
+          <ac:chgData name="Bondarczuk, Norbert (CW)" userId="828710be-d584-49cf-b413-d10447949189" providerId="ADAL" clId="{BA75E305-BCCA-46B8-BDA7-E0B075DE28D0}" dt="2023-11-22T16:33:39.053" v="15250" actId="20577"/>
           <ac:spMkLst>
             <pc:docMk/>
             <pc:sldMk cId="2792276725" sldId="323"/>
@@ -682,8 +683,8 @@
           </ac:picMkLst>
         </pc:picChg>
       </pc:sldChg>
-      <pc:sldChg chg="modSp mod">
-        <pc:chgData name="Bondarczuk, Norbert (CW)" userId="828710be-d584-49cf-b413-d10447949189" providerId="ADAL" clId="{BA75E305-BCCA-46B8-BDA7-E0B075DE28D0}" dt="2023-11-21T13:24:17.475" v="12907" actId="20577"/>
+      <pc:sldChg chg="addSp modSp mod">
+        <pc:chgData name="Bondarczuk, Norbert (CW)" userId="828710be-d584-49cf-b413-d10447949189" providerId="ADAL" clId="{BA75E305-BCCA-46B8-BDA7-E0B075DE28D0}" dt="2023-11-22T16:29:36.327" v="15078"/>
         <pc:sldMkLst>
           <pc:docMk/>
           <pc:sldMk cId="532013138" sldId="337"/>
@@ -697,13 +698,21 @@
           </ac:spMkLst>
         </pc:spChg>
         <pc:spChg chg="mod">
-          <ac:chgData name="Bondarczuk, Norbert (CW)" userId="828710be-d584-49cf-b413-d10447949189" providerId="ADAL" clId="{BA75E305-BCCA-46B8-BDA7-E0B075DE28D0}" dt="2023-11-21T13:24:17.475" v="12907" actId="20577"/>
+          <ac:chgData name="Bondarczuk, Norbert (CW)" userId="828710be-d584-49cf-b413-d10447949189" providerId="ADAL" clId="{BA75E305-BCCA-46B8-BDA7-E0B075DE28D0}" dt="2023-11-22T16:29:36.327" v="15078"/>
           <ac:spMkLst>
             <pc:docMk/>
             <pc:sldMk cId="532013138" sldId="337"/>
             <ac:spMk id="15" creationId="{0DE4AC6A-3FAF-881B-86DE-A0BFC3B4250F}"/>
           </ac:spMkLst>
         </pc:spChg>
+        <pc:picChg chg="add mod">
+          <ac:chgData name="Bondarczuk, Norbert (CW)" userId="828710be-d584-49cf-b413-d10447949189" providerId="ADAL" clId="{BA75E305-BCCA-46B8-BDA7-E0B075DE28D0}" dt="2023-11-22T16:29:01.966" v="15076" actId="1076"/>
+          <ac:picMkLst>
+            <pc:docMk/>
+            <pc:sldMk cId="532013138" sldId="337"/>
+            <ac:picMk id="4" creationId="{46317772-9F38-55DF-0B03-5DFCB3BA4E0E}"/>
+          </ac:picMkLst>
+        </pc:picChg>
       </pc:sldChg>
       <pc:sldChg chg="modSp mod">
         <pc:chgData name="Bondarczuk, Norbert (CW)" userId="828710be-d584-49cf-b413-d10447949189" providerId="ADAL" clId="{BA75E305-BCCA-46B8-BDA7-E0B075DE28D0}" dt="2023-11-21T14:00:21.899" v="14227" actId="20577"/>
@@ -1130,7 +1139,7 @@
         </pc:spChg>
       </pc:sldChg>
       <pc:sldChg chg="modSp new mod">
-        <pc:chgData name="Bondarczuk, Norbert (CW)" userId="828710be-d584-49cf-b413-d10447949189" providerId="ADAL" clId="{BA75E305-BCCA-46B8-BDA7-E0B075DE28D0}" dt="2023-11-21T13:52:48.732" v="13812" actId="20577"/>
+        <pc:chgData name="Bondarczuk, Norbert (CW)" userId="828710be-d584-49cf-b413-d10447949189" providerId="ADAL" clId="{BA75E305-BCCA-46B8-BDA7-E0B075DE28D0}" dt="2023-11-22T16:35:02.953" v="15272" actId="20577"/>
         <pc:sldMkLst>
           <pc:docMk/>
           <pc:sldMk cId="3817225786" sldId="354"/>
@@ -1144,7 +1153,7 @@
           </ac:spMkLst>
         </pc:spChg>
         <pc:spChg chg="mod">
-          <ac:chgData name="Bondarczuk, Norbert (CW)" userId="828710be-d584-49cf-b413-d10447949189" providerId="ADAL" clId="{BA75E305-BCCA-46B8-BDA7-E0B075DE28D0}" dt="2023-11-21T13:52:48.732" v="13812" actId="20577"/>
+          <ac:chgData name="Bondarczuk, Norbert (CW)" userId="828710be-d584-49cf-b413-d10447949189" providerId="ADAL" clId="{BA75E305-BCCA-46B8-BDA7-E0B075DE28D0}" dt="2023-11-22T16:35:02.953" v="15272" actId="20577"/>
           <ac:spMkLst>
             <pc:docMk/>
             <pc:sldMk cId="3817225786" sldId="354"/>
@@ -1176,7 +1185,7 @@
         </pc:spChg>
       </pc:sldChg>
       <pc:sldChg chg="modSp new mod ord">
-        <pc:chgData name="Bondarczuk, Norbert (CW)" userId="828710be-d584-49cf-b413-d10447949189" providerId="ADAL" clId="{BA75E305-BCCA-46B8-BDA7-E0B075DE28D0}" dt="2023-11-21T14:11:15.204" v="15049" actId="20577"/>
+        <pc:chgData name="Bondarczuk, Norbert (CW)" userId="828710be-d584-49cf-b413-d10447949189" providerId="ADAL" clId="{BA75E305-BCCA-46B8-BDA7-E0B075DE28D0}" dt="2023-11-22T16:33:28.019" v="15249" actId="20577"/>
         <pc:sldMkLst>
           <pc:docMk/>
           <pc:sldMk cId="2216711703" sldId="356"/>
@@ -1190,11 +1199,34 @@
           </ac:spMkLst>
         </pc:spChg>
         <pc:spChg chg="mod">
-          <ac:chgData name="Bondarczuk, Norbert (CW)" userId="828710be-d584-49cf-b413-d10447949189" providerId="ADAL" clId="{BA75E305-BCCA-46B8-BDA7-E0B075DE28D0}" dt="2023-11-21T14:11:15.204" v="15049" actId="20577"/>
+          <ac:chgData name="Bondarczuk, Norbert (CW)" userId="828710be-d584-49cf-b413-d10447949189" providerId="ADAL" clId="{BA75E305-BCCA-46B8-BDA7-E0B075DE28D0}" dt="2023-11-22T16:33:28.019" v="15249" actId="20577"/>
           <ac:spMkLst>
             <pc:docMk/>
             <pc:sldMk cId="2216711703" sldId="356"/>
             <ac:spMk id="3" creationId="{6D17A8E3-BFB1-D8AD-F761-CDF88B1ED6A7}"/>
+          </ac:spMkLst>
+        </pc:spChg>
+      </pc:sldChg>
+      <pc:sldChg chg="modSp add mod">
+        <pc:chgData name="Bondarczuk, Norbert (CW)" userId="828710be-d584-49cf-b413-d10447949189" providerId="ADAL" clId="{BA75E305-BCCA-46B8-BDA7-E0B075DE28D0}" dt="2023-11-22T16:30:30.247" v="15146" actId="20577"/>
+        <pc:sldMkLst>
+          <pc:docMk/>
+          <pc:sldMk cId="2811246859" sldId="357"/>
+        </pc:sldMkLst>
+        <pc:spChg chg="mod">
+          <ac:chgData name="Bondarczuk, Norbert (CW)" userId="828710be-d584-49cf-b413-d10447949189" providerId="ADAL" clId="{BA75E305-BCCA-46B8-BDA7-E0B075DE28D0}" dt="2023-11-22T16:30:15.565" v="15109" actId="20577"/>
+          <ac:spMkLst>
+            <pc:docMk/>
+            <pc:sldMk cId="2811246859" sldId="357"/>
+            <ac:spMk id="2" creationId="{C5F2FB0B-15EC-453B-BC9B-69AD35DDCEA3}"/>
+          </ac:spMkLst>
+        </pc:spChg>
+        <pc:spChg chg="mod">
+          <ac:chgData name="Bondarczuk, Norbert (CW)" userId="828710be-d584-49cf-b413-d10447949189" providerId="ADAL" clId="{BA75E305-BCCA-46B8-BDA7-E0B075DE28D0}" dt="2023-11-22T16:30:30.247" v="15146" actId="20577"/>
+          <ac:spMkLst>
+            <pc:docMk/>
+            <pc:sldMk cId="2811246859" sldId="357"/>
+            <ac:spMk id="3" creationId="{05408798-0DB3-46BF-880E-7BB904D700F6}"/>
           </ac:spMkLst>
         </pc:spChg>
       </pc:sldChg>
@@ -1285,7 +1317,7 @@
           <a:p>
             <a:fld id="{5EA28068-AFBD-4979-B752-9EB6F90B1386}" type="datetimeFigureOut">
               <a:rPr lang="en-US" smtClean="0"/>
-              <a:t>11/21/2023</a:t>
+              <a:t>11/22/2023</a:t>
             </a:fld>
             <a:endParaRPr lang="en-US" dirty="0"/>
           </a:p>
@@ -14037,6 +14069,12 @@
           </a:p>
           <a:p>
             <a:r>
+              <a:rPr lang="en-US" dirty="0"/>
+              <a:t>DATABASES</a:t>
+            </a:r>
+          </a:p>
+          <a:p>
+            <a:r>
               <a:rPr lang="en-US" sz="1800" dirty="0">
                 <a:solidFill>
                   <a:schemeClr val="bg1"/>
@@ -14301,8 +14339,13 @@
             </a:r>
             <a:r>
               <a:rPr lang="en-US" dirty="0"/>
-              <a:t>command is used to initialize the project.</a:t>
-            </a:r>
+              <a:t>command is used to initialize the project in its </a:t>
+            </a:r>
+            <a:r>
+              <a:rPr lang="en-US"/>
+              <a:t>root directory.</a:t>
+            </a:r>
+            <a:endParaRPr lang="en-US" dirty="0"/>
           </a:p>
           <a:p>
             <a:r>
@@ -15201,7 +15244,7 @@
         <p:spPr/>
         <p:txBody>
           <a:bodyPr>
-            <a:normAutofit lnSpcReduction="10000"/>
+            <a:normAutofit fontScale="92500" lnSpcReduction="20000"/>
           </a:bodyPr>
           <a:lstStyle/>
           <a:p>
@@ -15219,7 +15262,7 @@
           <a:p>
             <a:r>
               <a:rPr lang="en-US" dirty="0"/>
-              <a:t>This happens on a specific path. Some query attributes can be added. The pats may have variable parts which may be used to store the id of resources.</a:t>
+              <a:t>This happens on a specific path. Some query attributes can be added. The paths may have variable parts which may be used to store the id of resources.</a:t>
             </a:r>
           </a:p>
           <a:p>
@@ -15231,7 +15274,31 @@
           <a:p>
             <a:r>
               <a:rPr lang="en-US" dirty="0"/>
-              <a:t>This is called REST model. </a:t>
+              <a:t>This is called REST model.</a:t>
+            </a:r>
+          </a:p>
+          <a:p>
+            <a:r>
+              <a:rPr lang="en-US" dirty="0"/>
+              <a:t>It is easy to mock a service using standard library package </a:t>
+            </a:r>
+            <a:r>
+              <a:rPr lang="en-US" dirty="0">
+                <a:latin typeface="Courier New" panose="02070309020205020404" pitchFamily="49" charset="0"/>
+                <a:cs typeface="Courier New" panose="02070309020205020404" pitchFamily="49" charset="0"/>
+              </a:rPr>
+              <a:t>net/http/</a:t>
+            </a:r>
+            <a:r>
+              <a:rPr lang="en-US" dirty="0" err="1">
+                <a:latin typeface="Courier New" panose="02070309020205020404" pitchFamily="49" charset="0"/>
+                <a:cs typeface="Courier New" panose="02070309020205020404" pitchFamily="49" charset="0"/>
+              </a:rPr>
+              <a:t>httptest</a:t>
+            </a:r>
+            <a:r>
+              <a:rPr lang="en-US" dirty="0"/>
+              <a:t>. </a:t>
             </a:r>
           </a:p>
           <a:p>
@@ -15635,12 +15702,6 @@
             <a:r>
               <a:rPr lang="en-US" dirty="0"/>
               <a:t>XML encoding/decoding</a:t>
-            </a:r>
-          </a:p>
-          <a:p>
-            <a:r>
-              <a:rPr lang="en-US" dirty="0"/>
-              <a:t>GORM: How to access a DB?</a:t>
             </a:r>
           </a:p>
         </p:txBody>
@@ -16471,7 +16532,7 @@
           <p:cNvPr id="2" name="Title 1">
             <a:extLst>
               <a:ext uri="{FF2B5EF4-FFF2-40B4-BE49-F238E27FC236}">
-                <a16:creationId xmlns:a16="http://schemas.microsoft.com/office/drawing/2014/main" id="{CFACDA59-55A0-4EA5-B3E4-646D1D3B4CEB}"/>
+                <a16:creationId xmlns:a16="http://schemas.microsoft.com/office/drawing/2014/main" id="{C5F2FB0B-15EC-453B-BC9B-69AD35DDCEA3}"/>
               </a:ext>
             </a:extLst>
           </p:cNvPr>
@@ -16479,7 +16540,7 @@
             <a:spLocks noGrp="1"/>
           </p:cNvSpPr>
           <p:nvPr>
-            <p:ph type="title"/>
+            <p:ph type="ctrTitle"/>
           </p:nvPr>
         </p:nvSpPr>
         <p:spPr/>
@@ -16491,18 +16552,25 @@
           <a:p>
             <a:r>
               <a:rPr lang="en-US" dirty="0"/>
-              <a:t>GORM: How to access a DB?</a:t>
-            </a:r>
-            <a:endParaRPr lang="en-US" sz="5400" dirty="0"/>
-          </a:p>
-        </p:txBody>
-      </p:sp>
-      <p:sp>
-        <p:nvSpPr>
-          <p:cNvPr id="15" name="Content Placeholder 14">
-            <a:extLst>
-              <a:ext uri="{FF2B5EF4-FFF2-40B4-BE49-F238E27FC236}">
-                <a16:creationId xmlns:a16="http://schemas.microsoft.com/office/drawing/2014/main" id="{0DE4AC6A-3FAF-881B-86DE-A0BFC3B4250F}"/>
+              <a:t>DATABASES</a:t>
+            </a:r>
+            <a:br>
+              <a:rPr lang="en-US" sz="6000" dirty="0">
+                <a:solidFill>
+                  <a:schemeClr val="bg1"/>
+                </a:solidFill>
+              </a:rPr>
+            </a:br>
+            <a:endParaRPr lang="en-US" dirty="0"/>
+          </a:p>
+        </p:txBody>
+      </p:sp>
+      <p:sp>
+        <p:nvSpPr>
+          <p:cNvPr id="3" name="Subtitle 2">
+            <a:extLst>
+              <a:ext uri="{FF2B5EF4-FFF2-40B4-BE49-F238E27FC236}">
+                <a16:creationId xmlns:a16="http://schemas.microsoft.com/office/drawing/2014/main" id="{05408798-0DB3-46BF-880E-7BB904D700F6}"/>
               </a:ext>
             </a:extLst>
           </p:cNvPr>
@@ -16510,50 +16578,32 @@
             <a:spLocks noGrp="1"/>
           </p:cNvSpPr>
           <p:nvPr>
-            <p:ph idx="1"/>
+            <p:ph type="subTitle" idx="1"/>
           </p:nvPr>
         </p:nvSpPr>
-        <p:spPr/>
+        <p:spPr>
+          <a:xfrm>
+            <a:off x="1527048" y="3858767"/>
+            <a:ext cx="9144000" cy="2752097"/>
+          </a:xfrm>
+        </p:spPr>
         <p:txBody>
           <a:bodyPr>
             <a:normAutofit/>
           </a:bodyPr>
           <a:lstStyle/>
           <a:p>
-            <a:pPr marL="457200" lvl="1" indent="0">
-              <a:buNone/>
-            </a:pPr>
-            <a:r>
-              <a:rPr lang="en-US" dirty="0">
-                <a:hlinkClick r:id="rId2"/>
-              </a:rPr>
-              <a:t>GORM - The fantastic ORM library for Golang, aims to be developer friendly.</a:t>
-            </a:r>
-            <a:endParaRPr lang="en-US" dirty="0">
-              <a:hlinkClick r:id="rId3"/>
-            </a:endParaRPr>
-          </a:p>
-          <a:p>
-            <a:pPr marL="457200" lvl="1" indent="0">
-              <a:buNone/>
-            </a:pPr>
-            <a:r>
-              <a:rPr lang="en-US" dirty="0">
-                <a:hlinkClick r:id="rId3"/>
-              </a:rPr>
-              <a:t>go-gorm/gorm: The fantastic ORM library for Golang, aims to be developer friendly (github.com)</a:t>
-            </a:r>
-            <a:endParaRPr lang="en-US" dirty="0"/>
-          </a:p>
-          <a:p>
-            <a:endParaRPr lang="en-US" dirty="0"/>
+            <a:r>
+              <a:rPr lang="en-US" dirty="0"/>
+              <a:t>GORM: How to access a DB?</a:t>
+            </a:r>
           </a:p>
         </p:txBody>
       </p:sp>
     </p:spTree>
     <p:extLst>
       <p:ext uri="{BB962C8B-B14F-4D97-AF65-F5344CB8AC3E}">
-        <p14:creationId xmlns:p14="http://schemas.microsoft.com/office/powerpoint/2010/main" val="532013138"/>
+        <p14:creationId xmlns:p14="http://schemas.microsoft.com/office/powerpoint/2010/main" val="2811246859"/>
       </p:ext>
     </p:extLst>
   </p:cSld>
@@ -16585,6 +16635,209 @@
           <p:cNvPr id="2" name="Title 1">
             <a:extLst>
               <a:ext uri="{FF2B5EF4-FFF2-40B4-BE49-F238E27FC236}">
+                <a16:creationId xmlns:a16="http://schemas.microsoft.com/office/drawing/2014/main" id="{CFACDA59-55A0-4EA5-B3E4-646D1D3B4CEB}"/>
+              </a:ext>
+            </a:extLst>
+          </p:cNvPr>
+          <p:cNvSpPr>
+            <a:spLocks noGrp="1"/>
+          </p:cNvSpPr>
+          <p:nvPr>
+            <p:ph type="title"/>
+          </p:nvPr>
+        </p:nvSpPr>
+        <p:spPr/>
+        <p:txBody>
+          <a:bodyPr>
+            <a:normAutofit/>
+          </a:bodyPr>
+          <a:lstStyle/>
+          <a:p>
+            <a:r>
+              <a:rPr lang="en-US" dirty="0"/>
+              <a:t>GORM: How to access a DB?</a:t>
+            </a:r>
+            <a:endParaRPr lang="en-US" sz="5400" dirty="0"/>
+          </a:p>
+        </p:txBody>
+      </p:sp>
+      <p:sp>
+        <p:nvSpPr>
+          <p:cNvPr id="15" name="Content Placeholder 14">
+            <a:extLst>
+              <a:ext uri="{FF2B5EF4-FFF2-40B4-BE49-F238E27FC236}">
+                <a16:creationId xmlns:a16="http://schemas.microsoft.com/office/drawing/2014/main" id="{0DE4AC6A-3FAF-881B-86DE-A0BFC3B4250F}"/>
+              </a:ext>
+            </a:extLst>
+          </p:cNvPr>
+          <p:cNvSpPr>
+            <a:spLocks noGrp="1"/>
+          </p:cNvSpPr>
+          <p:nvPr>
+            <p:ph idx="1"/>
+          </p:nvPr>
+        </p:nvSpPr>
+        <p:spPr>
+          <a:xfrm>
+            <a:off x="838200" y="1825625"/>
+            <a:ext cx="5214257" cy="4351338"/>
+          </a:xfrm>
+        </p:spPr>
+        <p:txBody>
+          <a:bodyPr>
+            <a:normAutofit/>
+          </a:bodyPr>
+          <a:lstStyle/>
+          <a:p>
+            <a:pPr marL="457200" lvl="1" indent="0">
+              <a:buNone/>
+            </a:pPr>
+            <a:r>
+              <a:rPr lang="en-US" dirty="0">
+                <a:hlinkClick r:id="rId2"/>
+              </a:rPr>
+              <a:t>GORM - The fantastic ORM library for Golang, aims to be developer friendly.</a:t>
+            </a:r>
+            <a:endParaRPr lang="en-US" dirty="0">
+              <a:hlinkClick r:id="rId3"/>
+            </a:endParaRPr>
+          </a:p>
+          <a:p>
+            <a:pPr marL="457200" lvl="1" indent="0">
+              <a:buNone/>
+            </a:pPr>
+            <a:r>
+              <a:rPr lang="en-US" dirty="0">
+                <a:hlinkClick r:id="rId3"/>
+              </a:rPr>
+              <a:t>go-gorm/gorm: The fantastic ORM library for Golang, aims to be developer friendly (github.com)</a:t>
+            </a:r>
+            <a:endParaRPr lang="en-US" dirty="0"/>
+          </a:p>
+          <a:p>
+            <a:pPr marL="457200" lvl="1" indent="0">
+              <a:buNone/>
+            </a:pPr>
+            <a:r>
+              <a:rPr lang="en-US" dirty="0" err="1">
+                <a:hlinkClick r:id="rId4"/>
+              </a:rPr>
+              <a:t>golang</a:t>
+            </a:r>
+            <a:r>
+              <a:rPr lang="en-US" dirty="0">
+                <a:hlinkClick r:id="rId4"/>
+              </a:rPr>
+              <a:t>-q-a/examples/5/</a:t>
+            </a:r>
+            <a:r>
+              <a:rPr lang="en-US" dirty="0" err="1">
+                <a:hlinkClick r:id="rId4"/>
+              </a:rPr>
+              <a:t>gocrur.go</a:t>
+            </a:r>
+            <a:r>
+              <a:rPr lang="en-US" dirty="0">
+                <a:hlinkClick r:id="rId4"/>
+              </a:rPr>
+              <a:t> at main · </a:t>
+            </a:r>
+            <a:r>
+              <a:rPr lang="en-US" dirty="0" err="1">
+                <a:hlinkClick r:id="rId4"/>
+              </a:rPr>
+              <a:t>nbondarczuk</a:t>
+            </a:r>
+            <a:r>
+              <a:rPr lang="en-US" dirty="0">
+                <a:hlinkClick r:id="rId4"/>
+              </a:rPr>
+              <a:t>/</a:t>
+            </a:r>
+            <a:r>
+              <a:rPr lang="en-US" dirty="0" err="1">
+                <a:hlinkClick r:id="rId4"/>
+              </a:rPr>
+              <a:t>golang</a:t>
+            </a:r>
+            <a:r>
+              <a:rPr lang="en-US" dirty="0">
+                <a:hlinkClick r:id="rId4"/>
+              </a:rPr>
+              <a:t>-q-a · GitHub</a:t>
+            </a:r>
+            <a:endParaRPr lang="en-US" dirty="0"/>
+          </a:p>
+          <a:p>
+            <a:endParaRPr lang="en-US" dirty="0"/>
+          </a:p>
+        </p:txBody>
+      </p:sp>
+      <p:pic>
+        <p:nvPicPr>
+          <p:cNvPr id="4" name="Picture 3">
+            <a:extLst>
+              <a:ext uri="{FF2B5EF4-FFF2-40B4-BE49-F238E27FC236}">
+                <a16:creationId xmlns:a16="http://schemas.microsoft.com/office/drawing/2014/main" id="{46317772-9F38-55DF-0B03-5DFCB3BA4E0E}"/>
+              </a:ext>
+            </a:extLst>
+          </p:cNvPr>
+          <p:cNvPicPr>
+            <a:picLocks noChangeAspect="1"/>
+          </p:cNvPicPr>
+          <p:nvPr/>
+        </p:nvPicPr>
+        <p:blipFill>
+          <a:blip r:embed="rId5"/>
+          <a:stretch>
+            <a:fillRect/>
+          </a:stretch>
+        </p:blipFill>
+        <p:spPr>
+          <a:xfrm>
+            <a:off x="7268001" y="1332533"/>
+            <a:ext cx="3820709" cy="5396678"/>
+          </a:xfrm>
+          <a:prstGeom prst="rect">
+            <a:avLst/>
+          </a:prstGeom>
+        </p:spPr>
+      </p:pic>
+    </p:spTree>
+    <p:extLst>
+      <p:ext uri="{BB962C8B-B14F-4D97-AF65-F5344CB8AC3E}">
+        <p14:creationId xmlns:p14="http://schemas.microsoft.com/office/powerpoint/2010/main" val="532013138"/>
+      </p:ext>
+    </p:extLst>
+  </p:cSld>
+  <p:clrMapOvr>
+    <a:masterClrMapping/>
+  </p:clrMapOvr>
+</p:sld>
+</file>
+
+<file path=ppt/slides/slide34.xml><?xml version="1.0" encoding="utf-8"?>
+<p:sld xmlns:a="http://schemas.openxmlformats.org/drawingml/2006/main" xmlns:r="http://schemas.openxmlformats.org/officeDocument/2006/relationships" xmlns:p="http://schemas.openxmlformats.org/presentationml/2006/main">
+  <p:cSld>
+    <p:spTree>
+      <p:nvGrpSpPr>
+        <p:cNvPr id="1" name=""/>
+        <p:cNvGrpSpPr/>
+        <p:nvPr/>
+      </p:nvGrpSpPr>
+      <p:grpSpPr>
+        <a:xfrm>
+          <a:off x="0" y="0"/>
+          <a:ext cx="0" cy="0"/>
+          <a:chOff x="0" y="0"/>
+          <a:chExt cx="0" cy="0"/>
+        </a:xfrm>
+      </p:grpSpPr>
+      <p:sp>
+        <p:nvSpPr>
+          <p:cNvPr id="2" name="Title 1">
+            <a:extLst>
+              <a:ext uri="{FF2B5EF4-FFF2-40B4-BE49-F238E27FC236}">
                 <a16:creationId xmlns:a16="http://schemas.microsoft.com/office/drawing/2014/main" id="{C5F2FB0B-15EC-453B-BC9B-69AD35DDCEA3}"/>
               </a:ext>
             </a:extLst>
@@ -16670,7 +16923,7 @@
 </p:sld>
 </file>
 
-<file path=ppt/slides/slide34.xml><?xml version="1.0" encoding="utf-8"?>
+<file path=ppt/slides/slide35.xml><?xml version="1.0" encoding="utf-8"?>
 <p:sld xmlns:a="http://schemas.openxmlformats.org/drawingml/2006/main" xmlns:r="http://schemas.openxmlformats.org/officeDocument/2006/relationships" xmlns:p="http://schemas.openxmlformats.org/presentationml/2006/main">
   <p:cSld>
     <p:spTree>
@@ -17010,119 +17263,6 @@
 </p:sld>
 </file>
 
-<file path=ppt/slides/slide35.xml><?xml version="1.0" encoding="utf-8"?>
-<p:sld xmlns:a="http://schemas.openxmlformats.org/drawingml/2006/main" xmlns:r="http://schemas.openxmlformats.org/officeDocument/2006/relationships" xmlns:p="http://schemas.openxmlformats.org/presentationml/2006/main">
-  <p:cSld>
-    <p:spTree>
-      <p:nvGrpSpPr>
-        <p:cNvPr id="1" name=""/>
-        <p:cNvGrpSpPr/>
-        <p:nvPr/>
-      </p:nvGrpSpPr>
-      <p:grpSpPr>
-        <a:xfrm>
-          <a:off x="0" y="0"/>
-          <a:ext cx="0" cy="0"/>
-          <a:chOff x="0" y="0"/>
-          <a:chExt cx="0" cy="0"/>
-        </a:xfrm>
-      </p:grpSpPr>
-      <p:sp>
-        <p:nvSpPr>
-          <p:cNvPr id="2" name="Title 1">
-            <a:extLst>
-              <a:ext uri="{FF2B5EF4-FFF2-40B4-BE49-F238E27FC236}">
-                <a16:creationId xmlns:a16="http://schemas.microsoft.com/office/drawing/2014/main" id="{C5F2FB0B-15EC-453B-BC9B-69AD35DDCEA3}"/>
-              </a:ext>
-            </a:extLst>
-          </p:cNvPr>
-          <p:cNvSpPr>
-            <a:spLocks noGrp="1"/>
-          </p:cNvSpPr>
-          <p:nvPr>
-            <p:ph type="ctrTitle"/>
-          </p:nvPr>
-        </p:nvSpPr>
-        <p:spPr/>
-        <p:txBody>
-          <a:bodyPr>
-            <a:normAutofit fontScale="90000"/>
-          </a:bodyPr>
-          <a:lstStyle/>
-          <a:p>
-            <a:r>
-              <a:rPr lang="en-US" sz="6000" dirty="0">
-                <a:solidFill>
-                  <a:schemeClr val="bg1"/>
-                </a:solidFill>
-              </a:rPr>
-              <a:t>QUESTION AND ANSWERS</a:t>
-            </a:r>
-            <a:br>
-              <a:rPr lang="en-US" sz="6000" dirty="0">
-                <a:solidFill>
-                  <a:schemeClr val="bg1"/>
-                </a:solidFill>
-              </a:rPr>
-            </a:br>
-            <a:endParaRPr lang="en-US" dirty="0"/>
-          </a:p>
-        </p:txBody>
-      </p:sp>
-      <p:sp>
-        <p:nvSpPr>
-          <p:cNvPr id="3" name="Subtitle 2">
-            <a:extLst>
-              <a:ext uri="{FF2B5EF4-FFF2-40B4-BE49-F238E27FC236}">
-                <a16:creationId xmlns:a16="http://schemas.microsoft.com/office/drawing/2014/main" id="{05408798-0DB3-46BF-880E-7BB904D700F6}"/>
-              </a:ext>
-            </a:extLst>
-          </p:cNvPr>
-          <p:cNvSpPr>
-            <a:spLocks noGrp="1"/>
-          </p:cNvSpPr>
-          <p:nvPr>
-            <p:ph type="subTitle" idx="1"/>
-          </p:nvPr>
-        </p:nvSpPr>
-        <p:spPr>
-          <a:xfrm>
-            <a:off x="1527048" y="3858767"/>
-            <a:ext cx="9144000" cy="2752097"/>
-          </a:xfrm>
-        </p:spPr>
-        <p:txBody>
-          <a:bodyPr>
-            <a:normAutofit/>
-          </a:bodyPr>
-          <a:lstStyle/>
-          <a:p>
-            <a:r>
-              <a:rPr lang="en-US" dirty="0"/>
-              <a:t>Go proverbs – quiz</a:t>
-            </a:r>
-          </a:p>
-          <a:p>
-            <a:r>
-              <a:rPr lang="en-US" dirty="0"/>
-              <a:t>Examples for workshop</a:t>
-            </a:r>
-          </a:p>
-        </p:txBody>
-      </p:sp>
-    </p:spTree>
-    <p:extLst>
-      <p:ext uri="{BB962C8B-B14F-4D97-AF65-F5344CB8AC3E}">
-        <p14:creationId xmlns:p14="http://schemas.microsoft.com/office/powerpoint/2010/main" val="2748183101"/>
-      </p:ext>
-    </p:extLst>
-  </p:cSld>
-  <p:clrMapOvr>
-    <a:masterClrMapping/>
-  </p:clrMapOvr>
-</p:sld>
-</file>
-
 <file path=ppt/slides/slide36.xml><?xml version="1.0" encoding="utf-8"?>
 <p:sld xmlns:a="http://schemas.openxmlformats.org/drawingml/2006/main" xmlns:r="http://schemas.openxmlformats.org/officeDocument/2006/relationships" xmlns:p="http://schemas.openxmlformats.org/presentationml/2006/main">
   <p:cSld>
@@ -17145,7 +17285,7 @@
           <p:cNvPr id="2" name="Title 1">
             <a:extLst>
               <a:ext uri="{FF2B5EF4-FFF2-40B4-BE49-F238E27FC236}">
-                <a16:creationId xmlns:a16="http://schemas.microsoft.com/office/drawing/2014/main" id="{CFACDA59-55A0-4EA5-B3E4-646D1D3B4CEB}"/>
+                <a16:creationId xmlns:a16="http://schemas.microsoft.com/office/drawing/2014/main" id="{C5F2FB0B-15EC-453B-BC9B-69AD35DDCEA3}"/>
               </a:ext>
             </a:extLst>
           </p:cNvPr>
@@ -17153,10 +17293,57 @@
             <a:spLocks noGrp="1"/>
           </p:cNvSpPr>
           <p:nvPr>
-            <p:ph type="title"/>
+            <p:ph type="ctrTitle"/>
           </p:nvPr>
         </p:nvSpPr>
         <p:spPr/>
+        <p:txBody>
+          <a:bodyPr>
+            <a:normAutofit fontScale="90000"/>
+          </a:bodyPr>
+          <a:lstStyle/>
+          <a:p>
+            <a:r>
+              <a:rPr lang="en-US" sz="6000" dirty="0">
+                <a:solidFill>
+                  <a:schemeClr val="bg1"/>
+                </a:solidFill>
+              </a:rPr>
+              <a:t>QUESTION AND ANSWERS</a:t>
+            </a:r>
+            <a:br>
+              <a:rPr lang="en-US" sz="6000" dirty="0">
+                <a:solidFill>
+                  <a:schemeClr val="bg1"/>
+                </a:solidFill>
+              </a:rPr>
+            </a:br>
+            <a:endParaRPr lang="en-US" dirty="0"/>
+          </a:p>
+        </p:txBody>
+      </p:sp>
+      <p:sp>
+        <p:nvSpPr>
+          <p:cNvPr id="3" name="Subtitle 2">
+            <a:extLst>
+              <a:ext uri="{FF2B5EF4-FFF2-40B4-BE49-F238E27FC236}">
+                <a16:creationId xmlns:a16="http://schemas.microsoft.com/office/drawing/2014/main" id="{05408798-0DB3-46BF-880E-7BB904D700F6}"/>
+              </a:ext>
+            </a:extLst>
+          </p:cNvPr>
+          <p:cNvSpPr>
+            <a:spLocks noGrp="1"/>
+          </p:cNvSpPr>
+          <p:nvPr>
+            <p:ph type="subTitle" idx="1"/>
+          </p:nvPr>
+        </p:nvSpPr>
+        <p:spPr>
+          <a:xfrm>
+            <a:off x="1527048" y="3858767"/>
+            <a:ext cx="9144000" cy="2752097"/>
+          </a:xfrm>
+        </p:spPr>
         <p:txBody>
           <a:bodyPr>
             <a:normAutofit/>
@@ -17165,159 +17352,21 @@
           <a:p>
             <a:r>
               <a:rPr lang="en-US" dirty="0"/>
-              <a:t>Go proverbs - quiz</a:t>
-            </a:r>
-            <a:endParaRPr lang="en-US" sz="5400" dirty="0"/>
-          </a:p>
-        </p:txBody>
-      </p:sp>
-      <p:sp>
-        <p:nvSpPr>
-          <p:cNvPr id="15" name="Content Placeholder 14">
-            <a:extLst>
-              <a:ext uri="{FF2B5EF4-FFF2-40B4-BE49-F238E27FC236}">
-                <a16:creationId xmlns:a16="http://schemas.microsoft.com/office/drawing/2014/main" id="{0DE4AC6A-3FAF-881B-86DE-A0BFC3B4250F}"/>
-              </a:ext>
-            </a:extLst>
-          </p:cNvPr>
-          <p:cNvSpPr>
-            <a:spLocks noGrp="1"/>
-          </p:cNvSpPr>
-          <p:nvPr>
-            <p:ph idx="1"/>
-          </p:nvPr>
-        </p:nvSpPr>
-        <p:spPr/>
-        <p:txBody>
-          <a:bodyPr>
-            <a:normAutofit fontScale="85000" lnSpcReduction="20000"/>
-          </a:bodyPr>
-          <a:lstStyle/>
-          <a:p>
-            <a:pPr lvl="1"/>
-            <a:r>
-              <a:rPr lang="en-US" dirty="0"/>
-              <a:t>Errors are values.</a:t>
-            </a:r>
-          </a:p>
-          <a:p>
-            <a:pPr lvl="1"/>
-            <a:r>
-              <a:rPr lang="en-US" dirty="0"/>
-              <a:t>Don’t just check errors, handle them gracefully.</a:t>
-            </a:r>
-          </a:p>
-          <a:p>
-            <a:pPr lvl="1"/>
-            <a:r>
-              <a:rPr lang="en-US" dirty="0"/>
-              <a:t>Don’t panic.</a:t>
-            </a:r>
-          </a:p>
-          <a:p>
-            <a:pPr lvl="1"/>
-            <a:r>
-              <a:rPr lang="en-US" dirty="0"/>
-              <a:t>Make the zero value useful.</a:t>
-            </a:r>
-          </a:p>
-          <a:p>
-            <a:pPr lvl="1"/>
-            <a:r>
-              <a:rPr lang="en-US" dirty="0"/>
-              <a:t>The bigger the interface, the weaker the abstraction.</a:t>
-            </a:r>
-          </a:p>
-          <a:p>
-            <a:pPr lvl="1"/>
-            <a:r>
-              <a:rPr lang="en-US" dirty="0"/>
-              <a:t>interface{} says nothing.</a:t>
-            </a:r>
-          </a:p>
-          <a:p>
-            <a:pPr lvl="1"/>
-            <a:r>
-              <a:rPr lang="en-US" dirty="0" err="1"/>
-              <a:t>Gofmt’s</a:t>
-            </a:r>
-            <a:r>
-              <a:rPr lang="en-US" dirty="0"/>
-              <a:t> style is no one’s favorite, yet </a:t>
-            </a:r>
-            <a:r>
-              <a:rPr lang="en-US" dirty="0" err="1"/>
-              <a:t>gofmt</a:t>
-            </a:r>
-            <a:r>
-              <a:rPr lang="en-US" dirty="0"/>
-              <a:t> is everyone’s favorite.</a:t>
-            </a:r>
-          </a:p>
-          <a:p>
-            <a:pPr lvl="1"/>
-            <a:r>
-              <a:rPr lang="en-US" dirty="0"/>
-              <a:t>Documentation is for users.</a:t>
-            </a:r>
-          </a:p>
-          <a:p>
-            <a:pPr lvl="1"/>
-            <a:r>
-              <a:rPr lang="en-US" dirty="0"/>
-              <a:t>A little copying is better than a little dependency.</a:t>
-            </a:r>
-          </a:p>
-          <a:p>
-            <a:pPr lvl="1"/>
-            <a:r>
-              <a:rPr lang="en-US" dirty="0"/>
-              <a:t>Clear is better than clever.</a:t>
-            </a:r>
-          </a:p>
-          <a:p>
-            <a:pPr lvl="1"/>
-            <a:r>
-              <a:rPr lang="en-US" dirty="0"/>
-              <a:t>Concurrency is not parallelism.</a:t>
-            </a:r>
-          </a:p>
-          <a:p>
-            <a:pPr lvl="1"/>
-            <a:r>
-              <a:rPr lang="en-US" dirty="0"/>
-              <a:t>Don’t communicate by sharing memory, share memory by communicating.</a:t>
-            </a:r>
-          </a:p>
-          <a:p>
-            <a:pPr lvl="1"/>
-            <a:r>
-              <a:rPr lang="en-US" dirty="0"/>
-              <a:t>Channels orchestrate; mutexes serialize.</a:t>
-            </a:r>
-          </a:p>
-          <a:p>
-            <a:pPr lvl="1"/>
-            <a:endParaRPr lang="en-US" dirty="0"/>
-          </a:p>
-          <a:p>
-            <a:pPr marL="457200" lvl="1" indent="0">
-              <a:buNone/>
-            </a:pPr>
-            <a:r>
-              <a:rPr lang="en-US" dirty="0"/>
-              <a:t>Rob Pike, Go Proverbs (see go-proverbs.github.io)”</a:t>
-            </a:r>
-          </a:p>
-          <a:p>
-            <a:endParaRPr lang="en-US" dirty="0"/>
+              <a:t>Go proverbs – quiz</a:t>
+            </a:r>
+          </a:p>
+          <a:p>
+            <a:r>
+              <a:rPr lang="en-US" dirty="0"/>
+              <a:t>Examples for workshop</a:t>
+            </a:r>
           </a:p>
         </p:txBody>
       </p:sp>
     </p:spTree>
     <p:extLst>
       <p:ext uri="{BB962C8B-B14F-4D97-AF65-F5344CB8AC3E}">
-        <p14:creationId xmlns:p14="http://schemas.microsoft.com/office/powerpoint/2010/main" val="3184894582"/>
+        <p14:creationId xmlns:p14="http://schemas.microsoft.com/office/powerpoint/2010/main" val="2748183101"/>
       </p:ext>
     </p:extLst>
   </p:cSld>
@@ -17369,7 +17418,7 @@
           <a:p>
             <a:r>
               <a:rPr lang="en-US" dirty="0"/>
-              <a:t>Code examples for workshop</a:t>
+              <a:t>Go proverbs - quiz</a:t>
             </a:r>
             <a:endParaRPr lang="en-US" sz="5400" dirty="0"/>
           </a:p>
@@ -17394,50 +17443,126 @@
         <p:spPr/>
         <p:txBody>
           <a:bodyPr>
-            <a:normAutofit/>
+            <a:normAutofit fontScale="85000" lnSpcReduction="20000"/>
           </a:bodyPr>
           <a:lstStyle/>
           <a:p>
-            <a:r>
-              <a:rPr lang="en-US" dirty="0"/>
-              <a:t>Available at: </a:t>
-            </a:r>
-            <a:r>
-              <a:rPr lang="en-US" dirty="0" err="1">
-                <a:hlinkClick r:id="rId2"/>
-              </a:rPr>
-              <a:t>golang</a:t>
-            </a:r>
-            <a:r>
-              <a:rPr lang="en-US" dirty="0">
-                <a:hlinkClick r:id="rId2"/>
-              </a:rPr>
-              <a:t>-q-a/examples at main · </a:t>
-            </a:r>
-            <a:r>
-              <a:rPr lang="en-US" dirty="0" err="1">
-                <a:hlinkClick r:id="rId2"/>
-              </a:rPr>
-              <a:t>nbondarczuk</a:t>
-            </a:r>
-            <a:r>
-              <a:rPr lang="en-US" dirty="0">
-                <a:hlinkClick r:id="rId2"/>
-              </a:rPr>
-              <a:t>/</a:t>
-            </a:r>
-            <a:r>
-              <a:rPr lang="en-US" dirty="0" err="1">
-                <a:hlinkClick r:id="rId2"/>
-              </a:rPr>
-              <a:t>golang</a:t>
-            </a:r>
-            <a:r>
-              <a:rPr lang="en-US" dirty="0">
-                <a:hlinkClick r:id="rId2"/>
-              </a:rPr>
-              <a:t>-q-a · GitHub</a:t>
-            </a:r>
+            <a:pPr lvl="1"/>
+            <a:r>
+              <a:rPr lang="en-US" dirty="0"/>
+              <a:t>Errors are values.</a:t>
+            </a:r>
+          </a:p>
+          <a:p>
+            <a:pPr lvl="1"/>
+            <a:r>
+              <a:rPr lang="en-US" dirty="0"/>
+              <a:t>Don’t just check errors, handle them gracefully.</a:t>
+            </a:r>
+          </a:p>
+          <a:p>
+            <a:pPr lvl="1"/>
+            <a:r>
+              <a:rPr lang="en-US" dirty="0"/>
+              <a:t>Don’t panic.</a:t>
+            </a:r>
+          </a:p>
+          <a:p>
+            <a:pPr lvl="1"/>
+            <a:r>
+              <a:rPr lang="en-US" dirty="0"/>
+              <a:t>Make the zero value useful.</a:t>
+            </a:r>
+          </a:p>
+          <a:p>
+            <a:pPr lvl="1"/>
+            <a:r>
+              <a:rPr lang="en-US" dirty="0"/>
+              <a:t>The bigger the interface, the weaker the abstraction.</a:t>
+            </a:r>
+          </a:p>
+          <a:p>
+            <a:pPr lvl="1"/>
+            <a:r>
+              <a:rPr lang="en-US" dirty="0"/>
+              <a:t>interface{} says nothing.</a:t>
+            </a:r>
+          </a:p>
+          <a:p>
+            <a:pPr lvl="1"/>
+            <a:r>
+              <a:rPr lang="en-US" dirty="0" err="1"/>
+              <a:t>Gofmt’s</a:t>
+            </a:r>
+            <a:r>
+              <a:rPr lang="en-US" dirty="0"/>
+              <a:t> style is no one’s favorite, yet </a:t>
+            </a:r>
+            <a:r>
+              <a:rPr lang="en-US" dirty="0" err="1"/>
+              <a:t>gofmt</a:t>
+            </a:r>
+            <a:r>
+              <a:rPr lang="en-US" dirty="0"/>
+              <a:t> is everyone’s favorite.</a:t>
+            </a:r>
+          </a:p>
+          <a:p>
+            <a:pPr lvl="1"/>
+            <a:r>
+              <a:rPr lang="en-US" dirty="0"/>
+              <a:t>Documentation is for users.</a:t>
+            </a:r>
+          </a:p>
+          <a:p>
+            <a:pPr lvl="1"/>
+            <a:r>
+              <a:rPr lang="en-US" dirty="0"/>
+              <a:t>A little copying is better than a little dependency.</a:t>
+            </a:r>
+          </a:p>
+          <a:p>
+            <a:pPr lvl="1"/>
+            <a:r>
+              <a:rPr lang="en-US" dirty="0"/>
+              <a:t>Clear is better than clever.</a:t>
+            </a:r>
+          </a:p>
+          <a:p>
+            <a:pPr lvl="1"/>
+            <a:r>
+              <a:rPr lang="en-US" dirty="0"/>
+              <a:t>Concurrency is not parallelism.</a:t>
+            </a:r>
+          </a:p>
+          <a:p>
+            <a:pPr lvl="1"/>
+            <a:r>
+              <a:rPr lang="en-US" dirty="0"/>
+              <a:t>Don’t communicate by sharing memory, share memory by communicating.</a:t>
+            </a:r>
+          </a:p>
+          <a:p>
+            <a:pPr lvl="1"/>
+            <a:r>
+              <a:rPr lang="en-US" dirty="0"/>
+              <a:t>Channels orchestrate; mutexes serialize.</a:t>
+            </a:r>
+          </a:p>
+          <a:p>
+            <a:pPr lvl="1"/>
+            <a:endParaRPr lang="en-US" dirty="0"/>
+          </a:p>
+          <a:p>
+            <a:pPr marL="457200" lvl="1" indent="0">
+              <a:buNone/>
+            </a:pPr>
+            <a:r>
+              <a:rPr lang="en-US" dirty="0"/>
+              <a:t>Rob Pike, Go Proverbs (see go-proverbs.github.io)”</a:t>
+            </a:r>
+          </a:p>
+          <a:p>
             <a:endParaRPr lang="en-US" dirty="0"/>
           </a:p>
         </p:txBody>
@@ -17445,7 +17570,7 @@
     </p:spTree>
     <p:extLst>
       <p:ext uri="{BB962C8B-B14F-4D97-AF65-F5344CB8AC3E}">
-        <p14:creationId xmlns:p14="http://schemas.microsoft.com/office/powerpoint/2010/main" val="3384533040"/>
+        <p14:creationId xmlns:p14="http://schemas.microsoft.com/office/powerpoint/2010/main" val="3184894582"/>
       </p:ext>
     </p:extLst>
   </p:cSld>
@@ -17474,6 +17599,134 @@
       </p:grpSpPr>
       <p:sp>
         <p:nvSpPr>
+          <p:cNvPr id="2" name="Title 1">
+            <a:extLst>
+              <a:ext uri="{FF2B5EF4-FFF2-40B4-BE49-F238E27FC236}">
+                <a16:creationId xmlns:a16="http://schemas.microsoft.com/office/drawing/2014/main" id="{CFACDA59-55A0-4EA5-B3E4-646D1D3B4CEB}"/>
+              </a:ext>
+            </a:extLst>
+          </p:cNvPr>
+          <p:cNvSpPr>
+            <a:spLocks noGrp="1"/>
+          </p:cNvSpPr>
+          <p:nvPr>
+            <p:ph type="title"/>
+          </p:nvPr>
+        </p:nvSpPr>
+        <p:spPr/>
+        <p:txBody>
+          <a:bodyPr>
+            <a:normAutofit/>
+          </a:bodyPr>
+          <a:lstStyle/>
+          <a:p>
+            <a:r>
+              <a:rPr lang="en-US" dirty="0"/>
+              <a:t>Code examples for workshop</a:t>
+            </a:r>
+            <a:endParaRPr lang="en-US" sz="5400" dirty="0"/>
+          </a:p>
+        </p:txBody>
+      </p:sp>
+      <p:sp>
+        <p:nvSpPr>
+          <p:cNvPr id="15" name="Content Placeholder 14">
+            <a:extLst>
+              <a:ext uri="{FF2B5EF4-FFF2-40B4-BE49-F238E27FC236}">
+                <a16:creationId xmlns:a16="http://schemas.microsoft.com/office/drawing/2014/main" id="{0DE4AC6A-3FAF-881B-86DE-A0BFC3B4250F}"/>
+              </a:ext>
+            </a:extLst>
+          </p:cNvPr>
+          <p:cNvSpPr>
+            <a:spLocks noGrp="1"/>
+          </p:cNvSpPr>
+          <p:nvPr>
+            <p:ph idx="1"/>
+          </p:nvPr>
+        </p:nvSpPr>
+        <p:spPr/>
+        <p:txBody>
+          <a:bodyPr>
+            <a:normAutofit/>
+          </a:bodyPr>
+          <a:lstStyle/>
+          <a:p>
+            <a:r>
+              <a:rPr lang="en-US" dirty="0"/>
+              <a:t>Available at: </a:t>
+            </a:r>
+            <a:r>
+              <a:rPr lang="en-US" dirty="0" err="1">
+                <a:hlinkClick r:id="rId2"/>
+              </a:rPr>
+              <a:t>golang</a:t>
+            </a:r>
+            <a:r>
+              <a:rPr lang="en-US" dirty="0">
+                <a:hlinkClick r:id="rId2"/>
+              </a:rPr>
+              <a:t>-q-a/examples at main · </a:t>
+            </a:r>
+            <a:r>
+              <a:rPr lang="en-US" dirty="0" err="1">
+                <a:hlinkClick r:id="rId2"/>
+              </a:rPr>
+              <a:t>nbondarczuk</a:t>
+            </a:r>
+            <a:r>
+              <a:rPr lang="en-US" dirty="0">
+                <a:hlinkClick r:id="rId2"/>
+              </a:rPr>
+              <a:t>/</a:t>
+            </a:r>
+            <a:r>
+              <a:rPr lang="en-US" dirty="0" err="1">
+                <a:hlinkClick r:id="rId2"/>
+              </a:rPr>
+              <a:t>golang</a:t>
+            </a:r>
+            <a:r>
+              <a:rPr lang="en-US" dirty="0">
+                <a:hlinkClick r:id="rId2"/>
+              </a:rPr>
+              <a:t>-q-a · GitHub</a:t>
+            </a:r>
+            <a:endParaRPr lang="en-US" dirty="0"/>
+          </a:p>
+        </p:txBody>
+      </p:sp>
+    </p:spTree>
+    <p:extLst>
+      <p:ext uri="{BB962C8B-B14F-4D97-AF65-F5344CB8AC3E}">
+        <p14:creationId xmlns:p14="http://schemas.microsoft.com/office/powerpoint/2010/main" val="3384533040"/>
+      </p:ext>
+    </p:extLst>
+  </p:cSld>
+  <p:clrMapOvr>
+    <a:masterClrMapping/>
+  </p:clrMapOvr>
+</p:sld>
+</file>
+
+<file path=ppt/slides/slide39.xml><?xml version="1.0" encoding="utf-8"?>
+<p:sld xmlns:a="http://schemas.openxmlformats.org/drawingml/2006/main" xmlns:r="http://schemas.openxmlformats.org/officeDocument/2006/relationships" xmlns:p="http://schemas.openxmlformats.org/presentationml/2006/main">
+  <p:cSld>
+    <p:spTree>
+      <p:nvGrpSpPr>
+        <p:cNvPr id="1" name=""/>
+        <p:cNvGrpSpPr/>
+        <p:nvPr/>
+      </p:nvGrpSpPr>
+      <p:grpSpPr>
+        <a:xfrm>
+          <a:off x="0" y="0"/>
+          <a:ext cx="0" cy="0"/>
+          <a:chOff x="0" y="0"/>
+          <a:chExt cx="0" cy="0"/>
+        </a:xfrm>
+      </p:grpSpPr>
+      <p:sp>
+        <p:nvSpPr>
           <p:cNvPr id="22" name="Date Placeholder 21">
             <a:extLst>
               <a:ext uri="{FF2B5EF4-FFF2-40B4-BE49-F238E27FC236}">
@@ -17524,7 +17777,7 @@
             <a:fld id="{D8DA9DAA-006C-4F4B-980E-E3DF019B24E2}" type="slidenum">
               <a:rPr lang="en-US" smtClean="0"/>
               <a:pPr/>
-              <a:t>38</a:t>
+              <a:t>39</a:t>
             </a:fld>
             <a:endParaRPr lang="en-US" dirty="0"/>
           </a:p>
@@ -19198,6 +19451,24 @@
 </file>
 
 <file path=customXml/item1.xml><?xml version="1.0" encoding="utf-8"?>
+<?mso-contentType ?>
+<FormTemplates xmlns="http://schemas.microsoft.com/sharepoint/v3/contenttype/forms">
+  <Display>DocumentLibraryForm</Display>
+  <Edit>DocumentLibraryForm</Edit>
+  <New>DocumentLibraryForm</New>
+</FormTemplates>
+</file>
+
+<file path=customXml/item2.xml><?xml version="1.0" encoding="utf-8"?>
+<p:properties xmlns:p="http://schemas.microsoft.com/office/2006/metadata/properties" xmlns:xsi="http://www.w3.org/2001/XMLSchema-instance" xmlns:pc="http://schemas.microsoft.com/office/infopath/2007/PartnerControls">
+  <documentManagement>
+    <Status xmlns="71af3243-3dd4-4a8d-8c0d-dd76da1f02a5">Not started</Status>
+    <MediaServiceKeyPoints xmlns="71af3243-3dd4-4a8d-8c0d-dd76da1f02a5" xsi:nil="true"/>
+  </documentManagement>
+</p:properties>
+</file>
+
+<file path=customXml/item3.xml><?xml version="1.0" encoding="utf-8"?>
 <ct:contentTypeSchema xmlns:ct="http://schemas.microsoft.com/office/2006/metadata/contentType" xmlns:ma="http://schemas.microsoft.com/office/2006/metadata/properties/metaAttributes" ct:_="" ma:_="" ma:contentTypeName="Document" ma:contentTypeID="0x01010079F111ED35F8CC479449609E8A0923A6" ma:contentTypeVersion="12" ma:contentTypeDescription="Create a new document." ma:contentTypeScope="" ma:versionID="426e97fa315356fffbdcd9876fe988c2">
   <xsd:schema xmlns:xsd="http://www.w3.org/2001/XMLSchema" xmlns:xs="http://www.w3.org/2001/XMLSchema" xmlns:p="http://schemas.microsoft.com/office/2006/metadata/properties" xmlns:ns2="71af3243-3dd4-4a8d-8c0d-dd76da1f02a5" xmlns:ns3="16c05727-aa75-4e4a-9b5f-8a80a1165891" targetNamespace="http://schemas.microsoft.com/office/2006/metadata/properties" ma:root="true" ma:fieldsID="14b8f0def80e6d70ce3def20c90759ae" ns2:_="" ns3:_="">
     <xsd:import namespace="71af3243-3dd4-4a8d-8c0d-dd76da1f02a5"/>
@@ -19418,25 +19689,32 @@
 </ct:contentTypeSchema>
 </file>
 
-<file path=customXml/item2.xml><?xml version="1.0" encoding="utf-8"?>
-<?mso-contentType ?>
-<FormTemplates xmlns="http://schemas.microsoft.com/sharepoint/v3/contenttype/forms">
-  <Display>DocumentLibraryForm</Display>
-  <Edit>DocumentLibraryForm</Edit>
-  <New>DocumentLibraryForm</New>
-</FormTemplates>
+<file path=customXml/itemProps1.xml><?xml version="1.0" encoding="utf-8"?>
+<ds:datastoreItem xmlns:ds="http://schemas.openxmlformats.org/officeDocument/2006/customXml" ds:itemID="{3C8E00D1-8EA3-4E42-801D-0253E1EAFC21}">
+  <ds:schemaRefs>
+    <ds:schemaRef ds:uri="http://schemas.microsoft.com/sharepoint/v3/contenttype/forms"/>
+  </ds:schemaRefs>
+</ds:datastoreItem>
 </file>
 
-<file path=customXml/item3.xml><?xml version="1.0" encoding="utf-8"?>
-<p:properties xmlns:p="http://schemas.microsoft.com/office/2006/metadata/properties" xmlns:xsi="http://www.w3.org/2001/XMLSchema-instance" xmlns:pc="http://schemas.microsoft.com/office/infopath/2007/PartnerControls">
-  <documentManagement>
-    <Status xmlns="71af3243-3dd4-4a8d-8c0d-dd76da1f02a5">Not started</Status>
-    <MediaServiceKeyPoints xmlns="71af3243-3dd4-4a8d-8c0d-dd76da1f02a5" xsi:nil="true"/>
-  </documentManagement>
-</p:properties>
+<file path=customXml/itemProps2.xml><?xml version="1.0" encoding="utf-8"?>
+<ds:datastoreItem xmlns:ds="http://schemas.openxmlformats.org/officeDocument/2006/customXml" ds:itemID="{99919F73-B6C2-4A43-95E2-833EC48925FE}">
+  <ds:schemaRefs>
+    <ds:schemaRef ds:uri="http://schemas.openxmlformats.org/package/2006/metadata/core-properties"/>
+    <ds:schemaRef ds:uri="http://www.w3.org/XML/1998/namespace"/>
+    <ds:schemaRef ds:uri="http://purl.org/dc/elements/1.1/"/>
+    <ds:schemaRef ds:uri="http://schemas.microsoft.com/office/2006/documentManagement/types"/>
+    <ds:schemaRef ds:uri="http://schemas.microsoft.com/office/infopath/2007/PartnerControls"/>
+    <ds:schemaRef ds:uri="http://purl.org/dc/dcmitype/"/>
+    <ds:schemaRef ds:uri="16c05727-aa75-4e4a-9b5f-8a80a1165891"/>
+    <ds:schemaRef ds:uri="71af3243-3dd4-4a8d-8c0d-dd76da1f02a5"/>
+    <ds:schemaRef ds:uri="http://schemas.microsoft.com/office/2006/metadata/properties"/>
+    <ds:schemaRef ds:uri="http://purl.org/dc/terms/"/>
+  </ds:schemaRefs>
+</ds:datastoreItem>
 </file>
 
-<file path=customXml/itemProps1.xml><?xml version="1.0" encoding="utf-8"?>
+<file path=customXml/itemProps3.xml><?xml version="1.0" encoding="utf-8"?>
 <ds:datastoreItem xmlns:ds="http://schemas.openxmlformats.org/officeDocument/2006/customXml" ds:itemID="{ABC329F5-30EE-4BF7-AA2A-B837B51416B4}">
   <ds:schemaRefs>
     <ds:schemaRef ds:uri="http://schemas.microsoft.com/office/2006/metadata/contentType"/>
@@ -19453,29 +19731,4 @@
     <ds:schemaRef ds:uri="http://schemas.microsoft.com/internal/obd"/>
   </ds:schemaRefs>
 </ds:datastoreItem>
-</file>
-
-<file path=customXml/itemProps2.xml><?xml version="1.0" encoding="utf-8"?>
-<ds:datastoreItem xmlns:ds="http://schemas.openxmlformats.org/officeDocument/2006/customXml" ds:itemID="{3C8E00D1-8EA3-4E42-801D-0253E1EAFC21}">
-  <ds:schemaRefs>
-    <ds:schemaRef ds:uri="http://schemas.microsoft.com/sharepoint/v3/contenttype/forms"/>
-  </ds:schemaRefs>
-</ds:datastoreItem>
-</file>
-
-<file path=customXml/itemProps3.xml><?xml version="1.0" encoding="utf-8"?>
-<ds:datastoreItem xmlns:ds="http://schemas.openxmlformats.org/officeDocument/2006/customXml" ds:itemID="{99919F73-B6C2-4A43-95E2-833EC48925FE}">
-  <ds:schemaRefs>
-    <ds:schemaRef ds:uri="http://schemas.openxmlformats.org/package/2006/metadata/core-properties"/>
-    <ds:schemaRef ds:uri="http://www.w3.org/XML/1998/namespace"/>
-    <ds:schemaRef ds:uri="http://purl.org/dc/elements/1.1/"/>
-    <ds:schemaRef ds:uri="http://schemas.microsoft.com/office/2006/documentManagement/types"/>
-    <ds:schemaRef ds:uri="http://schemas.microsoft.com/office/infopath/2007/PartnerControls"/>
-    <ds:schemaRef ds:uri="http://purl.org/dc/dcmitype/"/>
-    <ds:schemaRef ds:uri="16c05727-aa75-4e4a-9b5f-8a80a1165891"/>
-    <ds:schemaRef ds:uri="71af3243-3dd4-4a8d-8c0d-dd76da1f02a5"/>
-    <ds:schemaRef ds:uri="http://schemas.microsoft.com/office/2006/metadata/properties"/>
-    <ds:schemaRef ds:uri="http://purl.org/dc/terms/"/>
-  </ds:schemaRefs>
-</ds:datastoreItem>
 </file>
--- a/doc/GOLANG-Q-A.pptx
+++ b/doc/GOLANG-Q-A.pptx
@@ -5,17 +5,17 @@
     <p:sldMasterId id="2147483696" r:id="rId4"/>
   </p:sldMasterIdLst>
   <p:notesMasterIdLst>
-    <p:notesMasterId r:id="rId44"/>
+    <p:notesMasterId r:id="rId46"/>
   </p:notesMasterIdLst>
   <p:sldIdLst>
     <p:sldId id="306" r:id="rId5"/>
     <p:sldId id="307" r:id="rId6"/>
     <p:sldId id="309" r:id="rId7"/>
     <p:sldId id="304" r:id="rId8"/>
-    <p:sldId id="346" r:id="rId9"/>
-    <p:sldId id="314" r:id="rId10"/>
-    <p:sldId id="313" r:id="rId11"/>
-    <p:sldId id="347" r:id="rId12"/>
+    <p:sldId id="347" r:id="rId9"/>
+    <p:sldId id="346" r:id="rId10"/>
+    <p:sldId id="314" r:id="rId11"/>
+    <p:sldId id="313" r:id="rId12"/>
     <p:sldId id="315" r:id="rId13"/>
     <p:sldId id="348" r:id="rId14"/>
     <p:sldId id="318" r:id="rId15"/>
@@ -43,10 +43,12 @@
     <p:sldId id="337" r:id="rId37"/>
     <p:sldId id="351" r:id="rId38"/>
     <p:sldId id="352" r:id="rId39"/>
-    <p:sldId id="326" r:id="rId40"/>
-    <p:sldId id="345" r:id="rId41"/>
-    <p:sldId id="353" r:id="rId42"/>
-    <p:sldId id="312" r:id="rId43"/>
+    <p:sldId id="358" r:id="rId40"/>
+    <p:sldId id="359" r:id="rId41"/>
+    <p:sldId id="326" r:id="rId42"/>
+    <p:sldId id="345" r:id="rId43"/>
+    <p:sldId id="353" r:id="rId44"/>
+    <p:sldId id="312" r:id="rId45"/>
   </p:sldIdLst>
   <p:sldSz cx="12192000" cy="6858000"/>
   <p:notesSz cx="6858000" cy="9144000"/>
@@ -178,7 +180,7 @@
 <file path=ppt/revisionInfo.xml><?xml version="1.0" encoding="utf-8"?>
 <p1510:revInfo xmlns:a="http://schemas.openxmlformats.org/drawingml/2006/main" xmlns:r="http://schemas.openxmlformats.org/officeDocument/2006/relationships" xmlns:p1510="http://schemas.microsoft.com/office/powerpoint/2015/10/main">
   <p1510:revLst>
-    <p1510:client id="{BA75E305-BCCA-46B8-BDA7-E0B075DE28D0}" v="27" dt="2023-11-22T16:30:05.209"/>
+    <p1510:client id="{BA75E305-BCCA-46B8-BDA7-E0B075DE28D0}" v="29" dt="2023-11-23T10:59:04.307"/>
   </p1510:revLst>
 </p1510:revInfo>
 </file>
@@ -188,12 +190,12 @@
   <pc:docChgLst>
     <pc:chgData name="Bondarczuk, Norbert (CW)" userId="828710be-d584-49cf-b413-d10447949189" providerId="ADAL" clId="{BA75E305-BCCA-46B8-BDA7-E0B075DE28D0}"/>
     <pc:docChg chg="custSel addSld delSld modSld sldOrd">
-      <pc:chgData name="Bondarczuk, Norbert (CW)" userId="828710be-d584-49cf-b413-d10447949189" providerId="ADAL" clId="{BA75E305-BCCA-46B8-BDA7-E0B075DE28D0}" dt="2023-11-22T16:35:02.953" v="15272" actId="20577"/>
+      <pc:chgData name="Bondarczuk, Norbert (CW)" userId="828710be-d584-49cf-b413-d10447949189" providerId="ADAL" clId="{BA75E305-BCCA-46B8-BDA7-E0B075DE28D0}" dt="2023-11-23T11:06:17.974" v="15507"/>
       <pc:docMkLst>
         <pc:docMk/>
       </pc:docMkLst>
       <pc:sldChg chg="addSp delSp modSp mod">
-        <pc:chgData name="Bondarczuk, Norbert (CW)" userId="828710be-d584-49cf-b413-d10447949189" providerId="ADAL" clId="{BA75E305-BCCA-46B8-BDA7-E0B075DE28D0}" dt="2023-11-21T13:29:26.851" v="13059" actId="20577"/>
+        <pc:chgData name="Bondarczuk, Norbert (CW)" userId="828710be-d584-49cf-b413-d10447949189" providerId="ADAL" clId="{BA75E305-BCCA-46B8-BDA7-E0B075DE28D0}" dt="2023-11-23T11:04:27.583" v="15501" actId="27636"/>
         <pc:sldMkLst>
           <pc:docMk/>
           <pc:sldMk cId="3124766000" sldId="304"/>
@@ -207,7 +209,7 @@
           </ac:spMkLst>
         </pc:spChg>
         <pc:spChg chg="add del mod">
-          <ac:chgData name="Bondarczuk, Norbert (CW)" userId="828710be-d584-49cf-b413-d10447949189" providerId="ADAL" clId="{BA75E305-BCCA-46B8-BDA7-E0B075DE28D0}" dt="2023-11-21T13:29:26.851" v="13059" actId="20577"/>
+          <ac:chgData name="Bondarczuk, Norbert (CW)" userId="828710be-d584-49cf-b413-d10447949189" providerId="ADAL" clId="{BA75E305-BCCA-46B8-BDA7-E0B075DE28D0}" dt="2023-11-23T11:04:27.583" v="15501" actId="27636"/>
           <ac:spMkLst>
             <pc:docMk/>
             <pc:sldMk cId="3124766000" sldId="304"/>
@@ -247,13 +249,13 @@
         </pc:spChg>
       </pc:sldChg>
       <pc:sldChg chg="modSp mod">
-        <pc:chgData name="Bondarczuk, Norbert (CW)" userId="828710be-d584-49cf-b413-d10447949189" providerId="ADAL" clId="{BA75E305-BCCA-46B8-BDA7-E0B075DE28D0}" dt="2023-11-22T16:30:54.582" v="15156" actId="20577"/>
+        <pc:chgData name="Bondarczuk, Norbert (CW)" userId="828710be-d584-49cf-b413-d10447949189" providerId="ADAL" clId="{BA75E305-BCCA-46B8-BDA7-E0B075DE28D0}" dt="2023-11-23T11:03:59.097" v="15473" actId="20577"/>
         <pc:sldMkLst>
           <pc:docMk/>
           <pc:sldMk cId="1613598062" sldId="307"/>
         </pc:sldMkLst>
         <pc:spChg chg="mod">
-          <ac:chgData name="Bondarczuk, Norbert (CW)" userId="828710be-d584-49cf-b413-d10447949189" providerId="ADAL" clId="{BA75E305-BCCA-46B8-BDA7-E0B075DE28D0}" dt="2023-11-22T16:30:54.582" v="15156" actId="20577"/>
+          <ac:chgData name="Bondarczuk, Norbert (CW)" userId="828710be-d584-49cf-b413-d10447949189" providerId="ADAL" clId="{BA75E305-BCCA-46B8-BDA7-E0B075DE28D0}" dt="2023-11-23T11:03:59.097" v="15473" actId="20577"/>
           <ac:spMkLst>
             <pc:docMk/>
             <pc:sldMk cId="1613598062" sldId="307"/>
@@ -897,8 +899,8 @@
           </ac:spMkLst>
         </pc:spChg>
       </pc:sldChg>
-      <pc:sldChg chg="addSp delSp modSp add mod">
-        <pc:chgData name="Bondarczuk, Norbert (CW)" userId="828710be-d584-49cf-b413-d10447949189" providerId="ADAL" clId="{BA75E305-BCCA-46B8-BDA7-E0B075DE28D0}" dt="2023-11-20T11:25:35.354" v="10754" actId="21"/>
+      <pc:sldChg chg="addSp delSp modSp add mod ord">
+        <pc:chgData name="Bondarczuk, Norbert (CW)" userId="828710be-d584-49cf-b413-d10447949189" providerId="ADAL" clId="{BA75E305-BCCA-46B8-BDA7-E0B075DE28D0}" dt="2023-11-23T11:06:17.974" v="15507"/>
         <pc:sldMkLst>
           <pc:docMk/>
           <pc:sldMk cId="1682619705" sldId="347"/>
@@ -1230,6 +1232,76 @@
           </ac:spMkLst>
         </pc:spChg>
       </pc:sldChg>
+      <pc:sldChg chg="modSp add mod">
+        <pc:chgData name="Bondarczuk, Norbert (CW)" userId="828710be-d584-49cf-b413-d10447949189" providerId="ADAL" clId="{BA75E305-BCCA-46B8-BDA7-E0B075DE28D0}" dt="2023-11-23T11:03:43.881" v="15468" actId="20577"/>
+        <pc:sldMkLst>
+          <pc:docMk/>
+          <pc:sldMk cId="1959607631" sldId="358"/>
+        </pc:sldMkLst>
+        <pc:spChg chg="mod">
+          <ac:chgData name="Bondarczuk, Norbert (CW)" userId="828710be-d584-49cf-b413-d10447949189" providerId="ADAL" clId="{BA75E305-BCCA-46B8-BDA7-E0B075DE28D0}" dt="2023-11-23T11:03:43.881" v="15468" actId="20577"/>
+          <ac:spMkLst>
+            <pc:docMk/>
+            <pc:sldMk cId="1959607631" sldId="358"/>
+            <ac:spMk id="2" creationId="{C5F2FB0B-15EC-453B-BC9B-69AD35DDCEA3}"/>
+          </ac:spMkLst>
+        </pc:spChg>
+        <pc:spChg chg="mod">
+          <ac:chgData name="Bondarczuk, Norbert (CW)" userId="828710be-d584-49cf-b413-d10447949189" providerId="ADAL" clId="{BA75E305-BCCA-46B8-BDA7-E0B075DE28D0}" dt="2023-11-23T11:03:29.648" v="15462" actId="20577"/>
+          <ac:spMkLst>
+            <pc:docMk/>
+            <pc:sldMk cId="1959607631" sldId="358"/>
+            <ac:spMk id="3" creationId="{05408798-0DB3-46BF-880E-7BB904D700F6}"/>
+          </ac:spMkLst>
+        </pc:spChg>
+      </pc:sldChg>
+      <pc:sldChg chg="addSp delSp modSp add mod">
+        <pc:chgData name="Bondarczuk, Norbert (CW)" userId="828710be-d584-49cf-b413-d10447949189" providerId="ADAL" clId="{BA75E305-BCCA-46B8-BDA7-E0B075DE28D0}" dt="2023-11-23T11:02:23.802" v="15444"/>
+        <pc:sldMkLst>
+          <pc:docMk/>
+          <pc:sldMk cId="345003730" sldId="359"/>
+        </pc:sldMkLst>
+        <pc:spChg chg="mod">
+          <ac:chgData name="Bondarczuk, Norbert (CW)" userId="828710be-d584-49cf-b413-d10447949189" providerId="ADAL" clId="{BA75E305-BCCA-46B8-BDA7-E0B075DE28D0}" dt="2023-11-23T11:01:44.806" v="15442" actId="20577"/>
+          <ac:spMkLst>
+            <pc:docMk/>
+            <pc:sldMk cId="345003730" sldId="359"/>
+            <ac:spMk id="2" creationId="{CFACDA59-55A0-4EA5-B3E4-646D1D3B4CEB}"/>
+          </ac:spMkLst>
+        </pc:spChg>
+        <pc:spChg chg="add del mod">
+          <ac:chgData name="Bondarczuk, Norbert (CW)" userId="828710be-d584-49cf-b413-d10447949189" providerId="ADAL" clId="{BA75E305-BCCA-46B8-BDA7-E0B075DE28D0}" dt="2023-11-23T11:01:15.956" v="15425" actId="22"/>
+          <ac:spMkLst>
+            <pc:docMk/>
+            <pc:sldMk cId="345003730" sldId="359"/>
+            <ac:spMk id="5" creationId="{462613AC-EBB7-FFF9-3689-4FF69AEB3DB7}"/>
+          </ac:spMkLst>
+        </pc:spChg>
+        <pc:spChg chg="mod">
+          <ac:chgData name="Bondarczuk, Norbert (CW)" userId="828710be-d584-49cf-b413-d10447949189" providerId="ADAL" clId="{BA75E305-BCCA-46B8-BDA7-E0B075DE28D0}" dt="2023-11-23T11:02:23.802" v="15444"/>
+          <ac:spMkLst>
+            <pc:docMk/>
+            <pc:sldMk cId="345003730" sldId="359"/>
+            <ac:spMk id="7" creationId="{991AB68B-38B0-3134-EC86-278418DF2FEA}"/>
+          </ac:spMkLst>
+        </pc:spChg>
+        <pc:picChg chg="del">
+          <ac:chgData name="Bondarczuk, Norbert (CW)" userId="828710be-d584-49cf-b413-d10447949189" providerId="ADAL" clId="{BA75E305-BCCA-46B8-BDA7-E0B075DE28D0}" dt="2023-11-23T10:59:48.061" v="15423" actId="478"/>
+          <ac:picMkLst>
+            <pc:docMk/>
+            <pc:sldMk cId="345003730" sldId="359"/>
+            <ac:picMk id="4" creationId="{06279856-F563-11A1-1C63-ECEE4270C436}"/>
+          </ac:picMkLst>
+        </pc:picChg>
+        <pc:picChg chg="add mod ord">
+          <ac:chgData name="Bondarczuk, Norbert (CW)" userId="828710be-d584-49cf-b413-d10447949189" providerId="ADAL" clId="{BA75E305-BCCA-46B8-BDA7-E0B075DE28D0}" dt="2023-11-23T11:01:26.151" v="15427" actId="1076"/>
+          <ac:picMkLst>
+            <pc:docMk/>
+            <pc:sldMk cId="345003730" sldId="359"/>
+            <ac:picMk id="8" creationId="{C8447DE3-2805-893A-3C2C-7CC513256D02}"/>
+          </ac:picMkLst>
+        </pc:picChg>
+      </pc:sldChg>
     </pc:docChg>
   </pc:docChgLst>
 </pc:chgInfo>
@@ -1317,7 +1389,7 @@
           <a:p>
             <a:fld id="{5EA28068-AFBD-4979-B752-9EB6F90B1386}" type="datetimeFigureOut">
               <a:rPr lang="en-US" smtClean="0"/>
-              <a:t>11/22/2023</a:t>
+              <a:t>11/23/2023</a:t>
             </a:fld>
             <a:endParaRPr lang="en-US" dirty="0"/>
           </a:p>
@@ -14084,6 +14156,17 @@
             </a:r>
           </a:p>
           <a:p>
+            <a:r>
+              <a:rPr lang="en-US" dirty="0"/>
+              <a:t>MORE COMPLEX PROJECT STRUCTURES</a:t>
+            </a:r>
+            <a:endParaRPr lang="en-US" sz="1800" dirty="0">
+              <a:solidFill>
+                <a:schemeClr val="bg1"/>
+              </a:solidFill>
+            </a:endParaRPr>
+          </a:p>
+          <a:p>
             <a:pPr algn="r"/>
             <a:r>
               <a:rPr lang="en-US" sz="1800" dirty="0">
@@ -17309,7 +17392,7 @@
                   <a:schemeClr val="bg1"/>
                 </a:solidFill>
               </a:rPr>
-              <a:t>QUESTION AND ANSWERS</a:t>
+              <a:t>MORE COMPLEX PROJECT STRUCTURES</a:t>
             </a:r>
             <a:br>
               <a:rPr lang="en-US" sz="6000" dirty="0">
@@ -17352,13 +17435,7 @@
           <a:p>
             <a:r>
               <a:rPr lang="en-US" dirty="0"/>
-              <a:t>Go proverbs – quiz</a:t>
-            </a:r>
-          </a:p>
-          <a:p>
-            <a:r>
-              <a:rPr lang="en-US" dirty="0"/>
-              <a:t>Examples for workshop</a:t>
+              <a:t>Imaginary Go bank  API project</a:t>
             </a:r>
           </a:p>
         </p:txBody>
@@ -17366,7 +17443,7 @@
     </p:spTree>
     <p:extLst>
       <p:ext uri="{BB962C8B-B14F-4D97-AF65-F5344CB8AC3E}">
-        <p14:creationId xmlns:p14="http://schemas.microsoft.com/office/powerpoint/2010/main" val="2748183101"/>
+        <p14:creationId xmlns:p14="http://schemas.microsoft.com/office/powerpoint/2010/main" val="1959607631"/>
       </p:ext>
     </p:extLst>
   </p:cSld>
@@ -17412,165 +17489,295 @@
         <p:spPr/>
         <p:txBody>
           <a:bodyPr>
+            <a:normAutofit fontScale="90000"/>
+          </a:bodyPr>
+          <a:lstStyle/>
+          <a:p>
+            <a:r>
+              <a:rPr lang="en-US" dirty="0"/>
+              <a:t>Example of an imaginary bank API</a:t>
+            </a:r>
+            <a:endParaRPr lang="en-US" sz="5400" dirty="0"/>
+          </a:p>
+        </p:txBody>
+      </p:sp>
+      <p:sp>
+        <p:nvSpPr>
+          <p:cNvPr id="7" name="Content Placeholder 2">
+            <a:extLst>
+              <a:ext uri="{FF2B5EF4-FFF2-40B4-BE49-F238E27FC236}">
+                <a16:creationId xmlns:a16="http://schemas.microsoft.com/office/drawing/2014/main" id="{991AB68B-38B0-3134-EC86-278418DF2FEA}"/>
+              </a:ext>
+            </a:extLst>
+          </p:cNvPr>
+          <p:cNvSpPr txBox="1">
+            <a:spLocks/>
+          </p:cNvSpPr>
+          <p:nvPr/>
+        </p:nvSpPr>
+        <p:spPr>
+          <a:xfrm>
+            <a:off x="838200" y="1825625"/>
+            <a:ext cx="5785757" cy="4215946"/>
+          </a:xfrm>
+          <a:prstGeom prst="rect">
+            <a:avLst/>
+          </a:prstGeom>
+        </p:spPr>
+        <p:txBody>
+          <a:bodyPr vert="horz" lIns="91440" tIns="45720" rIns="91440" bIns="45720" rtlCol="0">
             <a:normAutofit/>
           </a:bodyPr>
-          <a:lstStyle/>
-          <a:p>
-            <a:r>
-              <a:rPr lang="en-US" dirty="0"/>
-              <a:t>Go proverbs - quiz</a:t>
-            </a:r>
-            <a:endParaRPr lang="en-US" sz="5400" dirty="0"/>
-          </a:p>
-        </p:txBody>
-      </p:sp>
-      <p:sp>
-        <p:nvSpPr>
-          <p:cNvPr id="15" name="Content Placeholder 14">
-            <a:extLst>
-              <a:ext uri="{FF2B5EF4-FFF2-40B4-BE49-F238E27FC236}">
-                <a16:creationId xmlns:a16="http://schemas.microsoft.com/office/drawing/2014/main" id="{0DE4AC6A-3FAF-881B-86DE-A0BFC3B4250F}"/>
-              </a:ext>
-            </a:extLst>
-          </p:cNvPr>
-          <p:cNvSpPr>
-            <a:spLocks noGrp="1"/>
-          </p:cNvSpPr>
+          <a:lstStyle>
+            <a:lvl1pPr marL="228600" indent="-228600" algn="l" defTabSz="914400" rtl="0" eaLnBrk="1" latinLnBrk="0" hangingPunct="1">
+              <a:lnSpc>
+                <a:spcPct val="90000"/>
+              </a:lnSpc>
+              <a:spcBef>
+                <a:spcPts val="1000"/>
+              </a:spcBef>
+              <a:buFont typeface="Arial" panose="020B0604020202020204" pitchFamily="34" charset="0"/>
+              <a:buChar char="•"/>
+              <a:defRPr sz="2800" kern="1200">
+                <a:solidFill>
+                  <a:schemeClr val="tx1"/>
+                </a:solidFill>
+                <a:latin typeface="+mn-lt"/>
+                <a:ea typeface="+mn-ea"/>
+                <a:cs typeface="+mn-cs"/>
+              </a:defRPr>
+            </a:lvl1pPr>
+            <a:lvl2pPr marL="685800" indent="-228600" algn="l" defTabSz="914400" rtl="0" eaLnBrk="1" latinLnBrk="0" hangingPunct="1">
+              <a:lnSpc>
+                <a:spcPct val="90000"/>
+              </a:lnSpc>
+              <a:spcBef>
+                <a:spcPts val="500"/>
+              </a:spcBef>
+              <a:buFont typeface="Arial" panose="020B0604020202020204" pitchFamily="34" charset="0"/>
+              <a:buChar char="•"/>
+              <a:defRPr sz="2400" kern="1200">
+                <a:solidFill>
+                  <a:schemeClr val="tx1"/>
+                </a:solidFill>
+                <a:latin typeface="+mn-lt"/>
+                <a:ea typeface="+mn-ea"/>
+                <a:cs typeface="+mn-cs"/>
+              </a:defRPr>
+            </a:lvl2pPr>
+            <a:lvl3pPr marL="1143000" indent="-228600" algn="l" defTabSz="914400" rtl="0" eaLnBrk="1" latinLnBrk="0" hangingPunct="1">
+              <a:lnSpc>
+                <a:spcPct val="90000"/>
+              </a:lnSpc>
+              <a:spcBef>
+                <a:spcPts val="500"/>
+              </a:spcBef>
+              <a:buFont typeface="Arial" panose="020B0604020202020204" pitchFamily="34" charset="0"/>
+              <a:buChar char="•"/>
+              <a:defRPr sz="2000" kern="1200">
+                <a:solidFill>
+                  <a:schemeClr val="tx1"/>
+                </a:solidFill>
+                <a:latin typeface="+mn-lt"/>
+                <a:ea typeface="+mn-ea"/>
+                <a:cs typeface="+mn-cs"/>
+              </a:defRPr>
+            </a:lvl3pPr>
+            <a:lvl4pPr marL="1600200" indent="-228600" algn="l" defTabSz="914400" rtl="0" eaLnBrk="1" latinLnBrk="0" hangingPunct="1">
+              <a:lnSpc>
+                <a:spcPct val="90000"/>
+              </a:lnSpc>
+              <a:spcBef>
+                <a:spcPts val="500"/>
+              </a:spcBef>
+              <a:buFont typeface="Arial" panose="020B0604020202020204" pitchFamily="34" charset="0"/>
+              <a:buChar char="•"/>
+              <a:defRPr sz="1800" kern="1200">
+                <a:solidFill>
+                  <a:schemeClr val="tx1"/>
+                </a:solidFill>
+                <a:latin typeface="+mn-lt"/>
+                <a:ea typeface="+mn-ea"/>
+                <a:cs typeface="+mn-cs"/>
+              </a:defRPr>
+            </a:lvl4pPr>
+            <a:lvl5pPr marL="2057400" indent="-228600" algn="l" defTabSz="914400" rtl="0" eaLnBrk="1" latinLnBrk="0" hangingPunct="1">
+              <a:lnSpc>
+                <a:spcPct val="90000"/>
+              </a:lnSpc>
+              <a:spcBef>
+                <a:spcPts val="500"/>
+              </a:spcBef>
+              <a:buFont typeface="Arial" panose="020B0604020202020204" pitchFamily="34" charset="0"/>
+              <a:buChar char="•"/>
+              <a:defRPr sz="1800" kern="1200">
+                <a:solidFill>
+                  <a:schemeClr val="tx1"/>
+                </a:solidFill>
+                <a:latin typeface="+mn-lt"/>
+                <a:ea typeface="+mn-ea"/>
+                <a:cs typeface="+mn-cs"/>
+              </a:defRPr>
+            </a:lvl5pPr>
+            <a:lvl6pPr marL="2514600" indent="-228600" algn="l" defTabSz="914400" rtl="0" eaLnBrk="1" latinLnBrk="0" hangingPunct="1">
+              <a:lnSpc>
+                <a:spcPct val="90000"/>
+              </a:lnSpc>
+              <a:spcBef>
+                <a:spcPts val="500"/>
+              </a:spcBef>
+              <a:buFont typeface="Arial" panose="020B0604020202020204" pitchFamily="34" charset="0"/>
+              <a:buChar char="•"/>
+              <a:defRPr sz="1800" kern="1200">
+                <a:solidFill>
+                  <a:schemeClr val="tx1"/>
+                </a:solidFill>
+                <a:latin typeface="+mn-lt"/>
+                <a:ea typeface="+mn-ea"/>
+                <a:cs typeface="+mn-cs"/>
+              </a:defRPr>
+            </a:lvl6pPr>
+            <a:lvl7pPr marL="2971800" indent="-228600" algn="l" defTabSz="914400" rtl="0" eaLnBrk="1" latinLnBrk="0" hangingPunct="1">
+              <a:lnSpc>
+                <a:spcPct val="90000"/>
+              </a:lnSpc>
+              <a:spcBef>
+                <a:spcPts val="500"/>
+              </a:spcBef>
+              <a:buFont typeface="Arial" panose="020B0604020202020204" pitchFamily="34" charset="0"/>
+              <a:buChar char="•"/>
+              <a:defRPr sz="1800" kern="1200">
+                <a:solidFill>
+                  <a:schemeClr val="tx1"/>
+                </a:solidFill>
+                <a:latin typeface="+mn-lt"/>
+                <a:ea typeface="+mn-ea"/>
+                <a:cs typeface="+mn-cs"/>
+              </a:defRPr>
+            </a:lvl7pPr>
+            <a:lvl8pPr marL="3429000" indent="-228600" algn="l" defTabSz="914400" rtl="0" eaLnBrk="1" latinLnBrk="0" hangingPunct="1">
+              <a:lnSpc>
+                <a:spcPct val="90000"/>
+              </a:lnSpc>
+              <a:spcBef>
+                <a:spcPts val="500"/>
+              </a:spcBef>
+              <a:buFont typeface="Arial" panose="020B0604020202020204" pitchFamily="34" charset="0"/>
+              <a:buChar char="•"/>
+              <a:defRPr sz="1800" kern="1200">
+                <a:solidFill>
+                  <a:schemeClr val="tx1"/>
+                </a:solidFill>
+                <a:latin typeface="+mn-lt"/>
+                <a:ea typeface="+mn-ea"/>
+                <a:cs typeface="+mn-cs"/>
+              </a:defRPr>
+            </a:lvl8pPr>
+            <a:lvl9pPr marL="3886200" indent="-228600" algn="l" defTabSz="914400" rtl="0" eaLnBrk="1" latinLnBrk="0" hangingPunct="1">
+              <a:lnSpc>
+                <a:spcPct val="90000"/>
+              </a:lnSpc>
+              <a:spcBef>
+                <a:spcPts val="500"/>
+              </a:spcBef>
+              <a:buFont typeface="Arial" panose="020B0604020202020204" pitchFamily="34" charset="0"/>
+              <a:buChar char="•"/>
+              <a:defRPr sz="1800" kern="1200">
+                <a:solidFill>
+                  <a:schemeClr val="tx1"/>
+                </a:solidFill>
+                <a:latin typeface="+mn-lt"/>
+                <a:ea typeface="+mn-ea"/>
+                <a:cs typeface="+mn-cs"/>
+              </a:defRPr>
+            </a:lvl9pPr>
+          </a:lstStyle>
+          <a:p>
+            <a:r>
+              <a:rPr lang="en-US" dirty="0"/>
+              <a:t>This is an example of more complex project structure</a:t>
+            </a:r>
+          </a:p>
+          <a:p>
+            <a:r>
+              <a:rPr lang="en-US" dirty="0" err="1">
+                <a:hlinkClick r:id="rId2"/>
+              </a:rPr>
+              <a:t>golang</a:t>
+            </a:r>
+            <a:r>
+              <a:rPr lang="en-US" dirty="0">
+                <a:hlinkClick r:id="rId2"/>
+              </a:rPr>
+              <a:t>-q-a/examples/6 at main · </a:t>
+            </a:r>
+            <a:r>
+              <a:rPr lang="en-US" dirty="0" err="1">
+                <a:hlinkClick r:id="rId2"/>
+              </a:rPr>
+              <a:t>nbondarczuk</a:t>
+            </a:r>
+            <a:r>
+              <a:rPr lang="en-US" dirty="0">
+                <a:hlinkClick r:id="rId2"/>
+              </a:rPr>
+              <a:t>/</a:t>
+            </a:r>
+            <a:r>
+              <a:rPr lang="en-US" dirty="0" err="1">
+                <a:hlinkClick r:id="rId2"/>
+              </a:rPr>
+              <a:t>golang</a:t>
+            </a:r>
+            <a:r>
+              <a:rPr lang="en-US" dirty="0">
+                <a:hlinkClick r:id="rId2"/>
+              </a:rPr>
+              <a:t>-q-a · GitHub</a:t>
+            </a:r>
+            <a:endParaRPr lang="en-US" dirty="0"/>
+          </a:p>
+          <a:p>
+            <a:endParaRPr lang="en-US" dirty="0"/>
+          </a:p>
+          <a:p>
+            <a:endParaRPr lang="en-US" dirty="0"/>
+          </a:p>
+        </p:txBody>
+      </p:sp>
+      <p:pic>
+        <p:nvPicPr>
+          <p:cNvPr id="8" name="Content Placeholder 7">
+            <a:extLst>
+              <a:ext uri="{FF2B5EF4-FFF2-40B4-BE49-F238E27FC236}">
+                <a16:creationId xmlns:a16="http://schemas.microsoft.com/office/drawing/2014/main" id="{C8447DE3-2805-893A-3C2C-7CC513256D02}"/>
+              </a:ext>
+            </a:extLst>
+          </p:cNvPr>
+          <p:cNvPicPr>
+            <a:picLocks noGrp="1" noChangeAspect="1"/>
+          </p:cNvPicPr>
           <p:nvPr>
             <p:ph idx="1"/>
           </p:nvPr>
-        </p:nvSpPr>
-        <p:spPr/>
-        <p:txBody>
-          <a:bodyPr>
-            <a:normAutofit fontScale="85000" lnSpcReduction="20000"/>
-          </a:bodyPr>
-          <a:lstStyle/>
-          <a:p>
-            <a:pPr lvl="1"/>
-            <a:r>
-              <a:rPr lang="en-US" dirty="0"/>
-              <a:t>Errors are values.</a:t>
-            </a:r>
-          </a:p>
-          <a:p>
-            <a:pPr lvl="1"/>
-            <a:r>
-              <a:rPr lang="en-US" dirty="0"/>
-              <a:t>Don’t just check errors, handle them gracefully.</a:t>
-            </a:r>
-          </a:p>
-          <a:p>
-            <a:pPr lvl="1"/>
-            <a:r>
-              <a:rPr lang="en-US" dirty="0"/>
-              <a:t>Don’t panic.</a:t>
-            </a:r>
-          </a:p>
-          <a:p>
-            <a:pPr lvl="1"/>
-            <a:r>
-              <a:rPr lang="en-US" dirty="0"/>
-              <a:t>Make the zero value useful.</a:t>
-            </a:r>
-          </a:p>
-          <a:p>
-            <a:pPr lvl="1"/>
-            <a:r>
-              <a:rPr lang="en-US" dirty="0"/>
-              <a:t>The bigger the interface, the weaker the abstraction.</a:t>
-            </a:r>
-          </a:p>
-          <a:p>
-            <a:pPr lvl="1"/>
-            <a:r>
-              <a:rPr lang="en-US" dirty="0"/>
-              <a:t>interface{} says nothing.</a:t>
-            </a:r>
-          </a:p>
-          <a:p>
-            <a:pPr lvl="1"/>
-            <a:r>
-              <a:rPr lang="en-US" dirty="0" err="1"/>
-              <a:t>Gofmt’s</a:t>
-            </a:r>
-            <a:r>
-              <a:rPr lang="en-US" dirty="0"/>
-              <a:t> style is no one’s favorite, yet </a:t>
-            </a:r>
-            <a:r>
-              <a:rPr lang="en-US" dirty="0" err="1"/>
-              <a:t>gofmt</a:t>
-            </a:r>
-            <a:r>
-              <a:rPr lang="en-US" dirty="0"/>
-              <a:t> is everyone’s favorite.</a:t>
-            </a:r>
-          </a:p>
-          <a:p>
-            <a:pPr lvl="1"/>
-            <a:r>
-              <a:rPr lang="en-US" dirty="0"/>
-              <a:t>Documentation is for users.</a:t>
-            </a:r>
-          </a:p>
-          <a:p>
-            <a:pPr lvl="1"/>
-            <a:r>
-              <a:rPr lang="en-US" dirty="0"/>
-              <a:t>A little copying is better than a little dependency.</a:t>
-            </a:r>
-          </a:p>
-          <a:p>
-            <a:pPr lvl="1"/>
-            <a:r>
-              <a:rPr lang="en-US" dirty="0"/>
-              <a:t>Clear is better than clever.</a:t>
-            </a:r>
-          </a:p>
-          <a:p>
-            <a:pPr lvl="1"/>
-            <a:r>
-              <a:rPr lang="en-US" dirty="0"/>
-              <a:t>Concurrency is not parallelism.</a:t>
-            </a:r>
-          </a:p>
-          <a:p>
-            <a:pPr lvl="1"/>
-            <a:r>
-              <a:rPr lang="en-US" dirty="0"/>
-              <a:t>Don’t communicate by sharing memory, share memory by communicating.</a:t>
-            </a:r>
-          </a:p>
-          <a:p>
-            <a:pPr lvl="1"/>
-            <a:r>
-              <a:rPr lang="en-US" dirty="0"/>
-              <a:t>Channels orchestrate; mutexes serialize.</a:t>
-            </a:r>
-          </a:p>
-          <a:p>
-            <a:pPr lvl="1"/>
-            <a:endParaRPr lang="en-US" dirty="0"/>
-          </a:p>
-          <a:p>
-            <a:pPr marL="457200" lvl="1" indent="0">
-              <a:buNone/>
-            </a:pPr>
-            <a:r>
-              <a:rPr lang="en-US" dirty="0"/>
-              <a:t>Rob Pike, Go Proverbs (see go-proverbs.github.io)”</a:t>
-            </a:r>
-          </a:p>
-          <a:p>
-            <a:endParaRPr lang="en-US" dirty="0"/>
-          </a:p>
-        </p:txBody>
-      </p:sp>
+        </p:nvPicPr>
+        <p:blipFill>
+          <a:blip r:embed="rId3"/>
+          <a:stretch>
+            <a:fillRect/>
+          </a:stretch>
+        </p:blipFill>
+        <p:spPr>
+          <a:xfrm>
+            <a:off x="8097712" y="1690233"/>
+            <a:ext cx="2286834" cy="4351338"/>
+          </a:xfrm>
+        </p:spPr>
+      </p:pic>
     </p:spTree>
     <p:extLst>
       <p:ext uri="{BB962C8B-B14F-4D97-AF65-F5344CB8AC3E}">
-        <p14:creationId xmlns:p14="http://schemas.microsoft.com/office/powerpoint/2010/main" val="3184894582"/>
+        <p14:creationId xmlns:p14="http://schemas.microsoft.com/office/powerpoint/2010/main" val="345003730"/>
       </p:ext>
     </p:extLst>
   </p:cSld>
@@ -17602,7 +17809,7 @@
           <p:cNvPr id="2" name="Title 1">
             <a:extLst>
               <a:ext uri="{FF2B5EF4-FFF2-40B4-BE49-F238E27FC236}">
-                <a16:creationId xmlns:a16="http://schemas.microsoft.com/office/drawing/2014/main" id="{CFACDA59-55A0-4EA5-B3E4-646D1D3B4CEB}"/>
+                <a16:creationId xmlns:a16="http://schemas.microsoft.com/office/drawing/2014/main" id="{C5F2FB0B-15EC-453B-BC9B-69AD35DDCEA3}"/>
               </a:ext>
             </a:extLst>
           </p:cNvPr>
@@ -17610,10 +17817,57 @@
             <a:spLocks noGrp="1"/>
           </p:cNvSpPr>
           <p:nvPr>
-            <p:ph type="title"/>
+            <p:ph type="ctrTitle"/>
           </p:nvPr>
         </p:nvSpPr>
         <p:spPr/>
+        <p:txBody>
+          <a:bodyPr>
+            <a:normAutofit fontScale="90000"/>
+          </a:bodyPr>
+          <a:lstStyle/>
+          <a:p>
+            <a:r>
+              <a:rPr lang="en-US" sz="6000" dirty="0">
+                <a:solidFill>
+                  <a:schemeClr val="bg1"/>
+                </a:solidFill>
+              </a:rPr>
+              <a:t>QUESTION AND ANSWERS</a:t>
+            </a:r>
+            <a:br>
+              <a:rPr lang="en-US" sz="6000" dirty="0">
+                <a:solidFill>
+                  <a:schemeClr val="bg1"/>
+                </a:solidFill>
+              </a:rPr>
+            </a:br>
+            <a:endParaRPr lang="en-US" dirty="0"/>
+          </a:p>
+        </p:txBody>
+      </p:sp>
+      <p:sp>
+        <p:nvSpPr>
+          <p:cNvPr id="3" name="Subtitle 2">
+            <a:extLst>
+              <a:ext uri="{FF2B5EF4-FFF2-40B4-BE49-F238E27FC236}">
+                <a16:creationId xmlns:a16="http://schemas.microsoft.com/office/drawing/2014/main" id="{05408798-0DB3-46BF-880E-7BB904D700F6}"/>
+              </a:ext>
+            </a:extLst>
+          </p:cNvPr>
+          <p:cNvSpPr>
+            <a:spLocks noGrp="1"/>
+          </p:cNvSpPr>
+          <p:nvPr>
+            <p:ph type="subTitle" idx="1"/>
+          </p:nvPr>
+        </p:nvSpPr>
+        <p:spPr>
+          <a:xfrm>
+            <a:off x="1527048" y="3858767"/>
+            <a:ext cx="9144000" cy="2752097"/>
+          </a:xfrm>
+        </p:spPr>
         <p:txBody>
           <a:bodyPr>
             <a:normAutofit/>
@@ -17622,83 +17876,21 @@
           <a:p>
             <a:r>
               <a:rPr lang="en-US" dirty="0"/>
-              <a:t>Code examples for workshop</a:t>
-            </a:r>
-            <a:endParaRPr lang="en-US" sz="5400" dirty="0"/>
-          </a:p>
-        </p:txBody>
-      </p:sp>
-      <p:sp>
-        <p:nvSpPr>
-          <p:cNvPr id="15" name="Content Placeholder 14">
-            <a:extLst>
-              <a:ext uri="{FF2B5EF4-FFF2-40B4-BE49-F238E27FC236}">
-                <a16:creationId xmlns:a16="http://schemas.microsoft.com/office/drawing/2014/main" id="{0DE4AC6A-3FAF-881B-86DE-A0BFC3B4250F}"/>
-              </a:ext>
-            </a:extLst>
-          </p:cNvPr>
-          <p:cNvSpPr>
-            <a:spLocks noGrp="1"/>
-          </p:cNvSpPr>
-          <p:nvPr>
-            <p:ph idx="1"/>
-          </p:nvPr>
-        </p:nvSpPr>
-        <p:spPr/>
-        <p:txBody>
-          <a:bodyPr>
-            <a:normAutofit/>
-          </a:bodyPr>
-          <a:lstStyle/>
-          <a:p>
-            <a:r>
-              <a:rPr lang="en-US" dirty="0"/>
-              <a:t>Available at: </a:t>
-            </a:r>
-            <a:r>
-              <a:rPr lang="en-US" dirty="0" err="1">
-                <a:hlinkClick r:id="rId2"/>
-              </a:rPr>
-              <a:t>golang</a:t>
-            </a:r>
-            <a:r>
-              <a:rPr lang="en-US" dirty="0">
-                <a:hlinkClick r:id="rId2"/>
-              </a:rPr>
-              <a:t>-q-a/examples at main · </a:t>
-            </a:r>
-            <a:r>
-              <a:rPr lang="en-US" dirty="0" err="1">
-                <a:hlinkClick r:id="rId2"/>
-              </a:rPr>
-              <a:t>nbondarczuk</a:t>
-            </a:r>
-            <a:r>
-              <a:rPr lang="en-US" dirty="0">
-                <a:hlinkClick r:id="rId2"/>
-              </a:rPr>
-              <a:t>/</a:t>
-            </a:r>
-            <a:r>
-              <a:rPr lang="en-US" dirty="0" err="1">
-                <a:hlinkClick r:id="rId2"/>
-              </a:rPr>
-              <a:t>golang</a:t>
-            </a:r>
-            <a:r>
-              <a:rPr lang="en-US" dirty="0">
-                <a:hlinkClick r:id="rId2"/>
-              </a:rPr>
-              <a:t>-q-a · GitHub</a:t>
-            </a:r>
-            <a:endParaRPr lang="en-US" dirty="0"/>
+              <a:t>Go proverbs – quiz</a:t>
+            </a:r>
+          </a:p>
+          <a:p>
+            <a:r>
+              <a:rPr lang="en-US" dirty="0"/>
+              <a:t>Examples for workshop</a:t>
+            </a:r>
           </a:p>
         </p:txBody>
       </p:sp>
     </p:spTree>
     <p:extLst>
       <p:ext uri="{BB962C8B-B14F-4D97-AF65-F5344CB8AC3E}">
-        <p14:creationId xmlns:p14="http://schemas.microsoft.com/office/powerpoint/2010/main" val="3384533040"/>
+        <p14:creationId xmlns:p14="http://schemas.microsoft.com/office/powerpoint/2010/main" val="2748183101"/>
       </p:ext>
     </p:extLst>
   </p:cSld>
@@ -17727,142 +17919,10 @@
       </p:grpSpPr>
       <p:sp>
         <p:nvSpPr>
-          <p:cNvPr id="22" name="Date Placeholder 21">
-            <a:extLst>
-              <a:ext uri="{FF2B5EF4-FFF2-40B4-BE49-F238E27FC236}">
-                <a16:creationId xmlns:a16="http://schemas.microsoft.com/office/drawing/2014/main" id="{692474E6-3035-46B8-9C05-9B4204E8ED39}"/>
-              </a:ext>
-            </a:extLst>
-          </p:cNvPr>
-          <p:cNvSpPr>
-            <a:spLocks noGrp="1"/>
-          </p:cNvSpPr>
-          <p:nvPr>
-            <p:ph type="dt" sz="half" idx="10"/>
-          </p:nvPr>
-        </p:nvSpPr>
-        <p:spPr/>
-        <p:txBody>
-          <a:bodyPr/>
-          <a:lstStyle/>
-          <a:p>
-            <a:r>
-              <a:rPr lang="en-US" dirty="0"/>
-              <a:t>28/2/2023</a:t>
-            </a:r>
-          </a:p>
-        </p:txBody>
-      </p:sp>
-      <p:sp>
-        <p:nvSpPr>
-          <p:cNvPr id="24" name="Slide Number Placeholder 23">
-            <a:extLst>
-              <a:ext uri="{FF2B5EF4-FFF2-40B4-BE49-F238E27FC236}">
-                <a16:creationId xmlns:a16="http://schemas.microsoft.com/office/drawing/2014/main" id="{5D838446-B95D-4AB7-B8CA-D5804BB79A11}"/>
-              </a:ext>
-            </a:extLst>
-          </p:cNvPr>
-          <p:cNvSpPr>
-            <a:spLocks noGrp="1"/>
-          </p:cNvSpPr>
-          <p:nvPr>
-            <p:ph type="sldNum" sz="quarter" idx="12"/>
-          </p:nvPr>
-        </p:nvSpPr>
-        <p:spPr/>
-        <p:txBody>
-          <a:bodyPr/>
-          <a:lstStyle/>
-          <a:p>
-            <a:fld id="{D8DA9DAA-006C-4F4B-980E-E3DF019B24E2}" type="slidenum">
-              <a:rPr lang="en-US" smtClean="0"/>
-              <a:pPr/>
-              <a:t>39</a:t>
-            </a:fld>
-            <a:endParaRPr lang="en-US" dirty="0"/>
-          </a:p>
-        </p:txBody>
-      </p:sp>
-      <p:sp>
-        <p:nvSpPr>
-          <p:cNvPr id="23" name="Footer Placeholder 22">
-            <a:extLst>
-              <a:ext uri="{FF2B5EF4-FFF2-40B4-BE49-F238E27FC236}">
-                <a16:creationId xmlns:a16="http://schemas.microsoft.com/office/drawing/2014/main" id="{DE8D546E-0F46-4CC0-B2B1-8B2430D00C0C}"/>
-              </a:ext>
-            </a:extLst>
-          </p:cNvPr>
-          <p:cNvSpPr>
-            <a:spLocks noGrp="1"/>
-          </p:cNvSpPr>
-          <p:nvPr>
-            <p:ph type="ftr" sz="quarter" idx="11"/>
-          </p:nvPr>
-        </p:nvSpPr>
-        <p:spPr/>
-        <p:txBody>
-          <a:bodyPr/>
-          <a:lstStyle/>
-          <a:p>
-            <a:r>
-              <a:rPr lang="en-US" dirty="0"/>
-              <a:t>LFS-EDGE</a:t>
-            </a:r>
-          </a:p>
-        </p:txBody>
-      </p:sp>
-      <p:pic>
-        <p:nvPicPr>
-          <p:cNvPr id="9" name="Picture Placeholder 8" descr="mountains at sunset">
-            <a:extLst>
-              <a:ext uri="{FF2B5EF4-FFF2-40B4-BE49-F238E27FC236}">
-                <a16:creationId xmlns:a16="http://schemas.microsoft.com/office/drawing/2014/main" id="{C82DA925-978C-48A9-98AD-0653B7A3D2D9}"/>
-              </a:ext>
-            </a:extLst>
-          </p:cNvPr>
-          <p:cNvPicPr>
-            <a:picLocks noGrp="1" noChangeAspect="1"/>
-          </p:cNvPicPr>
-          <p:nvPr>
-            <p:ph type="pic" sz="quarter" idx="14"/>
-          </p:nvPr>
-        </p:nvPicPr>
-        <p:blipFill rotWithShape="1">
-          <a:blip r:embed="rId2"/>
-          <a:srcRect t="41" b="41"/>
-          <a:stretch/>
-        </p:blipFill>
-        <p:spPr/>
-      </p:pic>
-      <p:pic>
-        <p:nvPicPr>
-          <p:cNvPr id="11" name="Picture Placeholder 10" descr="mountains at sunset">
-            <a:extLst>
-              <a:ext uri="{FF2B5EF4-FFF2-40B4-BE49-F238E27FC236}">
-                <a16:creationId xmlns:a16="http://schemas.microsoft.com/office/drawing/2014/main" id="{E63B7C3F-04A4-43F6-881D-FA11061CBAFA}"/>
-              </a:ext>
-            </a:extLst>
-          </p:cNvPr>
-          <p:cNvPicPr>
-            <a:picLocks noGrp="1" noChangeAspect="1"/>
-          </p:cNvPicPr>
-          <p:nvPr>
-            <p:ph type="pic" sz="quarter" idx="15"/>
-          </p:nvPr>
-        </p:nvPicPr>
-        <p:blipFill rotWithShape="1">
-          <a:blip r:embed="rId3"/>
-          <a:srcRect t="347" b="347"/>
-          <a:stretch/>
-        </p:blipFill>
-        <p:spPr/>
-      </p:pic>
-      <p:sp>
-        <p:nvSpPr>
-          <p:cNvPr id="6" name="Title 5">
-            <a:extLst>
-              <a:ext uri="{FF2B5EF4-FFF2-40B4-BE49-F238E27FC236}">
-                <a16:creationId xmlns:a16="http://schemas.microsoft.com/office/drawing/2014/main" id="{FF777B66-94CB-491C-AC6B-BDAC98E21D57}"/>
+          <p:cNvPr id="2" name="Title 1">
+            <a:extLst>
+              <a:ext uri="{FF2B5EF4-FFF2-40B4-BE49-F238E27FC236}">
+                <a16:creationId xmlns:a16="http://schemas.microsoft.com/office/drawing/2014/main" id="{CFACDA59-55A0-4EA5-B3E4-646D1D3B4CEB}"/>
               </a:ext>
             </a:extLst>
           </p:cNvPr>
@@ -17875,22 +17935,25 @@
         </p:nvSpPr>
         <p:spPr/>
         <p:txBody>
-          <a:bodyPr/>
+          <a:bodyPr>
+            <a:normAutofit/>
+          </a:bodyPr>
           <a:lstStyle/>
           <a:p>
             <a:r>
               <a:rPr lang="en-US" dirty="0"/>
-              <a:t>Thank you</a:t>
-            </a:r>
-          </a:p>
-        </p:txBody>
-      </p:sp>
-      <p:sp>
-        <p:nvSpPr>
-          <p:cNvPr id="7" name="Text Placeholder 6">
-            <a:extLst>
-              <a:ext uri="{FF2B5EF4-FFF2-40B4-BE49-F238E27FC236}">
-                <a16:creationId xmlns:a16="http://schemas.microsoft.com/office/drawing/2014/main" id="{42AF1107-8D35-4E35-93C7-D3640946F742}"/>
+              <a:t>Go proverbs - quiz</a:t>
+            </a:r>
+            <a:endParaRPr lang="en-US" sz="5400" dirty="0"/>
+          </a:p>
+        </p:txBody>
+      </p:sp>
+      <p:sp>
+        <p:nvSpPr>
+          <p:cNvPr id="15" name="Content Placeholder 14">
+            <a:extLst>
+              <a:ext uri="{FF2B5EF4-FFF2-40B4-BE49-F238E27FC236}">
+                <a16:creationId xmlns:a16="http://schemas.microsoft.com/office/drawing/2014/main" id="{0DE4AC6A-3FAF-881B-86DE-A0BFC3B4250F}"/>
               </a:ext>
             </a:extLst>
           </p:cNvPr>
@@ -17898,77 +17961,140 @@
             <a:spLocks noGrp="1"/>
           </p:cNvSpPr>
           <p:nvPr>
-            <p:ph type="body" sz="quarter" idx="13"/>
+            <p:ph idx="1"/>
           </p:nvPr>
         </p:nvSpPr>
         <p:spPr/>
         <p:txBody>
-          <a:bodyPr/>
+          <a:bodyPr>
+            <a:normAutofit fontScale="85000" lnSpcReduction="20000"/>
+          </a:bodyPr>
           <a:lstStyle/>
           <a:p>
-            <a:r>
-              <a:rPr lang="en-US" dirty="0"/>
-              <a:t>Norbert Bondarczuk</a:t>
-            </a:r>
-          </a:p>
-          <a:p>
-            <a:r>
-              <a:rPr lang="en-US" dirty="0"/>
-              <a:t>Norbert.Bondarczuk@hp.com</a:t>
-            </a:r>
-          </a:p>
-        </p:txBody>
-      </p:sp>
-      <p:pic>
-        <p:nvPicPr>
-          <p:cNvPr id="15" name="Picture Placeholder 14" descr="mountains under near dusk sky">
-            <a:extLst>
-              <a:ext uri="{FF2B5EF4-FFF2-40B4-BE49-F238E27FC236}">
-                <a16:creationId xmlns:a16="http://schemas.microsoft.com/office/drawing/2014/main" id="{3D15FDC1-74B5-4FD8-BD17-0E2502C411A6}"/>
-              </a:ext>
-            </a:extLst>
-          </p:cNvPr>
-          <p:cNvPicPr>
-            <a:picLocks noGrp="1" noChangeAspect="1"/>
-          </p:cNvPicPr>
-          <p:nvPr>
-            <p:ph type="pic" sz="quarter" idx="17"/>
-          </p:nvPr>
-        </p:nvPicPr>
-        <p:blipFill rotWithShape="1">
-          <a:blip r:embed="rId4"/>
-          <a:srcRect l="16" r="16"/>
-          <a:stretch/>
-        </p:blipFill>
-        <p:spPr/>
-      </p:pic>
-      <p:pic>
-        <p:nvPicPr>
-          <p:cNvPr id="13" name="Picture Placeholder 12" descr="mountains under the night sky just before dawn">
-            <a:extLst>
-              <a:ext uri="{FF2B5EF4-FFF2-40B4-BE49-F238E27FC236}">
-                <a16:creationId xmlns:a16="http://schemas.microsoft.com/office/drawing/2014/main" id="{E02C4914-F076-4415-9C5D-A9BDB6CC6110}"/>
-              </a:ext>
-            </a:extLst>
-          </p:cNvPr>
-          <p:cNvPicPr>
-            <a:picLocks noGrp="1" noChangeAspect="1"/>
-          </p:cNvPicPr>
-          <p:nvPr>
-            <p:ph type="pic" sz="quarter" idx="16"/>
-          </p:nvPr>
-        </p:nvPicPr>
-        <p:blipFill rotWithShape="1">
-          <a:blip r:embed="rId5"/>
-          <a:srcRect t="108" b="108"/>
-          <a:stretch/>
-        </p:blipFill>
-        <p:spPr/>
-      </p:pic>
+            <a:pPr lvl="1"/>
+            <a:r>
+              <a:rPr lang="en-US" dirty="0"/>
+              <a:t>Errors are values.</a:t>
+            </a:r>
+          </a:p>
+          <a:p>
+            <a:pPr lvl="1"/>
+            <a:r>
+              <a:rPr lang="en-US" dirty="0"/>
+              <a:t>Don’t just check errors, handle them gracefully.</a:t>
+            </a:r>
+          </a:p>
+          <a:p>
+            <a:pPr lvl="1"/>
+            <a:r>
+              <a:rPr lang="en-US" dirty="0"/>
+              <a:t>Don’t panic.</a:t>
+            </a:r>
+          </a:p>
+          <a:p>
+            <a:pPr lvl="1"/>
+            <a:r>
+              <a:rPr lang="en-US" dirty="0"/>
+              <a:t>Make the zero value useful.</a:t>
+            </a:r>
+          </a:p>
+          <a:p>
+            <a:pPr lvl="1"/>
+            <a:r>
+              <a:rPr lang="en-US" dirty="0"/>
+              <a:t>The bigger the interface, the weaker the abstraction.</a:t>
+            </a:r>
+          </a:p>
+          <a:p>
+            <a:pPr lvl="1"/>
+            <a:r>
+              <a:rPr lang="en-US" dirty="0"/>
+              <a:t>interface{} says nothing.</a:t>
+            </a:r>
+          </a:p>
+          <a:p>
+            <a:pPr lvl="1"/>
+            <a:r>
+              <a:rPr lang="en-US" dirty="0" err="1"/>
+              <a:t>Gofmt’s</a:t>
+            </a:r>
+            <a:r>
+              <a:rPr lang="en-US" dirty="0"/>
+              <a:t> style is no one’s favorite, yet </a:t>
+            </a:r>
+            <a:r>
+              <a:rPr lang="en-US" dirty="0" err="1"/>
+              <a:t>gofmt</a:t>
+            </a:r>
+            <a:r>
+              <a:rPr lang="en-US" dirty="0"/>
+              <a:t> is everyone’s favorite.</a:t>
+            </a:r>
+          </a:p>
+          <a:p>
+            <a:pPr lvl="1"/>
+            <a:r>
+              <a:rPr lang="en-US" dirty="0"/>
+              <a:t>Documentation is for users.</a:t>
+            </a:r>
+          </a:p>
+          <a:p>
+            <a:pPr lvl="1"/>
+            <a:r>
+              <a:rPr lang="en-US" dirty="0"/>
+              <a:t>A little copying is better than a little dependency.</a:t>
+            </a:r>
+          </a:p>
+          <a:p>
+            <a:pPr lvl="1"/>
+            <a:r>
+              <a:rPr lang="en-US" dirty="0"/>
+              <a:t>Clear is better than clever.</a:t>
+            </a:r>
+          </a:p>
+          <a:p>
+            <a:pPr lvl="1"/>
+            <a:r>
+              <a:rPr lang="en-US" dirty="0"/>
+              <a:t>Concurrency is not parallelism.</a:t>
+            </a:r>
+          </a:p>
+          <a:p>
+            <a:pPr lvl="1"/>
+            <a:r>
+              <a:rPr lang="en-US" dirty="0"/>
+              <a:t>Don’t communicate by sharing memory, share memory by communicating.</a:t>
+            </a:r>
+          </a:p>
+          <a:p>
+            <a:pPr lvl="1"/>
+            <a:r>
+              <a:rPr lang="en-US" dirty="0"/>
+              <a:t>Channels orchestrate; mutexes serialize.</a:t>
+            </a:r>
+          </a:p>
+          <a:p>
+            <a:pPr lvl="1"/>
+            <a:endParaRPr lang="en-US" dirty="0"/>
+          </a:p>
+          <a:p>
+            <a:pPr marL="457200" lvl="1" indent="0">
+              <a:buNone/>
+            </a:pPr>
+            <a:r>
+              <a:rPr lang="en-US" dirty="0"/>
+              <a:t>Rob Pike, Go Proverbs (see go-proverbs.github.io)”</a:t>
+            </a:r>
+          </a:p>
+          <a:p>
+            <a:endParaRPr lang="en-US" dirty="0"/>
+          </a:p>
+        </p:txBody>
+      </p:sp>
     </p:spTree>
     <p:extLst>
       <p:ext uri="{BB962C8B-B14F-4D97-AF65-F5344CB8AC3E}">
-        <p14:creationId xmlns:p14="http://schemas.microsoft.com/office/powerpoint/2010/main" val="927313156"/>
+        <p14:creationId xmlns:p14="http://schemas.microsoft.com/office/powerpoint/2010/main" val="3184894582"/>
       </p:ext>
     </p:extLst>
   </p:cSld>
@@ -18044,7 +18170,7 @@
         <p:spPr>
           <a:xfrm>
             <a:off x="838200" y="1584124"/>
-            <a:ext cx="6221412" cy="2084361"/>
+            <a:ext cx="6221412" cy="4708726"/>
           </a:xfrm>
         </p:spPr>
         <p:txBody>
@@ -18068,6 +18194,48 @@
               <a:rPr lang="en-US" dirty="0"/>
               <a:t>, R. Pike, K. Thompson all working for Google (at the time).</a:t>
             </a:r>
+          </a:p>
+          <a:p>
+            <a:pPr marL="457200" lvl="1" indent="0">
+              <a:buNone/>
+            </a:pPr>
+            <a:endParaRPr lang="en-US" dirty="0"/>
+          </a:p>
+          <a:p>
+            <a:pPr marL="457200" lvl="1" indent="0">
+              <a:buNone/>
+            </a:pPr>
+            <a:endParaRPr lang="en-US" dirty="0"/>
+          </a:p>
+          <a:p>
+            <a:pPr marL="457200" lvl="1" indent="0">
+              <a:buNone/>
+            </a:pPr>
+            <a:endParaRPr lang="en-US" dirty="0"/>
+          </a:p>
+          <a:p>
+            <a:pPr marL="457200" lvl="1" indent="0">
+              <a:buNone/>
+            </a:pPr>
+            <a:endParaRPr lang="en-US" dirty="0"/>
+          </a:p>
+          <a:p>
+            <a:pPr marL="457200" lvl="1" indent="0">
+              <a:buNone/>
+            </a:pPr>
+            <a:endParaRPr lang="en-US" dirty="0"/>
+          </a:p>
+          <a:p>
+            <a:pPr marL="457200" lvl="1" indent="0">
+              <a:buNone/>
+            </a:pPr>
+            <a:endParaRPr lang="en-US" dirty="0"/>
+          </a:p>
+          <a:p>
+            <a:pPr marL="457200" lvl="1" indent="0">
+              <a:buNone/>
+            </a:pPr>
+            <a:endParaRPr lang="en-US" dirty="0"/>
           </a:p>
           <a:p>
             <a:pPr marL="457200" lvl="1" indent="0">
@@ -18149,7 +18317,7 @@
 </p:sld>
 </file>
 
-<file path=ppt/slides/slide5.xml><?xml version="1.0" encoding="utf-8"?>
+<file path=ppt/slides/slide40.xml><?xml version="1.0" encoding="utf-8"?>
 <p:sld xmlns:a="http://schemas.openxmlformats.org/drawingml/2006/main" xmlns:r="http://schemas.openxmlformats.org/officeDocument/2006/relationships" xmlns:p="http://schemas.openxmlformats.org/presentationml/2006/main">
   <p:cSld>
     <p:spTree>
@@ -18191,7 +18359,7 @@
           <a:p>
             <a:r>
               <a:rPr lang="en-US" dirty="0"/>
-              <a:t>What is this?</a:t>
+              <a:t>Code examples for workshop</a:t>
             </a:r>
             <a:endParaRPr lang="en-US" sz="5400" dirty="0"/>
           </a:p>
@@ -18213,99 +18381,53 @@
             <p:ph idx="1"/>
           </p:nvPr>
         </p:nvSpPr>
-        <p:spPr>
-          <a:xfrm>
-            <a:off x="736600" y="1794932"/>
-            <a:ext cx="10515600" cy="4504267"/>
-          </a:xfrm>
-        </p:spPr>
+        <p:spPr/>
         <p:txBody>
           <a:bodyPr>
             <a:normAutofit/>
           </a:bodyPr>
           <a:lstStyle/>
           <a:p>
-            <a:pPr marL="0" indent="0">
-              <a:buNone/>
-            </a:pPr>
-            <a:r>
-              <a:rPr lang="en-US" i="1" dirty="0"/>
-              <a:t>“Go is an open source programming language that makes it easy to build simple, reliable and efficient software”</a:t>
-            </a:r>
-            <a:r>
-              <a:rPr lang="en-US" dirty="0"/>
-              <a:t> (From the Go site at </a:t>
-            </a:r>
-            <a:r>
-              <a:rPr lang="en-US" dirty="0">
-                <a:latin typeface="Courier New" panose="02070309020205020404" pitchFamily="49" charset="0"/>
-                <a:cs typeface="Courier New" panose="02070309020205020404" pitchFamily="49" charset="0"/>
+            <a:r>
+              <a:rPr lang="en-US" dirty="0"/>
+              <a:t>Available at: </a:t>
+            </a:r>
+            <a:r>
+              <a:rPr lang="en-US" dirty="0" err="1">
+                <a:hlinkClick r:id="rId2"/>
               </a:rPr>
-              <a:t>golang.org</a:t>
-            </a:r>
-            <a:r>
-              <a:rPr lang="en-US" dirty="0"/>
-              <a:t>)</a:t>
-            </a:r>
-          </a:p>
-          <a:p>
-            <a:pPr marL="0" indent="0">
-              <a:buNone/>
-            </a:pPr>
-            <a:endParaRPr lang="en-US" dirty="0"/>
-          </a:p>
-          <a:p>
-            <a:pPr marL="457200" lvl="1" indent="0">
-              <a:buNone/>
-            </a:pPr>
+              <a:t>golang</a:t>
+            </a:r>
             <a:r>
               <a:rPr lang="en-US" dirty="0">
                 <a:hlinkClick r:id="rId2"/>
               </a:rPr>
-              <a:t>The Go Programming Language</a:t>
-            </a:r>
-            <a:endParaRPr lang="en-US" dirty="0"/>
-          </a:p>
-          <a:p>
-            <a:pPr marL="457200" lvl="1" indent="0">
-              <a:buNone/>
-            </a:pPr>
-            <a:endParaRPr lang="en-US" dirty="0"/>
-          </a:p>
-          <a:p>
-            <a:pPr marL="457200" lvl="1" indent="0">
-              <a:buNone/>
-            </a:pPr>
+              <a:t>-q-a/examples at main · </a:t>
+            </a:r>
+            <a:r>
+              <a:rPr lang="en-US" dirty="0" err="1">
+                <a:hlinkClick r:id="rId2"/>
+              </a:rPr>
+              <a:t>nbondarczuk</a:t>
+            </a:r>
             <a:r>
               <a:rPr lang="en-US" dirty="0">
-                <a:hlinkClick r:id="rId3"/>
+                <a:hlinkClick r:id="rId2"/>
               </a:rPr>
-              <a:t>Tutorial: Get started with Go - The Go Programming Language</a:t>
-            </a:r>
-            <a:endParaRPr lang="en-US" dirty="0"/>
-          </a:p>
-          <a:p>
-            <a:pPr marL="457200" lvl="1" indent="0">
-              <a:buNone/>
-            </a:pPr>
-            <a:endParaRPr lang="en-US" dirty="0"/>
-          </a:p>
-          <a:p>
-            <a:pPr marL="457200" lvl="1" indent="0">
-              <a:buNone/>
-            </a:pPr>
+              <a:t>/</a:t>
+            </a:r>
+            <a:r>
+              <a:rPr lang="en-US" dirty="0" err="1">
+                <a:hlinkClick r:id="rId2"/>
+              </a:rPr>
+              <a:t>golang</a:t>
+            </a:r>
             <a:r>
               <a:rPr lang="en-US" dirty="0">
-                <a:hlinkClick r:id="rId4"/>
+                <a:hlinkClick r:id="rId2"/>
               </a:rPr>
-              <a:t>Documentation - The Go Programming Language</a:t>
-            </a:r>
-            <a:endParaRPr lang="en-US" dirty="0"/>
-          </a:p>
-          <a:p>
-            <a:pPr marL="0" indent="0">
-              <a:buNone/>
-            </a:pPr>
+              <a:t>-q-a · GitHub</a:t>
+            </a:r>
             <a:endParaRPr lang="en-US" dirty="0"/>
           </a:p>
         </p:txBody>
@@ -18313,7 +18435,7 @@
     </p:spTree>
     <p:extLst>
       <p:ext uri="{BB962C8B-B14F-4D97-AF65-F5344CB8AC3E}">
-        <p14:creationId xmlns:p14="http://schemas.microsoft.com/office/powerpoint/2010/main" val="1979549358"/>
+        <p14:creationId xmlns:p14="http://schemas.microsoft.com/office/powerpoint/2010/main" val="3384533040"/>
       </p:ext>
     </p:extLst>
   </p:cSld>
@@ -18323,7 +18445,7 @@
 </p:sld>
 </file>
 
-<file path=ppt/slides/slide6.xml><?xml version="1.0" encoding="utf-8"?>
+<file path=ppt/slides/slide41.xml><?xml version="1.0" encoding="utf-8"?>
 <p:sld xmlns:a="http://schemas.openxmlformats.org/drawingml/2006/main" xmlns:r="http://schemas.openxmlformats.org/officeDocument/2006/relationships" xmlns:p="http://schemas.openxmlformats.org/presentationml/2006/main">
   <p:cSld>
     <p:spTree>
@@ -18342,10 +18464,142 @@
       </p:grpSpPr>
       <p:sp>
         <p:nvSpPr>
-          <p:cNvPr id="2" name="Title 1">
-            <a:extLst>
-              <a:ext uri="{FF2B5EF4-FFF2-40B4-BE49-F238E27FC236}">
-                <a16:creationId xmlns:a16="http://schemas.microsoft.com/office/drawing/2014/main" id="{CFACDA59-55A0-4EA5-B3E4-646D1D3B4CEB}"/>
+          <p:cNvPr id="22" name="Date Placeholder 21">
+            <a:extLst>
+              <a:ext uri="{FF2B5EF4-FFF2-40B4-BE49-F238E27FC236}">
+                <a16:creationId xmlns:a16="http://schemas.microsoft.com/office/drawing/2014/main" id="{692474E6-3035-46B8-9C05-9B4204E8ED39}"/>
+              </a:ext>
+            </a:extLst>
+          </p:cNvPr>
+          <p:cNvSpPr>
+            <a:spLocks noGrp="1"/>
+          </p:cNvSpPr>
+          <p:nvPr>
+            <p:ph type="dt" sz="half" idx="10"/>
+          </p:nvPr>
+        </p:nvSpPr>
+        <p:spPr/>
+        <p:txBody>
+          <a:bodyPr/>
+          <a:lstStyle/>
+          <a:p>
+            <a:r>
+              <a:rPr lang="en-US" dirty="0"/>
+              <a:t>28/2/2023</a:t>
+            </a:r>
+          </a:p>
+        </p:txBody>
+      </p:sp>
+      <p:sp>
+        <p:nvSpPr>
+          <p:cNvPr id="24" name="Slide Number Placeholder 23">
+            <a:extLst>
+              <a:ext uri="{FF2B5EF4-FFF2-40B4-BE49-F238E27FC236}">
+                <a16:creationId xmlns:a16="http://schemas.microsoft.com/office/drawing/2014/main" id="{5D838446-B95D-4AB7-B8CA-D5804BB79A11}"/>
+              </a:ext>
+            </a:extLst>
+          </p:cNvPr>
+          <p:cNvSpPr>
+            <a:spLocks noGrp="1"/>
+          </p:cNvSpPr>
+          <p:nvPr>
+            <p:ph type="sldNum" sz="quarter" idx="12"/>
+          </p:nvPr>
+        </p:nvSpPr>
+        <p:spPr/>
+        <p:txBody>
+          <a:bodyPr/>
+          <a:lstStyle/>
+          <a:p>
+            <a:fld id="{D8DA9DAA-006C-4F4B-980E-E3DF019B24E2}" type="slidenum">
+              <a:rPr lang="en-US" smtClean="0"/>
+              <a:pPr/>
+              <a:t>41</a:t>
+            </a:fld>
+            <a:endParaRPr lang="en-US" dirty="0"/>
+          </a:p>
+        </p:txBody>
+      </p:sp>
+      <p:sp>
+        <p:nvSpPr>
+          <p:cNvPr id="23" name="Footer Placeholder 22">
+            <a:extLst>
+              <a:ext uri="{FF2B5EF4-FFF2-40B4-BE49-F238E27FC236}">
+                <a16:creationId xmlns:a16="http://schemas.microsoft.com/office/drawing/2014/main" id="{DE8D546E-0F46-4CC0-B2B1-8B2430D00C0C}"/>
+              </a:ext>
+            </a:extLst>
+          </p:cNvPr>
+          <p:cNvSpPr>
+            <a:spLocks noGrp="1"/>
+          </p:cNvSpPr>
+          <p:nvPr>
+            <p:ph type="ftr" sz="quarter" idx="11"/>
+          </p:nvPr>
+        </p:nvSpPr>
+        <p:spPr/>
+        <p:txBody>
+          <a:bodyPr/>
+          <a:lstStyle/>
+          <a:p>
+            <a:r>
+              <a:rPr lang="en-US" dirty="0"/>
+              <a:t>LFS-EDGE</a:t>
+            </a:r>
+          </a:p>
+        </p:txBody>
+      </p:sp>
+      <p:pic>
+        <p:nvPicPr>
+          <p:cNvPr id="9" name="Picture Placeholder 8" descr="mountains at sunset">
+            <a:extLst>
+              <a:ext uri="{FF2B5EF4-FFF2-40B4-BE49-F238E27FC236}">
+                <a16:creationId xmlns:a16="http://schemas.microsoft.com/office/drawing/2014/main" id="{C82DA925-978C-48A9-98AD-0653B7A3D2D9}"/>
+              </a:ext>
+            </a:extLst>
+          </p:cNvPr>
+          <p:cNvPicPr>
+            <a:picLocks noGrp="1" noChangeAspect="1"/>
+          </p:cNvPicPr>
+          <p:nvPr>
+            <p:ph type="pic" sz="quarter" idx="14"/>
+          </p:nvPr>
+        </p:nvPicPr>
+        <p:blipFill rotWithShape="1">
+          <a:blip r:embed="rId2"/>
+          <a:srcRect t="41" b="41"/>
+          <a:stretch/>
+        </p:blipFill>
+        <p:spPr/>
+      </p:pic>
+      <p:pic>
+        <p:nvPicPr>
+          <p:cNvPr id="11" name="Picture Placeholder 10" descr="mountains at sunset">
+            <a:extLst>
+              <a:ext uri="{FF2B5EF4-FFF2-40B4-BE49-F238E27FC236}">
+                <a16:creationId xmlns:a16="http://schemas.microsoft.com/office/drawing/2014/main" id="{E63B7C3F-04A4-43F6-881D-FA11061CBAFA}"/>
+              </a:ext>
+            </a:extLst>
+          </p:cNvPr>
+          <p:cNvPicPr>
+            <a:picLocks noGrp="1" noChangeAspect="1"/>
+          </p:cNvPicPr>
+          <p:nvPr>
+            <p:ph type="pic" sz="quarter" idx="15"/>
+          </p:nvPr>
+        </p:nvPicPr>
+        <p:blipFill rotWithShape="1">
+          <a:blip r:embed="rId3"/>
+          <a:srcRect t="347" b="347"/>
+          <a:stretch/>
+        </p:blipFill>
+        <p:spPr/>
+      </p:pic>
+      <p:sp>
+        <p:nvSpPr>
+          <p:cNvPr id="6" name="Title 5">
+            <a:extLst>
+              <a:ext uri="{FF2B5EF4-FFF2-40B4-BE49-F238E27FC236}">
+                <a16:creationId xmlns:a16="http://schemas.microsoft.com/office/drawing/2014/main" id="{FF777B66-94CB-491C-AC6B-BDAC98E21D57}"/>
               </a:ext>
             </a:extLst>
           </p:cNvPr>
@@ -18358,25 +18612,22 @@
         </p:nvSpPr>
         <p:spPr/>
         <p:txBody>
-          <a:bodyPr>
-            <a:normAutofit/>
-          </a:bodyPr>
+          <a:bodyPr/>
           <a:lstStyle/>
           <a:p>
             <a:r>
               <a:rPr lang="en-US" dirty="0"/>
-              <a:t>What is it for?</a:t>
-            </a:r>
-            <a:endParaRPr lang="en-US" sz="5400" dirty="0"/>
-          </a:p>
-        </p:txBody>
-      </p:sp>
-      <p:sp>
-        <p:nvSpPr>
-          <p:cNvPr id="15" name="Content Placeholder 14">
-            <a:extLst>
-              <a:ext uri="{FF2B5EF4-FFF2-40B4-BE49-F238E27FC236}">
-                <a16:creationId xmlns:a16="http://schemas.microsoft.com/office/drawing/2014/main" id="{0DE4AC6A-3FAF-881B-86DE-A0BFC3B4250F}"/>
+              <a:t>Thank you</a:t>
+            </a:r>
+          </a:p>
+        </p:txBody>
+      </p:sp>
+      <p:sp>
+        <p:nvSpPr>
+          <p:cNvPr id="7" name="Text Placeholder 6">
+            <a:extLst>
+              <a:ext uri="{FF2B5EF4-FFF2-40B4-BE49-F238E27FC236}">
+                <a16:creationId xmlns:a16="http://schemas.microsoft.com/office/drawing/2014/main" id="{42AF1107-8D35-4E35-93C7-D3640946F742}"/>
               </a:ext>
             </a:extLst>
           </p:cNvPr>
@@ -18384,123 +18635,77 @@
             <a:spLocks noGrp="1"/>
           </p:cNvSpPr>
           <p:nvPr>
-            <p:ph idx="1"/>
+            <p:ph type="body" sz="quarter" idx="13"/>
           </p:nvPr>
         </p:nvSpPr>
         <p:spPr/>
         <p:txBody>
-          <a:bodyPr>
-            <a:normAutofit/>
-          </a:bodyPr>
+          <a:bodyPr/>
           <a:lstStyle/>
           <a:p>
-            <a:pPr lvl="1"/>
-            <a:r>
-              <a:rPr lang="en-US" dirty="0"/>
-              <a:t>It encourages integration of open-source projects as all resources are publicly available, mostly from </a:t>
-            </a:r>
-            <a:r>
-              <a:rPr lang="en-US" dirty="0" err="1"/>
-              <a:t>Github</a:t>
-            </a:r>
-            <a:r>
-              <a:rPr lang="en-US" dirty="0"/>
-              <a:t>.</a:t>
-            </a:r>
-          </a:p>
-          <a:p>
-            <a:pPr lvl="1"/>
-            <a:r>
-              <a:rPr lang="en-US" dirty="0"/>
-              <a:t>It has become popular as replacement for untyped scripting languages because </a:t>
-            </a:r>
-            <a:r>
-              <a:rPr lang="en-US" u="sng" dirty="0"/>
-              <a:t>it balances expressiveness with safety</a:t>
-            </a:r>
-            <a:r>
-              <a:rPr lang="en-US" dirty="0"/>
-              <a:t>.</a:t>
-            </a:r>
-          </a:p>
-          <a:p>
-            <a:pPr lvl="1"/>
-            <a:r>
-              <a:rPr lang="en-US" dirty="0"/>
-              <a:t>It is described as C for 21</a:t>
-            </a:r>
-            <a:r>
-              <a:rPr lang="en-US" baseline="30000" dirty="0"/>
-              <a:t>st</a:t>
-            </a:r>
-            <a:r>
-              <a:rPr lang="en-US" dirty="0"/>
-              <a:t> century.</a:t>
-            </a:r>
-          </a:p>
-          <a:p>
-            <a:pPr lvl="1"/>
-            <a:r>
-              <a:rPr lang="en-US" dirty="0"/>
-              <a:t>Some popular use cases are:</a:t>
-            </a:r>
-          </a:p>
-          <a:p>
-            <a:pPr lvl="2"/>
-            <a:r>
-              <a:rPr lang="en-US" dirty="0"/>
-              <a:t>Lower lever system programming (but not the lowest)</a:t>
-            </a:r>
-          </a:p>
-          <a:p>
-            <a:pPr lvl="2"/>
-            <a:r>
-              <a:rPr lang="en-US" dirty="0"/>
-              <a:t>Cloud systems (easy to embed in docker, Kubernetes)</a:t>
-            </a:r>
-          </a:p>
-          <a:p>
-            <a:pPr lvl="2"/>
-            <a:r>
-              <a:rPr lang="en-US" dirty="0"/>
-              <a:t>API design (rich standard library)</a:t>
-            </a:r>
-          </a:p>
-          <a:p>
-            <a:pPr lvl="2"/>
-            <a:r>
-              <a:rPr lang="en-US" dirty="0"/>
-              <a:t>Distributed systems (</a:t>
-            </a:r>
-            <a:r>
-              <a:rPr lang="en-US" dirty="0" err="1"/>
-              <a:t>gRPC</a:t>
-            </a:r>
-            <a:r>
-              <a:rPr lang="en-US" dirty="0"/>
-              <a:t>, REST)</a:t>
-            </a:r>
-          </a:p>
-          <a:p>
-            <a:pPr lvl="2"/>
-            <a:r>
-              <a:rPr lang="en-US" dirty="0"/>
-              <a:t>Low memory systems (low memory footprint, good locality of usage)</a:t>
-            </a:r>
-          </a:p>
-          <a:p>
-            <a:pPr lvl="2"/>
-            <a:r>
-              <a:rPr lang="en-US" dirty="0"/>
-              <a:t>Massively multiprocessor systems (cheap go-routine management)</a:t>
-            </a:r>
-          </a:p>
-        </p:txBody>
-      </p:sp>
+            <a:r>
+              <a:rPr lang="en-US" dirty="0"/>
+              <a:t>Norbert Bondarczuk</a:t>
+            </a:r>
+          </a:p>
+          <a:p>
+            <a:r>
+              <a:rPr lang="en-US" dirty="0"/>
+              <a:t>Norbert.Bondarczuk@hp.com</a:t>
+            </a:r>
+          </a:p>
+        </p:txBody>
+      </p:sp>
+      <p:pic>
+        <p:nvPicPr>
+          <p:cNvPr id="15" name="Picture Placeholder 14" descr="mountains under near dusk sky">
+            <a:extLst>
+              <a:ext uri="{FF2B5EF4-FFF2-40B4-BE49-F238E27FC236}">
+                <a16:creationId xmlns:a16="http://schemas.microsoft.com/office/drawing/2014/main" id="{3D15FDC1-74B5-4FD8-BD17-0E2502C411A6}"/>
+              </a:ext>
+            </a:extLst>
+          </p:cNvPr>
+          <p:cNvPicPr>
+            <a:picLocks noGrp="1" noChangeAspect="1"/>
+          </p:cNvPicPr>
+          <p:nvPr>
+            <p:ph type="pic" sz="quarter" idx="17"/>
+          </p:nvPr>
+        </p:nvPicPr>
+        <p:blipFill rotWithShape="1">
+          <a:blip r:embed="rId4"/>
+          <a:srcRect l="16" r="16"/>
+          <a:stretch/>
+        </p:blipFill>
+        <p:spPr/>
+      </p:pic>
+      <p:pic>
+        <p:nvPicPr>
+          <p:cNvPr id="13" name="Picture Placeholder 12" descr="mountains under the night sky just before dawn">
+            <a:extLst>
+              <a:ext uri="{FF2B5EF4-FFF2-40B4-BE49-F238E27FC236}">
+                <a16:creationId xmlns:a16="http://schemas.microsoft.com/office/drawing/2014/main" id="{E02C4914-F076-4415-9C5D-A9BDB6CC6110}"/>
+              </a:ext>
+            </a:extLst>
+          </p:cNvPr>
+          <p:cNvPicPr>
+            <a:picLocks noGrp="1" noChangeAspect="1"/>
+          </p:cNvPicPr>
+          <p:nvPr>
+            <p:ph type="pic" sz="quarter" idx="16"/>
+          </p:nvPr>
+        </p:nvPicPr>
+        <p:blipFill rotWithShape="1">
+          <a:blip r:embed="rId5"/>
+          <a:srcRect t="108" b="108"/>
+          <a:stretch/>
+        </p:blipFill>
+        <p:spPr/>
+      </p:pic>
     </p:spTree>
     <p:extLst>
       <p:ext uri="{BB962C8B-B14F-4D97-AF65-F5344CB8AC3E}">
-        <p14:creationId xmlns:p14="http://schemas.microsoft.com/office/powerpoint/2010/main" val="531954596"/>
+        <p14:creationId xmlns:p14="http://schemas.microsoft.com/office/powerpoint/2010/main" val="927313156"/>
       </p:ext>
     </p:extLst>
   </p:cSld>
@@ -18510,186 +18715,7 @@
 </p:sld>
 </file>
 
-<file path=ppt/slides/slide7.xml><?xml version="1.0" encoding="utf-8"?>
-<p:sld xmlns:a="http://schemas.openxmlformats.org/drawingml/2006/main" xmlns:r="http://schemas.openxmlformats.org/officeDocument/2006/relationships" xmlns:p="http://schemas.openxmlformats.org/presentationml/2006/main">
-  <p:cSld>
-    <p:spTree>
-      <p:nvGrpSpPr>
-        <p:cNvPr id="1" name=""/>
-        <p:cNvGrpSpPr/>
-        <p:nvPr/>
-      </p:nvGrpSpPr>
-      <p:grpSpPr>
-        <a:xfrm>
-          <a:off x="0" y="0"/>
-          <a:ext cx="0" cy="0"/>
-          <a:chOff x="0" y="0"/>
-          <a:chExt cx="0" cy="0"/>
-        </a:xfrm>
-      </p:grpSpPr>
-      <p:sp>
-        <p:nvSpPr>
-          <p:cNvPr id="2" name="Title 1">
-            <a:extLst>
-              <a:ext uri="{FF2B5EF4-FFF2-40B4-BE49-F238E27FC236}">
-                <a16:creationId xmlns:a16="http://schemas.microsoft.com/office/drawing/2014/main" id="{CFACDA59-55A0-4EA5-B3E4-646D1D3B4CEB}"/>
-              </a:ext>
-            </a:extLst>
-          </p:cNvPr>
-          <p:cNvSpPr>
-            <a:spLocks noGrp="1"/>
-          </p:cNvSpPr>
-          <p:nvPr>
-            <p:ph type="title"/>
-          </p:nvPr>
-        </p:nvSpPr>
-        <p:spPr/>
-        <p:txBody>
-          <a:bodyPr>
-            <a:normAutofit/>
-          </a:bodyPr>
-          <a:lstStyle/>
-          <a:p>
-            <a:r>
-              <a:rPr lang="en-US" dirty="0"/>
-              <a:t>Taxonomy</a:t>
-            </a:r>
-            <a:endParaRPr lang="en-US" sz="5400" dirty="0"/>
-          </a:p>
-        </p:txBody>
-      </p:sp>
-      <p:sp>
-        <p:nvSpPr>
-          <p:cNvPr id="15" name="Content Placeholder 14">
-            <a:extLst>
-              <a:ext uri="{FF2B5EF4-FFF2-40B4-BE49-F238E27FC236}">
-                <a16:creationId xmlns:a16="http://schemas.microsoft.com/office/drawing/2014/main" id="{0DE4AC6A-3FAF-881B-86DE-A0BFC3B4250F}"/>
-              </a:ext>
-            </a:extLst>
-          </p:cNvPr>
-          <p:cNvSpPr>
-            <a:spLocks noGrp="1"/>
-          </p:cNvSpPr>
-          <p:nvPr>
-            <p:ph idx="1"/>
-          </p:nvPr>
-        </p:nvSpPr>
-        <p:spPr/>
-        <p:txBody>
-          <a:bodyPr>
-            <a:normAutofit fontScale="85000" lnSpcReduction="20000"/>
-          </a:bodyPr>
-          <a:lstStyle/>
-          <a:p>
-            <a:pPr lvl="1"/>
-            <a:r>
-              <a:rPr lang="en-US" dirty="0"/>
-              <a:t>Golang comes from Pascal, Module, Oberon family of Algol-like languages.</a:t>
-            </a:r>
-          </a:p>
-          <a:p>
-            <a:pPr lvl="1"/>
-            <a:r>
-              <a:rPr lang="en-US" dirty="0"/>
-              <a:t>It is used as better C or slimmed down C++.</a:t>
-            </a:r>
-          </a:p>
-          <a:p>
-            <a:pPr lvl="1"/>
-            <a:r>
-              <a:rPr lang="en-US" dirty="0"/>
-              <a:t>Its compiler produces executable machine code which is different from Java or Python.</a:t>
-            </a:r>
-          </a:p>
-          <a:p>
-            <a:pPr lvl="1"/>
-            <a:r>
-              <a:rPr lang="en-US" dirty="0"/>
-              <a:t>It has objects and a sort of inheritance but no classes.</a:t>
-            </a:r>
-          </a:p>
-          <a:p>
-            <a:pPr lvl="1"/>
-            <a:r>
-              <a:rPr lang="en-US" dirty="0"/>
-              <a:t>It provides some recently popular features like “duck type” polymorphism, inheritance.</a:t>
-            </a:r>
-          </a:p>
-          <a:p>
-            <a:pPr lvl="1"/>
-            <a:r>
-              <a:rPr lang="en-US" dirty="0"/>
-              <a:t>It provides some super-features like CSP like channels and go-routines.</a:t>
-            </a:r>
-          </a:p>
-          <a:p>
-            <a:pPr lvl="1"/>
-            <a:r>
-              <a:rPr lang="en-US" dirty="0"/>
-              <a:t>It gives a lot in terms of development environment (go command).</a:t>
-            </a:r>
-          </a:p>
-          <a:p>
-            <a:pPr lvl="1"/>
-            <a:r>
-              <a:rPr lang="en-US" dirty="0"/>
-              <a:t>It encourages “</a:t>
-            </a:r>
-            <a:r>
-              <a:rPr lang="en-US" dirty="0" err="1"/>
-              <a:t>safe”or</a:t>
-            </a:r>
-            <a:r>
-              <a:rPr lang="en-US" dirty="0"/>
-              <a:t> defensive programming putting clarity over verbosity (short identifiers).</a:t>
-            </a:r>
-          </a:p>
-          <a:p>
-            <a:pPr lvl="1"/>
-            <a:r>
-              <a:rPr lang="en-US" dirty="0"/>
-              <a:t>Many features were made to write programs easily (no semicolons, no explicit memory management, no while loops, etc.).</a:t>
-            </a:r>
-          </a:p>
-          <a:p>
-            <a:pPr lvl="1"/>
-            <a:r>
-              <a:rPr lang="en-US" dirty="0"/>
-              <a:t>It is easy to learn, hard to master.</a:t>
-            </a:r>
-          </a:p>
-          <a:p>
-            <a:pPr lvl="1"/>
-            <a:r>
-              <a:rPr lang="en-US" dirty="0"/>
-              <a:t>Usually the good go code is well documented, written for the user to read.</a:t>
-            </a:r>
-          </a:p>
-          <a:p>
-            <a:pPr marL="457200" lvl="1" indent="0">
-              <a:buNone/>
-            </a:pPr>
-            <a:endParaRPr lang="en-US" dirty="0"/>
-          </a:p>
-          <a:p>
-            <a:endParaRPr lang="en-US" dirty="0"/>
-          </a:p>
-        </p:txBody>
-      </p:sp>
-    </p:spTree>
-    <p:extLst>
-      <p:ext uri="{BB962C8B-B14F-4D97-AF65-F5344CB8AC3E}">
-        <p14:creationId xmlns:p14="http://schemas.microsoft.com/office/powerpoint/2010/main" val="1089765631"/>
-      </p:ext>
-    </p:extLst>
-  </p:cSld>
-  <p:clrMapOvr>
-    <a:masterClrMapping/>
-  </p:clrMapOvr>
-</p:sld>
-</file>
-
-<file path=ppt/slides/slide8.xml><?xml version="1.0" encoding="utf-8"?>
+<file path=ppt/slides/slide5.xml><?xml version="1.0" encoding="utf-8"?>
 <p:sld xmlns:a="http://schemas.openxmlformats.org/drawingml/2006/main" xmlns:r="http://schemas.openxmlformats.org/officeDocument/2006/relationships" xmlns:p="http://schemas.openxmlformats.org/presentationml/2006/main">
   <p:cSld>
     <p:spTree>
@@ -18788,6 +18814,546 @@
     <p:extLst>
       <p:ext uri="{BB962C8B-B14F-4D97-AF65-F5344CB8AC3E}">
         <p14:creationId xmlns:p14="http://schemas.microsoft.com/office/powerpoint/2010/main" val="1682619705"/>
+      </p:ext>
+    </p:extLst>
+  </p:cSld>
+  <p:clrMapOvr>
+    <a:masterClrMapping/>
+  </p:clrMapOvr>
+</p:sld>
+</file>
+
+<file path=ppt/slides/slide6.xml><?xml version="1.0" encoding="utf-8"?>
+<p:sld xmlns:a="http://schemas.openxmlformats.org/drawingml/2006/main" xmlns:r="http://schemas.openxmlformats.org/officeDocument/2006/relationships" xmlns:p="http://schemas.openxmlformats.org/presentationml/2006/main">
+  <p:cSld>
+    <p:spTree>
+      <p:nvGrpSpPr>
+        <p:cNvPr id="1" name=""/>
+        <p:cNvGrpSpPr/>
+        <p:nvPr/>
+      </p:nvGrpSpPr>
+      <p:grpSpPr>
+        <a:xfrm>
+          <a:off x="0" y="0"/>
+          <a:ext cx="0" cy="0"/>
+          <a:chOff x="0" y="0"/>
+          <a:chExt cx="0" cy="0"/>
+        </a:xfrm>
+      </p:grpSpPr>
+      <p:sp>
+        <p:nvSpPr>
+          <p:cNvPr id="2" name="Title 1">
+            <a:extLst>
+              <a:ext uri="{FF2B5EF4-FFF2-40B4-BE49-F238E27FC236}">
+                <a16:creationId xmlns:a16="http://schemas.microsoft.com/office/drawing/2014/main" id="{CFACDA59-55A0-4EA5-B3E4-646D1D3B4CEB}"/>
+              </a:ext>
+            </a:extLst>
+          </p:cNvPr>
+          <p:cNvSpPr>
+            <a:spLocks noGrp="1"/>
+          </p:cNvSpPr>
+          <p:nvPr>
+            <p:ph type="title"/>
+          </p:nvPr>
+        </p:nvSpPr>
+        <p:spPr/>
+        <p:txBody>
+          <a:bodyPr>
+            <a:normAutofit/>
+          </a:bodyPr>
+          <a:lstStyle/>
+          <a:p>
+            <a:r>
+              <a:rPr lang="en-US" dirty="0"/>
+              <a:t>What is this?</a:t>
+            </a:r>
+            <a:endParaRPr lang="en-US" sz="5400" dirty="0"/>
+          </a:p>
+        </p:txBody>
+      </p:sp>
+      <p:sp>
+        <p:nvSpPr>
+          <p:cNvPr id="15" name="Content Placeholder 14">
+            <a:extLst>
+              <a:ext uri="{FF2B5EF4-FFF2-40B4-BE49-F238E27FC236}">
+                <a16:creationId xmlns:a16="http://schemas.microsoft.com/office/drawing/2014/main" id="{0DE4AC6A-3FAF-881B-86DE-A0BFC3B4250F}"/>
+              </a:ext>
+            </a:extLst>
+          </p:cNvPr>
+          <p:cNvSpPr>
+            <a:spLocks noGrp="1"/>
+          </p:cNvSpPr>
+          <p:nvPr>
+            <p:ph idx="1"/>
+          </p:nvPr>
+        </p:nvSpPr>
+        <p:spPr>
+          <a:xfrm>
+            <a:off x="736600" y="1794932"/>
+            <a:ext cx="10515600" cy="4504267"/>
+          </a:xfrm>
+        </p:spPr>
+        <p:txBody>
+          <a:bodyPr>
+            <a:normAutofit/>
+          </a:bodyPr>
+          <a:lstStyle/>
+          <a:p>
+            <a:pPr marL="0" indent="0">
+              <a:buNone/>
+            </a:pPr>
+            <a:r>
+              <a:rPr lang="en-US" i="1" dirty="0"/>
+              <a:t>“Go is an open source programming language that makes it easy to build simple, reliable and efficient software”</a:t>
+            </a:r>
+            <a:r>
+              <a:rPr lang="en-US" dirty="0"/>
+              <a:t> (From the Go site at </a:t>
+            </a:r>
+            <a:r>
+              <a:rPr lang="en-US" dirty="0">
+                <a:latin typeface="Courier New" panose="02070309020205020404" pitchFamily="49" charset="0"/>
+                <a:cs typeface="Courier New" panose="02070309020205020404" pitchFamily="49" charset="0"/>
+              </a:rPr>
+              <a:t>golang.org</a:t>
+            </a:r>
+            <a:r>
+              <a:rPr lang="en-US" dirty="0"/>
+              <a:t>)</a:t>
+            </a:r>
+          </a:p>
+          <a:p>
+            <a:pPr marL="0" indent="0">
+              <a:buNone/>
+            </a:pPr>
+            <a:endParaRPr lang="en-US" dirty="0"/>
+          </a:p>
+          <a:p>
+            <a:pPr marL="457200" lvl="1" indent="0">
+              <a:buNone/>
+            </a:pPr>
+            <a:r>
+              <a:rPr lang="en-US" dirty="0">
+                <a:hlinkClick r:id="rId2"/>
+              </a:rPr>
+              <a:t>The Go Programming Language</a:t>
+            </a:r>
+            <a:endParaRPr lang="en-US" dirty="0"/>
+          </a:p>
+          <a:p>
+            <a:pPr marL="457200" lvl="1" indent="0">
+              <a:buNone/>
+            </a:pPr>
+            <a:endParaRPr lang="en-US" dirty="0"/>
+          </a:p>
+          <a:p>
+            <a:pPr marL="457200" lvl="1" indent="0">
+              <a:buNone/>
+            </a:pPr>
+            <a:r>
+              <a:rPr lang="en-US" dirty="0">
+                <a:hlinkClick r:id="rId3"/>
+              </a:rPr>
+              <a:t>Tutorial: Get started with Go - The Go Programming Language</a:t>
+            </a:r>
+            <a:endParaRPr lang="en-US" dirty="0"/>
+          </a:p>
+          <a:p>
+            <a:pPr marL="457200" lvl="1" indent="0">
+              <a:buNone/>
+            </a:pPr>
+            <a:endParaRPr lang="en-US" dirty="0"/>
+          </a:p>
+          <a:p>
+            <a:pPr marL="457200" lvl="1" indent="0">
+              <a:buNone/>
+            </a:pPr>
+            <a:r>
+              <a:rPr lang="en-US" dirty="0">
+                <a:hlinkClick r:id="rId4"/>
+              </a:rPr>
+              <a:t>Documentation - The Go Programming Language</a:t>
+            </a:r>
+            <a:endParaRPr lang="en-US" dirty="0"/>
+          </a:p>
+          <a:p>
+            <a:pPr marL="0" indent="0">
+              <a:buNone/>
+            </a:pPr>
+            <a:endParaRPr lang="en-US" dirty="0"/>
+          </a:p>
+        </p:txBody>
+      </p:sp>
+    </p:spTree>
+    <p:extLst>
+      <p:ext uri="{BB962C8B-B14F-4D97-AF65-F5344CB8AC3E}">
+        <p14:creationId xmlns:p14="http://schemas.microsoft.com/office/powerpoint/2010/main" val="1979549358"/>
+      </p:ext>
+    </p:extLst>
+  </p:cSld>
+  <p:clrMapOvr>
+    <a:masterClrMapping/>
+  </p:clrMapOvr>
+</p:sld>
+</file>
+
+<file path=ppt/slides/slide7.xml><?xml version="1.0" encoding="utf-8"?>
+<p:sld xmlns:a="http://schemas.openxmlformats.org/drawingml/2006/main" xmlns:r="http://schemas.openxmlformats.org/officeDocument/2006/relationships" xmlns:p="http://schemas.openxmlformats.org/presentationml/2006/main">
+  <p:cSld>
+    <p:spTree>
+      <p:nvGrpSpPr>
+        <p:cNvPr id="1" name=""/>
+        <p:cNvGrpSpPr/>
+        <p:nvPr/>
+      </p:nvGrpSpPr>
+      <p:grpSpPr>
+        <a:xfrm>
+          <a:off x="0" y="0"/>
+          <a:ext cx="0" cy="0"/>
+          <a:chOff x="0" y="0"/>
+          <a:chExt cx="0" cy="0"/>
+        </a:xfrm>
+      </p:grpSpPr>
+      <p:sp>
+        <p:nvSpPr>
+          <p:cNvPr id="2" name="Title 1">
+            <a:extLst>
+              <a:ext uri="{FF2B5EF4-FFF2-40B4-BE49-F238E27FC236}">
+                <a16:creationId xmlns:a16="http://schemas.microsoft.com/office/drawing/2014/main" id="{CFACDA59-55A0-4EA5-B3E4-646D1D3B4CEB}"/>
+              </a:ext>
+            </a:extLst>
+          </p:cNvPr>
+          <p:cNvSpPr>
+            <a:spLocks noGrp="1"/>
+          </p:cNvSpPr>
+          <p:nvPr>
+            <p:ph type="title"/>
+          </p:nvPr>
+        </p:nvSpPr>
+        <p:spPr/>
+        <p:txBody>
+          <a:bodyPr>
+            <a:normAutofit/>
+          </a:bodyPr>
+          <a:lstStyle/>
+          <a:p>
+            <a:r>
+              <a:rPr lang="en-US" dirty="0"/>
+              <a:t>What is it for?</a:t>
+            </a:r>
+            <a:endParaRPr lang="en-US" sz="5400" dirty="0"/>
+          </a:p>
+        </p:txBody>
+      </p:sp>
+      <p:sp>
+        <p:nvSpPr>
+          <p:cNvPr id="15" name="Content Placeholder 14">
+            <a:extLst>
+              <a:ext uri="{FF2B5EF4-FFF2-40B4-BE49-F238E27FC236}">
+                <a16:creationId xmlns:a16="http://schemas.microsoft.com/office/drawing/2014/main" id="{0DE4AC6A-3FAF-881B-86DE-A0BFC3B4250F}"/>
+              </a:ext>
+            </a:extLst>
+          </p:cNvPr>
+          <p:cNvSpPr>
+            <a:spLocks noGrp="1"/>
+          </p:cNvSpPr>
+          <p:nvPr>
+            <p:ph idx="1"/>
+          </p:nvPr>
+        </p:nvSpPr>
+        <p:spPr/>
+        <p:txBody>
+          <a:bodyPr>
+            <a:normAutofit/>
+          </a:bodyPr>
+          <a:lstStyle/>
+          <a:p>
+            <a:pPr lvl="1"/>
+            <a:r>
+              <a:rPr lang="en-US" dirty="0"/>
+              <a:t>It encourages integration of open-source projects as all resources are publicly available, mostly from </a:t>
+            </a:r>
+            <a:r>
+              <a:rPr lang="en-US" dirty="0" err="1"/>
+              <a:t>Github</a:t>
+            </a:r>
+            <a:r>
+              <a:rPr lang="en-US" dirty="0"/>
+              <a:t>.</a:t>
+            </a:r>
+          </a:p>
+          <a:p>
+            <a:pPr lvl="1"/>
+            <a:r>
+              <a:rPr lang="en-US" dirty="0"/>
+              <a:t>It has become popular as replacement for untyped scripting languages because </a:t>
+            </a:r>
+            <a:r>
+              <a:rPr lang="en-US" u="sng" dirty="0"/>
+              <a:t>it balances expressiveness with safety</a:t>
+            </a:r>
+            <a:r>
+              <a:rPr lang="en-US" dirty="0"/>
+              <a:t>.</a:t>
+            </a:r>
+          </a:p>
+          <a:p>
+            <a:pPr lvl="1"/>
+            <a:r>
+              <a:rPr lang="en-US" dirty="0"/>
+              <a:t>It is described as C for 21</a:t>
+            </a:r>
+            <a:r>
+              <a:rPr lang="en-US" baseline="30000" dirty="0"/>
+              <a:t>st</a:t>
+            </a:r>
+            <a:r>
+              <a:rPr lang="en-US" dirty="0"/>
+              <a:t> century.</a:t>
+            </a:r>
+          </a:p>
+          <a:p>
+            <a:pPr lvl="1"/>
+            <a:r>
+              <a:rPr lang="en-US" dirty="0"/>
+              <a:t>Some popular use cases are:</a:t>
+            </a:r>
+          </a:p>
+          <a:p>
+            <a:pPr lvl="2"/>
+            <a:r>
+              <a:rPr lang="en-US" dirty="0"/>
+              <a:t>Lower lever system programming (but not the lowest)</a:t>
+            </a:r>
+          </a:p>
+          <a:p>
+            <a:pPr lvl="2"/>
+            <a:r>
+              <a:rPr lang="en-US" dirty="0"/>
+              <a:t>Cloud systems (easy to embed in docker, Kubernetes)</a:t>
+            </a:r>
+          </a:p>
+          <a:p>
+            <a:pPr lvl="2"/>
+            <a:r>
+              <a:rPr lang="en-US" dirty="0"/>
+              <a:t>API design (rich standard library)</a:t>
+            </a:r>
+          </a:p>
+          <a:p>
+            <a:pPr lvl="2"/>
+            <a:r>
+              <a:rPr lang="en-US" dirty="0"/>
+              <a:t>Distributed systems (</a:t>
+            </a:r>
+            <a:r>
+              <a:rPr lang="en-US" dirty="0" err="1"/>
+              <a:t>gRPC</a:t>
+            </a:r>
+            <a:r>
+              <a:rPr lang="en-US" dirty="0"/>
+              <a:t>, REST)</a:t>
+            </a:r>
+          </a:p>
+          <a:p>
+            <a:pPr lvl="2"/>
+            <a:r>
+              <a:rPr lang="en-US" dirty="0"/>
+              <a:t>Low memory systems (low memory footprint, good locality of usage)</a:t>
+            </a:r>
+          </a:p>
+          <a:p>
+            <a:pPr lvl="2"/>
+            <a:r>
+              <a:rPr lang="en-US" dirty="0"/>
+              <a:t>Massively multiprocessor systems (cheap go-routine management)</a:t>
+            </a:r>
+          </a:p>
+        </p:txBody>
+      </p:sp>
+    </p:spTree>
+    <p:extLst>
+      <p:ext uri="{BB962C8B-B14F-4D97-AF65-F5344CB8AC3E}">
+        <p14:creationId xmlns:p14="http://schemas.microsoft.com/office/powerpoint/2010/main" val="531954596"/>
+      </p:ext>
+    </p:extLst>
+  </p:cSld>
+  <p:clrMapOvr>
+    <a:masterClrMapping/>
+  </p:clrMapOvr>
+</p:sld>
+</file>
+
+<file path=ppt/slides/slide8.xml><?xml version="1.0" encoding="utf-8"?>
+<p:sld xmlns:a="http://schemas.openxmlformats.org/drawingml/2006/main" xmlns:r="http://schemas.openxmlformats.org/officeDocument/2006/relationships" xmlns:p="http://schemas.openxmlformats.org/presentationml/2006/main">
+  <p:cSld>
+    <p:spTree>
+      <p:nvGrpSpPr>
+        <p:cNvPr id="1" name=""/>
+        <p:cNvGrpSpPr/>
+        <p:nvPr/>
+      </p:nvGrpSpPr>
+      <p:grpSpPr>
+        <a:xfrm>
+          <a:off x="0" y="0"/>
+          <a:ext cx="0" cy="0"/>
+          <a:chOff x="0" y="0"/>
+          <a:chExt cx="0" cy="0"/>
+        </a:xfrm>
+      </p:grpSpPr>
+      <p:sp>
+        <p:nvSpPr>
+          <p:cNvPr id="2" name="Title 1">
+            <a:extLst>
+              <a:ext uri="{FF2B5EF4-FFF2-40B4-BE49-F238E27FC236}">
+                <a16:creationId xmlns:a16="http://schemas.microsoft.com/office/drawing/2014/main" id="{CFACDA59-55A0-4EA5-B3E4-646D1D3B4CEB}"/>
+              </a:ext>
+            </a:extLst>
+          </p:cNvPr>
+          <p:cNvSpPr>
+            <a:spLocks noGrp="1"/>
+          </p:cNvSpPr>
+          <p:nvPr>
+            <p:ph type="title"/>
+          </p:nvPr>
+        </p:nvSpPr>
+        <p:spPr/>
+        <p:txBody>
+          <a:bodyPr>
+            <a:normAutofit/>
+          </a:bodyPr>
+          <a:lstStyle/>
+          <a:p>
+            <a:r>
+              <a:rPr lang="en-US" dirty="0"/>
+              <a:t>Taxonomy</a:t>
+            </a:r>
+            <a:endParaRPr lang="en-US" sz="5400" dirty="0"/>
+          </a:p>
+        </p:txBody>
+      </p:sp>
+      <p:sp>
+        <p:nvSpPr>
+          <p:cNvPr id="15" name="Content Placeholder 14">
+            <a:extLst>
+              <a:ext uri="{FF2B5EF4-FFF2-40B4-BE49-F238E27FC236}">
+                <a16:creationId xmlns:a16="http://schemas.microsoft.com/office/drawing/2014/main" id="{0DE4AC6A-3FAF-881B-86DE-A0BFC3B4250F}"/>
+              </a:ext>
+            </a:extLst>
+          </p:cNvPr>
+          <p:cNvSpPr>
+            <a:spLocks noGrp="1"/>
+          </p:cNvSpPr>
+          <p:nvPr>
+            <p:ph idx="1"/>
+          </p:nvPr>
+        </p:nvSpPr>
+        <p:spPr/>
+        <p:txBody>
+          <a:bodyPr>
+            <a:normAutofit fontScale="85000" lnSpcReduction="20000"/>
+          </a:bodyPr>
+          <a:lstStyle/>
+          <a:p>
+            <a:pPr lvl="1"/>
+            <a:r>
+              <a:rPr lang="en-US" dirty="0"/>
+              <a:t>Golang comes from Pascal, Module, Oberon family of Algol-like languages.</a:t>
+            </a:r>
+          </a:p>
+          <a:p>
+            <a:pPr lvl="1"/>
+            <a:r>
+              <a:rPr lang="en-US" dirty="0"/>
+              <a:t>It is used as better C or slimmed down C++.</a:t>
+            </a:r>
+          </a:p>
+          <a:p>
+            <a:pPr lvl="1"/>
+            <a:r>
+              <a:rPr lang="en-US" dirty="0"/>
+              <a:t>Its compiler produces executable machine code which is different from Java or Python.</a:t>
+            </a:r>
+          </a:p>
+          <a:p>
+            <a:pPr lvl="1"/>
+            <a:r>
+              <a:rPr lang="en-US" dirty="0"/>
+              <a:t>It has objects and a sort of inheritance but no classes.</a:t>
+            </a:r>
+          </a:p>
+          <a:p>
+            <a:pPr lvl="1"/>
+            <a:r>
+              <a:rPr lang="en-US" dirty="0"/>
+              <a:t>It provides some recently popular features like “duck type” polymorphism, inheritance.</a:t>
+            </a:r>
+          </a:p>
+          <a:p>
+            <a:pPr lvl="1"/>
+            <a:r>
+              <a:rPr lang="en-US" dirty="0"/>
+              <a:t>It provides some super-features like CSP like channels and go-routines.</a:t>
+            </a:r>
+          </a:p>
+          <a:p>
+            <a:pPr lvl="1"/>
+            <a:r>
+              <a:rPr lang="en-US" dirty="0"/>
+              <a:t>It gives a lot in terms of development environment (go command).</a:t>
+            </a:r>
+          </a:p>
+          <a:p>
+            <a:pPr lvl="1"/>
+            <a:r>
+              <a:rPr lang="en-US" dirty="0"/>
+              <a:t>It encourages “</a:t>
+            </a:r>
+            <a:r>
+              <a:rPr lang="en-US" dirty="0" err="1"/>
+              <a:t>safe”or</a:t>
+            </a:r>
+            <a:r>
+              <a:rPr lang="en-US" dirty="0"/>
+              <a:t> defensive programming putting clarity over verbosity (short identifiers).</a:t>
+            </a:r>
+          </a:p>
+          <a:p>
+            <a:pPr lvl="1"/>
+            <a:r>
+              <a:rPr lang="en-US" dirty="0"/>
+              <a:t>Many features were made to write programs easily (no semicolons, no explicit memory management, no while loops, etc.).</a:t>
+            </a:r>
+          </a:p>
+          <a:p>
+            <a:pPr lvl="1"/>
+            <a:r>
+              <a:rPr lang="en-US" dirty="0"/>
+              <a:t>It is easy to learn, hard to master.</a:t>
+            </a:r>
+          </a:p>
+          <a:p>
+            <a:pPr lvl="1"/>
+            <a:r>
+              <a:rPr lang="en-US" dirty="0"/>
+              <a:t>Usually the good go code is well documented, written for the user to read.</a:t>
+            </a:r>
+          </a:p>
+          <a:p>
+            <a:pPr marL="457200" lvl="1" indent="0">
+              <a:buNone/>
+            </a:pPr>
+            <a:endParaRPr lang="en-US" dirty="0"/>
+          </a:p>
+          <a:p>
+            <a:endParaRPr lang="en-US" dirty="0"/>
+          </a:p>
+        </p:txBody>
+      </p:sp>
+    </p:spTree>
+    <p:extLst>
+      <p:ext uri="{BB962C8B-B14F-4D97-AF65-F5344CB8AC3E}">
+        <p14:creationId xmlns:p14="http://schemas.microsoft.com/office/powerpoint/2010/main" val="1089765631"/>
       </p:ext>
     </p:extLst>
   </p:cSld>
@@ -19451,15 +20017,6 @@
 </file>
 
 <file path=customXml/item1.xml><?xml version="1.0" encoding="utf-8"?>
-<?mso-contentType ?>
-<FormTemplates xmlns="http://schemas.microsoft.com/sharepoint/v3/contenttype/forms">
-  <Display>DocumentLibraryForm</Display>
-  <Edit>DocumentLibraryForm</Edit>
-  <New>DocumentLibraryForm</New>
-</FormTemplates>
-</file>
-
-<file path=customXml/item2.xml><?xml version="1.0" encoding="utf-8"?>
 <p:properties xmlns:p="http://schemas.microsoft.com/office/2006/metadata/properties" xmlns:xsi="http://www.w3.org/2001/XMLSchema-instance" xmlns:pc="http://schemas.microsoft.com/office/infopath/2007/PartnerControls">
   <documentManagement>
     <Status xmlns="71af3243-3dd4-4a8d-8c0d-dd76da1f02a5">Not started</Status>
@@ -19468,7 +20025,7 @@
 </p:properties>
 </file>
 
-<file path=customXml/item3.xml><?xml version="1.0" encoding="utf-8"?>
+<file path=customXml/item2.xml><?xml version="1.0" encoding="utf-8"?>
 <ct:contentTypeSchema xmlns:ct="http://schemas.microsoft.com/office/2006/metadata/contentType" xmlns:ma="http://schemas.microsoft.com/office/2006/metadata/properties/metaAttributes" ct:_="" ma:_="" ma:contentTypeName="Document" ma:contentTypeID="0x01010079F111ED35F8CC479449609E8A0923A6" ma:contentTypeVersion="12" ma:contentTypeDescription="Create a new document." ma:contentTypeScope="" ma:versionID="426e97fa315356fffbdcd9876fe988c2">
   <xsd:schema xmlns:xsd="http://www.w3.org/2001/XMLSchema" xmlns:xs="http://www.w3.org/2001/XMLSchema" xmlns:p="http://schemas.microsoft.com/office/2006/metadata/properties" xmlns:ns2="71af3243-3dd4-4a8d-8c0d-dd76da1f02a5" xmlns:ns3="16c05727-aa75-4e4a-9b5f-8a80a1165891" targetNamespace="http://schemas.microsoft.com/office/2006/metadata/properties" ma:root="true" ma:fieldsID="14b8f0def80e6d70ce3def20c90759ae" ns2:_="" ns3:_="">
     <xsd:import namespace="71af3243-3dd4-4a8d-8c0d-dd76da1f02a5"/>
@@ -19689,15 +20246,16 @@
 </ct:contentTypeSchema>
 </file>
 
-<file path=customXml/itemProps1.xml><?xml version="1.0" encoding="utf-8"?>
-<ds:datastoreItem xmlns:ds="http://schemas.openxmlformats.org/officeDocument/2006/customXml" ds:itemID="{3C8E00D1-8EA3-4E42-801D-0253E1EAFC21}">
-  <ds:schemaRefs>
-    <ds:schemaRef ds:uri="http://schemas.microsoft.com/sharepoint/v3/contenttype/forms"/>
-  </ds:schemaRefs>
-</ds:datastoreItem>
+<file path=customXml/item3.xml><?xml version="1.0" encoding="utf-8"?>
+<?mso-contentType ?>
+<FormTemplates xmlns="http://schemas.microsoft.com/sharepoint/v3/contenttype/forms">
+  <Display>DocumentLibraryForm</Display>
+  <Edit>DocumentLibraryForm</Edit>
+  <New>DocumentLibraryForm</New>
+</FormTemplates>
 </file>
 
-<file path=customXml/itemProps2.xml><?xml version="1.0" encoding="utf-8"?>
+<file path=customXml/itemProps1.xml><?xml version="1.0" encoding="utf-8"?>
 <ds:datastoreItem xmlns:ds="http://schemas.openxmlformats.org/officeDocument/2006/customXml" ds:itemID="{99919F73-B6C2-4A43-95E2-833EC48925FE}">
   <ds:schemaRefs>
     <ds:schemaRef ds:uri="http://schemas.openxmlformats.org/package/2006/metadata/core-properties"/>
@@ -19714,7 +20272,7 @@
 </ds:datastoreItem>
 </file>
 
-<file path=customXml/itemProps3.xml><?xml version="1.0" encoding="utf-8"?>
+<file path=customXml/itemProps2.xml><?xml version="1.0" encoding="utf-8"?>
 <ds:datastoreItem xmlns:ds="http://schemas.openxmlformats.org/officeDocument/2006/customXml" ds:itemID="{ABC329F5-30EE-4BF7-AA2A-B837B51416B4}">
   <ds:schemaRefs>
     <ds:schemaRef ds:uri="http://schemas.microsoft.com/office/2006/metadata/contentType"/>
@@ -19731,4 +20289,12 @@
     <ds:schemaRef ds:uri="http://schemas.microsoft.com/internal/obd"/>
   </ds:schemaRefs>
 </ds:datastoreItem>
+</file>
+
+<file path=customXml/itemProps3.xml><?xml version="1.0" encoding="utf-8"?>
+<ds:datastoreItem xmlns:ds="http://schemas.openxmlformats.org/officeDocument/2006/customXml" ds:itemID="{3C8E00D1-8EA3-4E42-801D-0253E1EAFC21}">
+  <ds:schemaRefs>
+    <ds:schemaRef ds:uri="http://schemas.microsoft.com/sharepoint/v3/contenttype/forms"/>
+  </ds:schemaRefs>
+</ds:datastoreItem>
 </file>